--- a/Python_Dev/Python Intermediário/Material Python/5 Lista/5- Lista.pptx
+++ b/Python_Dev/Python Intermediário/Material Python/5 Lista/5- Lista.pptx
@@ -13,6 +13,13 @@
     <p:sldId id="295" r:id="rId7"/>
     <p:sldId id="296" r:id="rId8"/>
     <p:sldId id="297" r:id="rId9"/>
+    <p:sldId id="299" r:id="rId10"/>
+    <p:sldId id="300" r:id="rId11"/>
+    <p:sldId id="302" r:id="rId12"/>
+    <p:sldId id="303" r:id="rId13"/>
+    <p:sldId id="301" r:id="rId14"/>
+    <p:sldId id="304" r:id="rId15"/>
+    <p:sldId id="305" r:id="rId16"/>
   </p:sldIdLst>
   <p:sldSz cx="12192000" cy="6858000"/>
   <p:notesSz cx="6858000" cy="9144000"/>
@@ -1331,7 +1338,7 @@
             <a:fld id="{9334D819-9F07-4261-B09B-9E467E5D9002}" type="datetimeFigureOut">
               <a:rPr lang="en-US" dirty="0"/>
               <a:pPr/>
-              <a:t>5/27/2024</a:t>
+              <a:t>6/8/2024</a:t>
             </a:fld>
             <a:endParaRPr lang="en-US" dirty="0"/>
           </a:p>
@@ -1565,7 +1572,7 @@
           <a:p>
             <a:fld id="{9334D819-9F07-4261-B09B-9E467E5D9002}" type="datetimeFigureOut">
               <a:rPr lang="en-US" dirty="0"/>
-              <a:t>5/27/2024</a:t>
+              <a:t>6/8/2024</a:t>
             </a:fld>
             <a:endParaRPr lang="en-US" dirty="0"/>
           </a:p>
@@ -1740,7 +1747,7 @@
           <a:p>
             <a:fld id="{9334D819-9F07-4261-B09B-9E467E5D9002}" type="datetimeFigureOut">
               <a:rPr lang="en-US" dirty="0"/>
-              <a:t>5/27/2024</a:t>
+              <a:t>6/8/2024</a:t>
             </a:fld>
             <a:endParaRPr lang="en-US" dirty="0"/>
           </a:p>
@@ -1905,7 +1912,7 @@
           <a:p>
             <a:fld id="{9334D819-9F07-4261-B09B-9E467E5D9002}" type="datetimeFigureOut">
               <a:rPr lang="en-US" dirty="0"/>
-              <a:t>5/27/2024</a:t>
+              <a:t>6/8/2024</a:t>
             </a:fld>
             <a:endParaRPr lang="en-US" dirty="0"/>
           </a:p>
@@ -2177,7 +2184,7 @@
             <a:fld id="{9334D819-9F07-4261-B09B-9E467E5D9002}" type="datetimeFigureOut">
               <a:rPr lang="en-US" dirty="0"/>
               <a:pPr/>
-              <a:t>5/27/2024</a:t>
+              <a:t>6/8/2024</a:t>
             </a:fld>
             <a:endParaRPr lang="en-US" dirty="0"/>
           </a:p>
@@ -3374,7 +3381,7 @@
           <a:p>
             <a:fld id="{9334D819-9F07-4261-B09B-9E467E5D9002}" type="datetimeFigureOut">
               <a:rPr lang="en-US" dirty="0"/>
-              <a:t>5/27/2024</a:t>
+              <a:t>6/8/2024</a:t>
             </a:fld>
             <a:endParaRPr lang="en-US" dirty="0"/>
           </a:p>
@@ -3759,7 +3766,7 @@
           <a:p>
             <a:fld id="{9334D819-9F07-4261-B09B-9E467E5D9002}" type="datetimeFigureOut">
               <a:rPr lang="en-US" dirty="0"/>
-              <a:t>5/27/2024</a:t>
+              <a:t>6/8/2024</a:t>
             </a:fld>
             <a:endParaRPr lang="en-US" dirty="0"/>
           </a:p>
@@ -3877,7 +3884,7 @@
           <a:p>
             <a:fld id="{9334D819-9F07-4261-B09B-9E467E5D9002}" type="datetimeFigureOut">
               <a:rPr lang="en-US" dirty="0"/>
-              <a:t>5/27/2024</a:t>
+              <a:t>6/8/2024</a:t>
             </a:fld>
             <a:endParaRPr lang="en-US" dirty="0"/>
           </a:p>
@@ -3967,7 +3974,7 @@
           <a:p>
             <a:fld id="{9334D819-9F07-4261-B09B-9E467E5D9002}" type="datetimeFigureOut">
               <a:rPr lang="en-US" dirty="0"/>
-              <a:t>5/27/2024</a:t>
+              <a:t>6/8/2024</a:t>
             </a:fld>
             <a:endParaRPr lang="en-US" dirty="0"/>
           </a:p>
@@ -4725,7 +4732,7 @@
           <a:p>
             <a:fld id="{9334D819-9F07-4261-B09B-9E467E5D9002}" type="datetimeFigureOut">
               <a:rPr lang="en-US" dirty="0"/>
-              <a:t>5/27/2024</a:t>
+              <a:t>6/8/2024</a:t>
             </a:fld>
             <a:endParaRPr lang="en-US" dirty="0"/>
           </a:p>
@@ -5560,7 +5567,7 @@
           <a:p>
             <a:fld id="{9334D819-9F07-4261-B09B-9E467E5D9002}" type="datetimeFigureOut">
               <a:rPr lang="en-US" dirty="0"/>
-              <a:t>5/27/2024</a:t>
+              <a:t>6/8/2024</a:t>
             </a:fld>
             <a:endParaRPr lang="en-US" dirty="0"/>
           </a:p>
@@ -5783,7 +5790,7 @@
             <a:fld id="{9334D819-9F07-4261-B09B-9E467E5D9002}" type="datetimeFigureOut">
               <a:rPr lang="en-US" dirty="0"/>
               <a:pPr/>
-              <a:t>5/27/2024</a:t>
+              <a:t>6/8/2024</a:t>
             </a:fld>
             <a:endParaRPr lang="en-US" dirty="0"/>
           </a:p>
@@ -6892,6 +6899,5896 @@
 </p:sld>
 </file>
 
+<file path=ppt/slides/slide10.xml><?xml version="1.0" encoding="utf-8"?>
+<p:sld xmlns:a="http://schemas.openxmlformats.org/drawingml/2006/main" xmlns:r="http://schemas.openxmlformats.org/officeDocument/2006/relationships" xmlns:p="http://schemas.openxmlformats.org/presentationml/2006/main" showMasterSp="0">
+  <p:cSld>
+    <p:bg>
+      <p:bgPr>
+        <a:solidFill>
+          <a:schemeClr val="bg2">
+            <a:lumMod val="10000"/>
+          </a:schemeClr>
+        </a:solidFill>
+        <a:effectLst/>
+      </p:bgPr>
+    </p:bg>
+    <p:spTree>
+      <p:nvGrpSpPr>
+        <p:cNvPr id="1" name=""/>
+        <p:cNvGrpSpPr/>
+        <p:nvPr/>
+      </p:nvGrpSpPr>
+      <p:grpSpPr>
+        <a:xfrm>
+          <a:off x="0" y="0"/>
+          <a:ext cx="0" cy="0"/>
+          <a:chOff x="0" y="0"/>
+          <a:chExt cx="0" cy="0"/>
+        </a:xfrm>
+      </p:grpSpPr>
+      <p:sp>
+        <p:nvSpPr>
+          <p:cNvPr id="2" name="Título 1">
+            <a:extLst>
+              <a:ext uri="{FF2B5EF4-FFF2-40B4-BE49-F238E27FC236}">
+                <a16:creationId xmlns:a16="http://schemas.microsoft.com/office/drawing/2014/main" id="{83C6E063-9BFE-06CE-C9BC-5EE9CCAE3D29}"/>
+              </a:ext>
+            </a:extLst>
+          </p:cNvPr>
+          <p:cNvSpPr>
+            <a:spLocks noGrp="1"/>
+          </p:cNvSpPr>
+          <p:nvPr>
+            <p:ph type="title"/>
+          </p:nvPr>
+        </p:nvSpPr>
+        <p:spPr/>
+        <p:txBody>
+          <a:bodyPr/>
+          <a:lstStyle/>
+          <a:p>
+            <a:r>
+              <a:rPr lang="pt-BR" dirty="0"/>
+              <a:t>Aula 21 	</a:t>
+            </a:r>
+          </a:p>
+        </p:txBody>
+      </p:sp>
+      <p:pic>
+        <p:nvPicPr>
+          <p:cNvPr id="1026" name="Picture 2">
+            <a:extLst>
+              <a:ext uri="{FF2B5EF4-FFF2-40B4-BE49-F238E27FC236}">
+                <a16:creationId xmlns:a16="http://schemas.microsoft.com/office/drawing/2014/main" id="{BFCC1361-CFA5-41DC-9639-9812D7C04FC8}"/>
+              </a:ext>
+            </a:extLst>
+          </p:cNvPr>
+          <p:cNvPicPr>
+            <a:picLocks noChangeAspect="1" noChangeArrowheads="1"/>
+          </p:cNvPicPr>
+          <p:nvPr/>
+        </p:nvPicPr>
+        <p:blipFill>
+          <a:blip r:embed="rId2">
+            <a:extLst>
+              <a:ext uri="{28A0092B-C50C-407E-A947-70E740481C1C}">
+                <a14:useLocalDpi xmlns:a14="http://schemas.microsoft.com/office/drawing/2010/main" val="0"/>
+              </a:ext>
+            </a:extLst>
+          </a:blip>
+          <a:srcRect/>
+          <a:stretch>
+            <a:fillRect/>
+          </a:stretch>
+        </p:blipFill>
+        <p:spPr bwMode="auto">
+          <a:xfrm>
+            <a:off x="102198" y="20849"/>
+            <a:ext cx="659802" cy="723071"/>
+          </a:xfrm>
+          <a:prstGeom prst="rect">
+            <a:avLst/>
+          </a:prstGeom>
+          <a:noFill/>
+          <a:extLst>
+            <a:ext uri="{909E8E84-426E-40DD-AFC4-6F175D3DCCD1}">
+              <a14:hiddenFill xmlns:a14="http://schemas.microsoft.com/office/drawing/2010/main">
+                <a:solidFill>
+                  <a:srgbClr val="FFFFFF"/>
+                </a:solidFill>
+              </a14:hiddenFill>
+            </a:ext>
+          </a:extLst>
+        </p:spPr>
+      </p:pic>
+      <p:sp>
+        <p:nvSpPr>
+          <p:cNvPr id="5" name="CaixaDeTexto 4">
+            <a:extLst>
+              <a:ext uri="{FF2B5EF4-FFF2-40B4-BE49-F238E27FC236}">
+                <a16:creationId xmlns:a16="http://schemas.microsoft.com/office/drawing/2014/main" id="{17E0312B-7373-54A0-905E-B9F127815C91}"/>
+              </a:ext>
+            </a:extLst>
+          </p:cNvPr>
+          <p:cNvSpPr txBox="1"/>
+          <p:nvPr/>
+        </p:nvSpPr>
+        <p:spPr>
+          <a:xfrm>
+            <a:off x="1251677" y="1485543"/>
+            <a:ext cx="8732077" cy="4247317"/>
+          </a:xfrm>
+          <a:prstGeom prst="rect">
+            <a:avLst/>
+          </a:prstGeom>
+          <a:noFill/>
+        </p:spPr>
+        <p:txBody>
+          <a:bodyPr wrap="square">
+            <a:spAutoFit/>
+          </a:bodyPr>
+          <a:lstStyle/>
+          <a:p>
+            <a:r>
+              <a:rPr lang="pt-BR" b="0" dirty="0" err="1">
+                <a:solidFill>
+                  <a:srgbClr val="F269B9"/>
+                </a:solidFill>
+                <a:effectLst/>
+                <a:highlight>
+                  <a:srgbClr val="1B1D28"/>
+                </a:highlight>
+                <a:latin typeface="Consolas" panose="020B0609020204030204" pitchFamily="49" charset="0"/>
+              </a:rPr>
+              <a:t>import</a:t>
+            </a:r>
+            <a:r>
+              <a:rPr lang="pt-BR" b="0" dirty="0">
+                <a:solidFill>
+                  <a:srgbClr val="D1D4E0"/>
+                </a:solidFill>
+                <a:effectLst/>
+                <a:highlight>
+                  <a:srgbClr val="1B1D28"/>
+                </a:highlight>
+                <a:latin typeface="Consolas" panose="020B0609020204030204" pitchFamily="49" charset="0"/>
+              </a:rPr>
+              <a:t> </a:t>
+            </a:r>
+            <a:r>
+              <a:rPr lang="pt-BR" b="0" dirty="0" err="1">
+                <a:solidFill>
+                  <a:srgbClr val="D1D4E0"/>
+                </a:solidFill>
+                <a:effectLst/>
+                <a:highlight>
+                  <a:srgbClr val="1B1D28"/>
+                </a:highlight>
+                <a:latin typeface="Consolas" panose="020B0609020204030204" pitchFamily="49" charset="0"/>
+              </a:rPr>
+              <a:t>pprint</a:t>
+            </a:r>
+            <a:endParaRPr lang="pt-BR" b="0" dirty="0">
+              <a:solidFill>
+                <a:srgbClr val="D1D4E0"/>
+              </a:solidFill>
+              <a:effectLst/>
+              <a:highlight>
+                <a:srgbClr val="1B1D28"/>
+              </a:highlight>
+              <a:latin typeface="Consolas" panose="020B0609020204030204" pitchFamily="49" charset="0"/>
+            </a:endParaRPr>
+          </a:p>
+          <a:p>
+            <a:br>
+              <a:rPr lang="pt-BR" b="0" dirty="0">
+                <a:solidFill>
+                  <a:srgbClr val="D1D4E0"/>
+                </a:solidFill>
+                <a:effectLst/>
+                <a:highlight>
+                  <a:srgbClr val="1B1D28"/>
+                </a:highlight>
+                <a:latin typeface="Consolas" panose="020B0609020204030204" pitchFamily="49" charset="0"/>
+              </a:rPr>
+            </a:br>
+            <a:r>
+              <a:rPr lang="pt-BR" b="0" dirty="0">
+                <a:solidFill>
+                  <a:srgbClr val="606890"/>
+                </a:solidFill>
+                <a:effectLst/>
+                <a:highlight>
+                  <a:srgbClr val="1B1D28"/>
+                </a:highlight>
+                <a:latin typeface="Consolas" panose="020B0609020204030204" pitchFamily="49" charset="0"/>
+              </a:rPr>
+              <a:t># Lista de números</a:t>
+            </a:r>
+            <a:endParaRPr lang="pt-BR" b="0" dirty="0">
+              <a:solidFill>
+                <a:srgbClr val="D1D4E0"/>
+              </a:solidFill>
+              <a:effectLst/>
+              <a:highlight>
+                <a:srgbClr val="1B1D28"/>
+              </a:highlight>
+              <a:latin typeface="Consolas" panose="020B0609020204030204" pitchFamily="49" charset="0"/>
+            </a:endParaRPr>
+          </a:p>
+          <a:p>
+            <a:r>
+              <a:rPr lang="pt-BR" b="0" dirty="0" err="1">
+                <a:solidFill>
+                  <a:srgbClr val="D1D4E0"/>
+                </a:solidFill>
+                <a:effectLst/>
+                <a:highlight>
+                  <a:srgbClr val="1B1D28"/>
+                </a:highlight>
+                <a:latin typeface="Consolas" panose="020B0609020204030204" pitchFamily="49" charset="0"/>
+              </a:rPr>
+              <a:t>numeros</a:t>
+            </a:r>
+            <a:r>
+              <a:rPr lang="pt-BR" b="0" dirty="0">
+                <a:solidFill>
+                  <a:srgbClr val="D1D4E0"/>
+                </a:solidFill>
+                <a:effectLst/>
+                <a:highlight>
+                  <a:srgbClr val="1B1D28"/>
+                </a:highlight>
+                <a:latin typeface="Consolas" panose="020B0609020204030204" pitchFamily="49" charset="0"/>
+              </a:rPr>
+              <a:t> </a:t>
+            </a:r>
+            <a:r>
+              <a:rPr lang="pt-BR" b="0" dirty="0">
+                <a:solidFill>
+                  <a:srgbClr val="F269B9"/>
+                </a:solidFill>
+                <a:effectLst/>
+                <a:highlight>
+                  <a:srgbClr val="1B1D28"/>
+                </a:highlight>
+                <a:latin typeface="Consolas" panose="020B0609020204030204" pitchFamily="49" charset="0"/>
+              </a:rPr>
+              <a:t>=</a:t>
+            </a:r>
+            <a:r>
+              <a:rPr lang="pt-BR" b="0" dirty="0">
+                <a:solidFill>
+                  <a:srgbClr val="D1D4E0"/>
+                </a:solidFill>
+                <a:effectLst/>
+                <a:highlight>
+                  <a:srgbClr val="1B1D28"/>
+                </a:highlight>
+                <a:latin typeface="Consolas" panose="020B0609020204030204" pitchFamily="49" charset="0"/>
+              </a:rPr>
+              <a:t> [</a:t>
+            </a:r>
+            <a:r>
+              <a:rPr lang="pt-BR" b="0" dirty="0">
+                <a:solidFill>
+                  <a:srgbClr val="AF86EB"/>
+                </a:solidFill>
+                <a:effectLst/>
+                <a:highlight>
+                  <a:srgbClr val="1B1D28"/>
+                </a:highlight>
+                <a:latin typeface="Consolas" panose="020B0609020204030204" pitchFamily="49" charset="0"/>
+              </a:rPr>
+              <a:t>1</a:t>
+            </a:r>
+            <a:r>
+              <a:rPr lang="pt-BR" b="0" dirty="0">
+                <a:solidFill>
+                  <a:srgbClr val="D1D4E0"/>
+                </a:solidFill>
+                <a:effectLst/>
+                <a:highlight>
+                  <a:srgbClr val="1B1D28"/>
+                </a:highlight>
+                <a:latin typeface="Consolas" panose="020B0609020204030204" pitchFamily="49" charset="0"/>
+              </a:rPr>
+              <a:t>, </a:t>
+            </a:r>
+            <a:r>
+              <a:rPr lang="pt-BR" b="0" dirty="0">
+                <a:solidFill>
+                  <a:srgbClr val="AF86EB"/>
+                </a:solidFill>
+                <a:effectLst/>
+                <a:highlight>
+                  <a:srgbClr val="1B1D28"/>
+                </a:highlight>
+                <a:latin typeface="Consolas" panose="020B0609020204030204" pitchFamily="49" charset="0"/>
+              </a:rPr>
+              <a:t>2</a:t>
+            </a:r>
+            <a:r>
+              <a:rPr lang="pt-BR" b="0" dirty="0">
+                <a:solidFill>
+                  <a:srgbClr val="D1D4E0"/>
+                </a:solidFill>
+                <a:effectLst/>
+                <a:highlight>
+                  <a:srgbClr val="1B1D28"/>
+                </a:highlight>
+                <a:latin typeface="Consolas" panose="020B0609020204030204" pitchFamily="49" charset="0"/>
+              </a:rPr>
+              <a:t>, </a:t>
+            </a:r>
+            <a:r>
+              <a:rPr lang="pt-BR" b="0" dirty="0">
+                <a:solidFill>
+                  <a:srgbClr val="AF86EB"/>
+                </a:solidFill>
+                <a:effectLst/>
+                <a:highlight>
+                  <a:srgbClr val="1B1D28"/>
+                </a:highlight>
+                <a:latin typeface="Consolas" panose="020B0609020204030204" pitchFamily="49" charset="0"/>
+              </a:rPr>
+              <a:t>3</a:t>
+            </a:r>
+            <a:r>
+              <a:rPr lang="pt-BR" b="0" dirty="0">
+                <a:solidFill>
+                  <a:srgbClr val="D1D4E0"/>
+                </a:solidFill>
+                <a:effectLst/>
+                <a:highlight>
+                  <a:srgbClr val="1B1D28"/>
+                </a:highlight>
+                <a:latin typeface="Consolas" panose="020B0609020204030204" pitchFamily="49" charset="0"/>
+              </a:rPr>
+              <a:t>, </a:t>
+            </a:r>
+            <a:r>
+              <a:rPr lang="pt-BR" b="0" dirty="0">
+                <a:solidFill>
+                  <a:srgbClr val="AF86EB"/>
+                </a:solidFill>
+                <a:effectLst/>
+                <a:highlight>
+                  <a:srgbClr val="1B1D28"/>
+                </a:highlight>
+                <a:latin typeface="Consolas" panose="020B0609020204030204" pitchFamily="49" charset="0"/>
+              </a:rPr>
+              <a:t>4</a:t>
+            </a:r>
+            <a:r>
+              <a:rPr lang="pt-BR" b="0" dirty="0">
+                <a:solidFill>
+                  <a:srgbClr val="D1D4E0"/>
+                </a:solidFill>
+                <a:effectLst/>
+                <a:highlight>
+                  <a:srgbClr val="1B1D28"/>
+                </a:highlight>
+                <a:latin typeface="Consolas" panose="020B0609020204030204" pitchFamily="49" charset="0"/>
+              </a:rPr>
+              <a:t>, </a:t>
+            </a:r>
+            <a:r>
+              <a:rPr lang="pt-BR" b="0" dirty="0">
+                <a:solidFill>
+                  <a:srgbClr val="AF86EB"/>
+                </a:solidFill>
+                <a:effectLst/>
+                <a:highlight>
+                  <a:srgbClr val="1B1D28"/>
+                </a:highlight>
+                <a:latin typeface="Consolas" panose="020B0609020204030204" pitchFamily="49" charset="0"/>
+              </a:rPr>
+              <a:t>5</a:t>
+            </a:r>
+            <a:r>
+              <a:rPr lang="pt-BR" b="0" dirty="0">
+                <a:solidFill>
+                  <a:srgbClr val="D1D4E0"/>
+                </a:solidFill>
+                <a:effectLst/>
+                <a:highlight>
+                  <a:srgbClr val="1B1D28"/>
+                </a:highlight>
+                <a:latin typeface="Consolas" panose="020B0609020204030204" pitchFamily="49" charset="0"/>
+              </a:rPr>
+              <a:t>, </a:t>
+            </a:r>
+            <a:r>
+              <a:rPr lang="pt-BR" b="0" dirty="0">
+                <a:solidFill>
+                  <a:srgbClr val="AF86EB"/>
+                </a:solidFill>
+                <a:effectLst/>
+                <a:highlight>
+                  <a:srgbClr val="1B1D28"/>
+                </a:highlight>
+                <a:latin typeface="Consolas" panose="020B0609020204030204" pitchFamily="49" charset="0"/>
+              </a:rPr>
+              <a:t>6</a:t>
+            </a:r>
+            <a:r>
+              <a:rPr lang="pt-BR" b="0" dirty="0">
+                <a:solidFill>
+                  <a:srgbClr val="D1D4E0"/>
+                </a:solidFill>
+                <a:effectLst/>
+                <a:highlight>
+                  <a:srgbClr val="1B1D28"/>
+                </a:highlight>
+                <a:latin typeface="Consolas" panose="020B0609020204030204" pitchFamily="49" charset="0"/>
+              </a:rPr>
+              <a:t>, </a:t>
+            </a:r>
+            <a:r>
+              <a:rPr lang="pt-BR" b="0" dirty="0">
+                <a:solidFill>
+                  <a:srgbClr val="AF86EB"/>
+                </a:solidFill>
+                <a:effectLst/>
+                <a:highlight>
+                  <a:srgbClr val="1B1D28"/>
+                </a:highlight>
+                <a:latin typeface="Consolas" panose="020B0609020204030204" pitchFamily="49" charset="0"/>
+              </a:rPr>
+              <a:t>7</a:t>
+            </a:r>
+            <a:r>
+              <a:rPr lang="pt-BR" b="0" dirty="0">
+                <a:solidFill>
+                  <a:srgbClr val="D1D4E0"/>
+                </a:solidFill>
+                <a:effectLst/>
+                <a:highlight>
+                  <a:srgbClr val="1B1D28"/>
+                </a:highlight>
+                <a:latin typeface="Consolas" panose="020B0609020204030204" pitchFamily="49" charset="0"/>
+              </a:rPr>
+              <a:t>, </a:t>
+            </a:r>
+            <a:r>
+              <a:rPr lang="pt-BR" b="0" dirty="0">
+                <a:solidFill>
+                  <a:srgbClr val="AF86EB"/>
+                </a:solidFill>
+                <a:effectLst/>
+                <a:highlight>
+                  <a:srgbClr val="1B1D28"/>
+                </a:highlight>
+                <a:latin typeface="Consolas" panose="020B0609020204030204" pitchFamily="49" charset="0"/>
+              </a:rPr>
+              <a:t>8</a:t>
+            </a:r>
+            <a:r>
+              <a:rPr lang="pt-BR" b="0" dirty="0">
+                <a:solidFill>
+                  <a:srgbClr val="D1D4E0"/>
+                </a:solidFill>
+                <a:effectLst/>
+                <a:highlight>
+                  <a:srgbClr val="1B1D28"/>
+                </a:highlight>
+                <a:latin typeface="Consolas" panose="020B0609020204030204" pitchFamily="49" charset="0"/>
+              </a:rPr>
+              <a:t>, </a:t>
+            </a:r>
+            <a:r>
+              <a:rPr lang="pt-BR" b="0" dirty="0">
+                <a:solidFill>
+                  <a:srgbClr val="AF86EB"/>
+                </a:solidFill>
+                <a:effectLst/>
+                <a:highlight>
+                  <a:srgbClr val="1B1D28"/>
+                </a:highlight>
+                <a:latin typeface="Consolas" panose="020B0609020204030204" pitchFamily="49" charset="0"/>
+              </a:rPr>
+              <a:t>9</a:t>
+            </a:r>
+            <a:r>
+              <a:rPr lang="pt-BR" b="0" dirty="0">
+                <a:solidFill>
+                  <a:srgbClr val="D1D4E0"/>
+                </a:solidFill>
+                <a:effectLst/>
+                <a:highlight>
+                  <a:srgbClr val="1B1D28"/>
+                </a:highlight>
+                <a:latin typeface="Consolas" panose="020B0609020204030204" pitchFamily="49" charset="0"/>
+              </a:rPr>
+              <a:t>, </a:t>
+            </a:r>
+            <a:r>
+              <a:rPr lang="pt-BR" b="0" dirty="0">
+                <a:solidFill>
+                  <a:srgbClr val="AF86EB"/>
+                </a:solidFill>
+                <a:effectLst/>
+                <a:highlight>
+                  <a:srgbClr val="1B1D28"/>
+                </a:highlight>
+                <a:latin typeface="Consolas" panose="020B0609020204030204" pitchFamily="49" charset="0"/>
+              </a:rPr>
+              <a:t>10</a:t>
+            </a:r>
+            <a:r>
+              <a:rPr lang="pt-BR" b="0" dirty="0">
+                <a:solidFill>
+                  <a:srgbClr val="D1D4E0"/>
+                </a:solidFill>
+                <a:effectLst/>
+                <a:highlight>
+                  <a:srgbClr val="1B1D28"/>
+                </a:highlight>
+                <a:latin typeface="Consolas" panose="020B0609020204030204" pitchFamily="49" charset="0"/>
+              </a:rPr>
+              <a:t>]</a:t>
+            </a:r>
+          </a:p>
+          <a:p>
+            <a:br>
+              <a:rPr lang="pt-BR" b="0" dirty="0">
+                <a:solidFill>
+                  <a:srgbClr val="D1D4E0"/>
+                </a:solidFill>
+                <a:effectLst/>
+                <a:highlight>
+                  <a:srgbClr val="1B1D28"/>
+                </a:highlight>
+                <a:latin typeface="Consolas" panose="020B0609020204030204" pitchFamily="49" charset="0"/>
+              </a:rPr>
+            </a:br>
+            <a:r>
+              <a:rPr lang="pt-BR" b="0" dirty="0">
+                <a:solidFill>
+                  <a:srgbClr val="606890"/>
+                </a:solidFill>
+                <a:effectLst/>
+                <a:highlight>
+                  <a:srgbClr val="1B1D28"/>
+                </a:highlight>
+                <a:latin typeface="Consolas" panose="020B0609020204030204" pitchFamily="49" charset="0"/>
+              </a:rPr>
+              <a:t># Função para filtrar números pares</a:t>
+            </a:r>
+            <a:endParaRPr lang="pt-BR" b="0" dirty="0">
+              <a:solidFill>
+                <a:srgbClr val="D1D4E0"/>
+              </a:solidFill>
+              <a:effectLst/>
+              <a:highlight>
+                <a:srgbClr val="1B1D28"/>
+              </a:highlight>
+              <a:latin typeface="Consolas" panose="020B0609020204030204" pitchFamily="49" charset="0"/>
+            </a:endParaRPr>
+          </a:p>
+          <a:p>
+            <a:r>
+              <a:rPr lang="pt-BR" b="0" dirty="0" err="1">
+                <a:solidFill>
+                  <a:srgbClr val="F269B9"/>
+                </a:solidFill>
+                <a:effectLst/>
+                <a:highlight>
+                  <a:srgbClr val="1B1D28"/>
+                </a:highlight>
+                <a:latin typeface="Consolas" panose="020B0609020204030204" pitchFamily="49" charset="0"/>
+              </a:rPr>
+              <a:t>def</a:t>
+            </a:r>
+            <a:r>
+              <a:rPr lang="pt-BR" b="0" dirty="0">
+                <a:solidFill>
+                  <a:srgbClr val="D1D4E0"/>
+                </a:solidFill>
+                <a:effectLst/>
+                <a:highlight>
+                  <a:srgbClr val="1B1D28"/>
+                </a:highlight>
+                <a:latin typeface="Consolas" panose="020B0609020204030204" pitchFamily="49" charset="0"/>
+              </a:rPr>
+              <a:t> </a:t>
+            </a:r>
+            <a:r>
+              <a:rPr lang="pt-BR" b="0" dirty="0" err="1">
+                <a:solidFill>
+                  <a:srgbClr val="2DE266"/>
+                </a:solidFill>
+                <a:effectLst/>
+                <a:highlight>
+                  <a:srgbClr val="1B1D28"/>
+                </a:highlight>
+                <a:latin typeface="Consolas" panose="020B0609020204030204" pitchFamily="49" charset="0"/>
+              </a:rPr>
+              <a:t>filtrar_pares</a:t>
+            </a:r>
+            <a:r>
+              <a:rPr lang="pt-BR" b="0" dirty="0">
+                <a:solidFill>
+                  <a:srgbClr val="D1D4E0"/>
+                </a:solidFill>
+                <a:effectLst/>
+                <a:highlight>
+                  <a:srgbClr val="1B1D28"/>
+                </a:highlight>
+                <a:latin typeface="Consolas" panose="020B0609020204030204" pitchFamily="49" charset="0"/>
+              </a:rPr>
+              <a:t>(</a:t>
+            </a:r>
+            <a:r>
+              <a:rPr lang="pt-BR" b="0" dirty="0">
+                <a:solidFill>
+                  <a:srgbClr val="EDA85D"/>
+                </a:solidFill>
+                <a:effectLst/>
+                <a:highlight>
+                  <a:srgbClr val="1B1D28"/>
+                </a:highlight>
+                <a:latin typeface="Consolas" panose="020B0609020204030204" pitchFamily="49" charset="0"/>
+              </a:rPr>
+              <a:t>lista</a:t>
+            </a:r>
+            <a:r>
+              <a:rPr lang="pt-BR" b="0" dirty="0">
+                <a:solidFill>
+                  <a:srgbClr val="D1D4E0"/>
+                </a:solidFill>
+                <a:effectLst/>
+                <a:highlight>
+                  <a:srgbClr val="1B1D28"/>
+                </a:highlight>
+                <a:latin typeface="Consolas" panose="020B0609020204030204" pitchFamily="49" charset="0"/>
+              </a:rPr>
+              <a:t>):</a:t>
+            </a:r>
+          </a:p>
+          <a:p>
+            <a:r>
+              <a:rPr lang="pt-BR" b="0" dirty="0">
+                <a:solidFill>
+                  <a:srgbClr val="D1D4E0"/>
+                </a:solidFill>
+                <a:effectLst/>
+                <a:highlight>
+                  <a:srgbClr val="1B1D28"/>
+                </a:highlight>
+                <a:latin typeface="Consolas" panose="020B0609020204030204" pitchFamily="49" charset="0"/>
+              </a:rPr>
+              <a:t>    </a:t>
+            </a:r>
+            <a:r>
+              <a:rPr lang="pt-BR" b="0" dirty="0" err="1">
+                <a:solidFill>
+                  <a:srgbClr val="F269B9"/>
+                </a:solidFill>
+                <a:effectLst/>
+                <a:highlight>
+                  <a:srgbClr val="1B1D28"/>
+                </a:highlight>
+                <a:latin typeface="Consolas" panose="020B0609020204030204" pitchFamily="49" charset="0"/>
+              </a:rPr>
+              <a:t>return</a:t>
+            </a:r>
+            <a:r>
+              <a:rPr lang="pt-BR" b="0" dirty="0">
+                <a:solidFill>
+                  <a:srgbClr val="D1D4E0"/>
+                </a:solidFill>
+                <a:effectLst/>
+                <a:highlight>
+                  <a:srgbClr val="1B1D28"/>
+                </a:highlight>
+                <a:latin typeface="Consolas" panose="020B0609020204030204" pitchFamily="49" charset="0"/>
+              </a:rPr>
+              <a:t> [num </a:t>
+            </a:r>
+            <a:r>
+              <a:rPr lang="pt-BR" b="0" dirty="0">
+                <a:solidFill>
+                  <a:srgbClr val="F269B9"/>
+                </a:solidFill>
+                <a:effectLst/>
+                <a:highlight>
+                  <a:srgbClr val="1B1D28"/>
+                </a:highlight>
+                <a:latin typeface="Consolas" panose="020B0609020204030204" pitchFamily="49" charset="0"/>
+              </a:rPr>
+              <a:t>for</a:t>
+            </a:r>
+            <a:r>
+              <a:rPr lang="pt-BR" b="0" dirty="0">
+                <a:solidFill>
+                  <a:srgbClr val="D1D4E0"/>
+                </a:solidFill>
+                <a:effectLst/>
+                <a:highlight>
+                  <a:srgbClr val="1B1D28"/>
+                </a:highlight>
+                <a:latin typeface="Consolas" panose="020B0609020204030204" pitchFamily="49" charset="0"/>
+              </a:rPr>
+              <a:t> num </a:t>
+            </a:r>
+            <a:r>
+              <a:rPr lang="pt-BR" b="0" dirty="0">
+                <a:solidFill>
+                  <a:srgbClr val="F269B9"/>
+                </a:solidFill>
+                <a:effectLst/>
+                <a:highlight>
+                  <a:srgbClr val="1B1D28"/>
+                </a:highlight>
+                <a:latin typeface="Consolas" panose="020B0609020204030204" pitchFamily="49" charset="0"/>
+              </a:rPr>
+              <a:t>in</a:t>
+            </a:r>
+            <a:r>
+              <a:rPr lang="pt-BR" b="0" dirty="0">
+                <a:solidFill>
+                  <a:srgbClr val="D1D4E0"/>
+                </a:solidFill>
+                <a:effectLst/>
+                <a:highlight>
+                  <a:srgbClr val="1B1D28"/>
+                </a:highlight>
+                <a:latin typeface="Consolas" panose="020B0609020204030204" pitchFamily="49" charset="0"/>
+              </a:rPr>
+              <a:t> </a:t>
+            </a:r>
+            <a:r>
+              <a:rPr lang="pt-BR" b="0" dirty="0">
+                <a:solidFill>
+                  <a:srgbClr val="EDA85D"/>
+                </a:solidFill>
+                <a:effectLst/>
+                <a:highlight>
+                  <a:srgbClr val="1B1D28"/>
+                </a:highlight>
+                <a:latin typeface="Consolas" panose="020B0609020204030204" pitchFamily="49" charset="0"/>
+              </a:rPr>
+              <a:t>lista</a:t>
+            </a:r>
+            <a:r>
+              <a:rPr lang="pt-BR" b="0" dirty="0">
+                <a:solidFill>
+                  <a:srgbClr val="D1D4E0"/>
+                </a:solidFill>
+                <a:effectLst/>
+                <a:highlight>
+                  <a:srgbClr val="1B1D28"/>
+                </a:highlight>
+                <a:latin typeface="Consolas" panose="020B0609020204030204" pitchFamily="49" charset="0"/>
+              </a:rPr>
+              <a:t> </a:t>
+            </a:r>
+            <a:r>
+              <a:rPr lang="pt-BR" b="0" dirty="0" err="1">
+                <a:solidFill>
+                  <a:srgbClr val="F269B9"/>
+                </a:solidFill>
+                <a:effectLst/>
+                <a:highlight>
+                  <a:srgbClr val="1B1D28"/>
+                </a:highlight>
+                <a:latin typeface="Consolas" panose="020B0609020204030204" pitchFamily="49" charset="0"/>
+              </a:rPr>
+              <a:t>if</a:t>
+            </a:r>
+            <a:r>
+              <a:rPr lang="pt-BR" b="0" dirty="0">
+                <a:solidFill>
+                  <a:srgbClr val="D1D4E0"/>
+                </a:solidFill>
+                <a:effectLst/>
+                <a:highlight>
+                  <a:srgbClr val="1B1D28"/>
+                </a:highlight>
+                <a:latin typeface="Consolas" panose="020B0609020204030204" pitchFamily="49" charset="0"/>
+              </a:rPr>
+              <a:t> num </a:t>
+            </a:r>
+            <a:r>
+              <a:rPr lang="pt-BR" b="0" dirty="0">
+                <a:solidFill>
+                  <a:srgbClr val="F269B9"/>
+                </a:solidFill>
+                <a:effectLst/>
+                <a:highlight>
+                  <a:srgbClr val="1B1D28"/>
+                </a:highlight>
+                <a:latin typeface="Consolas" panose="020B0609020204030204" pitchFamily="49" charset="0"/>
+              </a:rPr>
+              <a:t>%</a:t>
+            </a:r>
+            <a:r>
+              <a:rPr lang="pt-BR" b="0" dirty="0">
+                <a:solidFill>
+                  <a:srgbClr val="D1D4E0"/>
+                </a:solidFill>
+                <a:effectLst/>
+                <a:highlight>
+                  <a:srgbClr val="1B1D28"/>
+                </a:highlight>
+                <a:latin typeface="Consolas" panose="020B0609020204030204" pitchFamily="49" charset="0"/>
+              </a:rPr>
+              <a:t> </a:t>
+            </a:r>
+            <a:r>
+              <a:rPr lang="pt-BR" b="0" dirty="0">
+                <a:solidFill>
+                  <a:srgbClr val="AF86EB"/>
+                </a:solidFill>
+                <a:effectLst/>
+                <a:highlight>
+                  <a:srgbClr val="1B1D28"/>
+                </a:highlight>
+                <a:latin typeface="Consolas" panose="020B0609020204030204" pitchFamily="49" charset="0"/>
+              </a:rPr>
+              <a:t>2</a:t>
+            </a:r>
+            <a:r>
+              <a:rPr lang="pt-BR" b="0" dirty="0">
+                <a:solidFill>
+                  <a:srgbClr val="D1D4E0"/>
+                </a:solidFill>
+                <a:effectLst/>
+                <a:highlight>
+                  <a:srgbClr val="1B1D28"/>
+                </a:highlight>
+                <a:latin typeface="Consolas" panose="020B0609020204030204" pitchFamily="49" charset="0"/>
+              </a:rPr>
+              <a:t> </a:t>
+            </a:r>
+            <a:r>
+              <a:rPr lang="pt-BR" b="0" dirty="0">
+                <a:solidFill>
+                  <a:srgbClr val="F269B9"/>
+                </a:solidFill>
+                <a:effectLst/>
+                <a:highlight>
+                  <a:srgbClr val="1B1D28"/>
+                </a:highlight>
+                <a:latin typeface="Consolas" panose="020B0609020204030204" pitchFamily="49" charset="0"/>
+              </a:rPr>
+              <a:t>==</a:t>
+            </a:r>
+            <a:r>
+              <a:rPr lang="pt-BR" b="0" dirty="0">
+                <a:solidFill>
+                  <a:srgbClr val="D1D4E0"/>
+                </a:solidFill>
+                <a:effectLst/>
+                <a:highlight>
+                  <a:srgbClr val="1B1D28"/>
+                </a:highlight>
+                <a:latin typeface="Consolas" panose="020B0609020204030204" pitchFamily="49" charset="0"/>
+              </a:rPr>
+              <a:t> </a:t>
+            </a:r>
+            <a:r>
+              <a:rPr lang="pt-BR" b="0" dirty="0">
+                <a:solidFill>
+                  <a:srgbClr val="AF86EB"/>
+                </a:solidFill>
+                <a:effectLst/>
+                <a:highlight>
+                  <a:srgbClr val="1B1D28"/>
+                </a:highlight>
+                <a:latin typeface="Consolas" panose="020B0609020204030204" pitchFamily="49" charset="0"/>
+              </a:rPr>
+              <a:t>0</a:t>
+            </a:r>
+            <a:r>
+              <a:rPr lang="pt-BR" b="0" dirty="0">
+                <a:solidFill>
+                  <a:srgbClr val="D1D4E0"/>
+                </a:solidFill>
+                <a:effectLst/>
+                <a:highlight>
+                  <a:srgbClr val="1B1D28"/>
+                </a:highlight>
+                <a:latin typeface="Consolas" panose="020B0609020204030204" pitchFamily="49" charset="0"/>
+              </a:rPr>
+              <a:t>]</a:t>
+            </a:r>
+          </a:p>
+          <a:p>
+            <a:br>
+              <a:rPr lang="pt-BR" b="0" dirty="0">
+                <a:solidFill>
+                  <a:srgbClr val="D1D4E0"/>
+                </a:solidFill>
+                <a:effectLst/>
+                <a:highlight>
+                  <a:srgbClr val="1B1D28"/>
+                </a:highlight>
+                <a:latin typeface="Consolas" panose="020B0609020204030204" pitchFamily="49" charset="0"/>
+              </a:rPr>
+            </a:br>
+            <a:r>
+              <a:rPr lang="pt-BR" b="0" dirty="0">
+                <a:solidFill>
+                  <a:srgbClr val="606890"/>
+                </a:solidFill>
+                <a:effectLst/>
+                <a:highlight>
+                  <a:srgbClr val="1B1D28"/>
+                </a:highlight>
+                <a:latin typeface="Consolas" panose="020B0609020204030204" pitchFamily="49" charset="0"/>
+              </a:rPr>
+              <a:t># Filtrando números pares</a:t>
+            </a:r>
+            <a:endParaRPr lang="pt-BR" b="0" dirty="0">
+              <a:solidFill>
+                <a:srgbClr val="D1D4E0"/>
+              </a:solidFill>
+              <a:effectLst/>
+              <a:highlight>
+                <a:srgbClr val="1B1D28"/>
+              </a:highlight>
+              <a:latin typeface="Consolas" panose="020B0609020204030204" pitchFamily="49" charset="0"/>
+            </a:endParaRPr>
+          </a:p>
+          <a:p>
+            <a:r>
+              <a:rPr lang="pt-BR" b="0" dirty="0">
+                <a:solidFill>
+                  <a:srgbClr val="D1D4E0"/>
+                </a:solidFill>
+                <a:effectLst/>
+                <a:highlight>
+                  <a:srgbClr val="1B1D28"/>
+                </a:highlight>
+                <a:latin typeface="Consolas" panose="020B0609020204030204" pitchFamily="49" charset="0"/>
+              </a:rPr>
+              <a:t>pares </a:t>
+            </a:r>
+            <a:r>
+              <a:rPr lang="pt-BR" b="0" dirty="0">
+                <a:solidFill>
+                  <a:srgbClr val="F269B9"/>
+                </a:solidFill>
+                <a:effectLst/>
+                <a:highlight>
+                  <a:srgbClr val="1B1D28"/>
+                </a:highlight>
+                <a:latin typeface="Consolas" panose="020B0609020204030204" pitchFamily="49" charset="0"/>
+              </a:rPr>
+              <a:t>=</a:t>
+            </a:r>
+            <a:r>
+              <a:rPr lang="pt-BR" b="0" dirty="0">
+                <a:solidFill>
+                  <a:srgbClr val="D1D4E0"/>
+                </a:solidFill>
+                <a:effectLst/>
+                <a:highlight>
+                  <a:srgbClr val="1B1D28"/>
+                </a:highlight>
+                <a:latin typeface="Consolas" panose="020B0609020204030204" pitchFamily="49" charset="0"/>
+              </a:rPr>
+              <a:t> </a:t>
+            </a:r>
+            <a:r>
+              <a:rPr lang="pt-BR" b="0" dirty="0" err="1">
+                <a:solidFill>
+                  <a:srgbClr val="2DE266"/>
+                </a:solidFill>
+                <a:effectLst/>
+                <a:highlight>
+                  <a:srgbClr val="1B1D28"/>
+                </a:highlight>
+                <a:latin typeface="Consolas" panose="020B0609020204030204" pitchFamily="49" charset="0"/>
+              </a:rPr>
+              <a:t>filtrar_pares</a:t>
+            </a:r>
+            <a:r>
+              <a:rPr lang="pt-BR" b="0" dirty="0">
+                <a:solidFill>
+                  <a:srgbClr val="D1D4E0"/>
+                </a:solidFill>
+                <a:effectLst/>
+                <a:highlight>
+                  <a:srgbClr val="1B1D28"/>
+                </a:highlight>
+                <a:latin typeface="Consolas" panose="020B0609020204030204" pitchFamily="49" charset="0"/>
+              </a:rPr>
+              <a:t>(</a:t>
+            </a:r>
+            <a:r>
+              <a:rPr lang="pt-BR" b="0" dirty="0" err="1">
+                <a:solidFill>
+                  <a:srgbClr val="D1D4E0"/>
+                </a:solidFill>
+                <a:effectLst/>
+                <a:highlight>
+                  <a:srgbClr val="1B1D28"/>
+                </a:highlight>
+                <a:latin typeface="Consolas" panose="020B0609020204030204" pitchFamily="49" charset="0"/>
+              </a:rPr>
+              <a:t>numeros</a:t>
+            </a:r>
+            <a:r>
+              <a:rPr lang="pt-BR" b="0" dirty="0">
+                <a:solidFill>
+                  <a:srgbClr val="D1D4E0"/>
+                </a:solidFill>
+                <a:effectLst/>
+                <a:highlight>
+                  <a:srgbClr val="1B1D28"/>
+                </a:highlight>
+                <a:latin typeface="Consolas" panose="020B0609020204030204" pitchFamily="49" charset="0"/>
+              </a:rPr>
+              <a:t>)</a:t>
+            </a:r>
+          </a:p>
+          <a:p>
+            <a:br>
+              <a:rPr lang="pt-BR" b="0" dirty="0">
+                <a:solidFill>
+                  <a:srgbClr val="D1D4E0"/>
+                </a:solidFill>
+                <a:effectLst/>
+                <a:highlight>
+                  <a:srgbClr val="1B1D28"/>
+                </a:highlight>
+                <a:latin typeface="Consolas" panose="020B0609020204030204" pitchFamily="49" charset="0"/>
+              </a:rPr>
+            </a:br>
+            <a:r>
+              <a:rPr lang="pt-BR" b="0" dirty="0">
+                <a:solidFill>
+                  <a:srgbClr val="606890"/>
+                </a:solidFill>
+                <a:effectLst/>
+                <a:highlight>
+                  <a:srgbClr val="1B1D28"/>
+                </a:highlight>
+                <a:latin typeface="Consolas" panose="020B0609020204030204" pitchFamily="49" charset="0"/>
+              </a:rPr>
+              <a:t># Imprimindo a lista filtrada de forma legível usando </a:t>
+            </a:r>
+            <a:r>
+              <a:rPr lang="pt-BR" b="0" dirty="0" err="1">
+                <a:solidFill>
+                  <a:srgbClr val="606890"/>
+                </a:solidFill>
+                <a:effectLst/>
+                <a:highlight>
+                  <a:srgbClr val="1B1D28"/>
+                </a:highlight>
+                <a:latin typeface="Consolas" panose="020B0609020204030204" pitchFamily="49" charset="0"/>
+              </a:rPr>
+              <a:t>pprint</a:t>
+            </a:r>
+            <a:endParaRPr lang="pt-BR" b="0" dirty="0">
+              <a:solidFill>
+                <a:srgbClr val="D1D4E0"/>
+              </a:solidFill>
+              <a:effectLst/>
+              <a:highlight>
+                <a:srgbClr val="1B1D28"/>
+              </a:highlight>
+              <a:latin typeface="Consolas" panose="020B0609020204030204" pitchFamily="49" charset="0"/>
+            </a:endParaRPr>
+          </a:p>
+          <a:p>
+            <a:r>
+              <a:rPr lang="pt-BR" b="0" dirty="0">
+                <a:solidFill>
+                  <a:srgbClr val="2DE266"/>
+                </a:solidFill>
+                <a:effectLst/>
+                <a:highlight>
+                  <a:srgbClr val="1B1D28"/>
+                </a:highlight>
+                <a:latin typeface="Consolas" panose="020B0609020204030204" pitchFamily="49" charset="0"/>
+              </a:rPr>
+              <a:t>print</a:t>
+            </a:r>
+            <a:r>
+              <a:rPr lang="pt-BR" b="0" dirty="0">
+                <a:solidFill>
+                  <a:srgbClr val="D1D4E0"/>
+                </a:solidFill>
+                <a:effectLst/>
+                <a:highlight>
+                  <a:srgbClr val="1B1D28"/>
+                </a:highlight>
+                <a:latin typeface="Consolas" panose="020B0609020204030204" pitchFamily="49" charset="0"/>
+              </a:rPr>
+              <a:t>(</a:t>
+            </a:r>
+            <a:r>
+              <a:rPr lang="pt-BR" b="0" dirty="0">
+                <a:solidFill>
+                  <a:srgbClr val="E0E97C"/>
+                </a:solidFill>
+                <a:effectLst/>
+                <a:highlight>
+                  <a:srgbClr val="1B1D28"/>
+                </a:highlight>
+                <a:latin typeface="Consolas" panose="020B0609020204030204" pitchFamily="49" charset="0"/>
+              </a:rPr>
+              <a:t>"Lista de números pares:"</a:t>
+            </a:r>
+            <a:r>
+              <a:rPr lang="pt-BR" b="0" dirty="0">
+                <a:solidFill>
+                  <a:srgbClr val="D1D4E0"/>
+                </a:solidFill>
+                <a:effectLst/>
+                <a:highlight>
+                  <a:srgbClr val="1B1D28"/>
+                </a:highlight>
+                <a:latin typeface="Consolas" panose="020B0609020204030204" pitchFamily="49" charset="0"/>
+              </a:rPr>
+              <a:t>)</a:t>
+            </a:r>
+          </a:p>
+          <a:p>
+            <a:r>
+              <a:rPr lang="pt-BR" b="0" dirty="0" err="1">
+                <a:solidFill>
+                  <a:srgbClr val="D1D4E0"/>
+                </a:solidFill>
+                <a:effectLst/>
+                <a:highlight>
+                  <a:srgbClr val="1B1D28"/>
+                </a:highlight>
+                <a:latin typeface="Consolas" panose="020B0609020204030204" pitchFamily="49" charset="0"/>
+              </a:rPr>
+              <a:t>pprint.</a:t>
+            </a:r>
+            <a:r>
+              <a:rPr lang="pt-BR" b="0" dirty="0" err="1">
+                <a:solidFill>
+                  <a:srgbClr val="2DE266"/>
+                </a:solidFill>
+                <a:effectLst/>
+                <a:highlight>
+                  <a:srgbClr val="1B1D28"/>
+                </a:highlight>
+                <a:latin typeface="Consolas" panose="020B0609020204030204" pitchFamily="49" charset="0"/>
+              </a:rPr>
+              <a:t>pprint</a:t>
+            </a:r>
+            <a:r>
+              <a:rPr lang="pt-BR" b="0" dirty="0">
+                <a:solidFill>
+                  <a:srgbClr val="D1D4E0"/>
+                </a:solidFill>
+                <a:effectLst/>
+                <a:highlight>
+                  <a:srgbClr val="1B1D28"/>
+                </a:highlight>
+                <a:latin typeface="Consolas" panose="020B0609020204030204" pitchFamily="49" charset="0"/>
+              </a:rPr>
+              <a:t>(pares)</a:t>
+            </a:r>
+          </a:p>
+        </p:txBody>
+      </p:sp>
+    </p:spTree>
+    <p:extLst>
+      <p:ext uri="{BB962C8B-B14F-4D97-AF65-F5344CB8AC3E}">
+        <p14:creationId xmlns:p14="http://schemas.microsoft.com/office/powerpoint/2010/main" val="1865585070"/>
+      </p:ext>
+    </p:extLst>
+  </p:cSld>
+  <p:clrMapOvr>
+    <a:masterClrMapping/>
+  </p:clrMapOvr>
+</p:sld>
+</file>
+
+<file path=ppt/slides/slide11.xml><?xml version="1.0" encoding="utf-8"?>
+<p:sld xmlns:a="http://schemas.openxmlformats.org/drawingml/2006/main" xmlns:r="http://schemas.openxmlformats.org/officeDocument/2006/relationships" xmlns:p="http://schemas.openxmlformats.org/presentationml/2006/main">
+  <p:cSld>
+    <p:bg>
+      <p:bgPr>
+        <a:solidFill>
+          <a:schemeClr val="bg1"/>
+        </a:solidFill>
+        <a:effectLst/>
+      </p:bgPr>
+    </p:bg>
+    <p:spTree>
+      <p:nvGrpSpPr>
+        <p:cNvPr id="1" name=""/>
+        <p:cNvGrpSpPr/>
+        <p:nvPr/>
+      </p:nvGrpSpPr>
+      <p:grpSpPr>
+        <a:xfrm>
+          <a:off x="0" y="0"/>
+          <a:ext cx="0" cy="0"/>
+          <a:chOff x="0" y="0"/>
+          <a:chExt cx="0" cy="0"/>
+        </a:xfrm>
+      </p:grpSpPr>
+      <p:sp useBgFill="1">
+        <p:nvSpPr>
+          <p:cNvPr id="40" name="Rectangle 39">
+            <a:extLst>
+              <a:ext uri="{FF2B5EF4-FFF2-40B4-BE49-F238E27FC236}">
+                <a16:creationId xmlns:a16="http://schemas.microsoft.com/office/drawing/2014/main" id="{B89090F2-B101-458B-9AFF-27327443BB09}"/>
+              </a:ext>
+              <a:ext uri="{C183D7F6-B498-43B3-948B-1728B52AA6E4}">
+                <adec:decorative xmlns:adec="http://schemas.microsoft.com/office/drawing/2017/decorative" val="1"/>
+              </a:ext>
+            </a:extLst>
+          </p:cNvPr>
+          <p:cNvSpPr>
+            <a:spLocks noGrp="1" noRot="1" noChangeAspect="1" noMove="1" noResize="1" noEditPoints="1" noAdjustHandles="1" noChangeArrowheads="1" noChangeShapeType="1" noTextEdit="1"/>
+          </p:cNvSpPr>
+          <p:nvPr>
+            <p:extLst>
+              <p:ext uri="{386F3935-93C4-4BCD-93E2-E3B085C9AB24}">
+                <p16:designElem xmlns:p16="http://schemas.microsoft.com/office/powerpoint/2015/main" val="1"/>
+              </p:ext>
+            </p:extLst>
+          </p:nvPr>
+        </p:nvSpPr>
+        <p:spPr bwMode="white">
+          <a:xfrm>
+            <a:off x="0" y="0"/>
+            <a:ext cx="12192000" cy="6858000"/>
+          </a:xfrm>
+          <a:prstGeom prst="rect">
+            <a:avLst/>
+          </a:prstGeom>
+          <a:ln>
+            <a:noFill/>
+          </a:ln>
+        </p:spPr>
+        <p:style>
+          <a:lnRef idx="2">
+            <a:schemeClr val="accent1">
+              <a:shade val="50000"/>
+            </a:schemeClr>
+          </a:lnRef>
+          <a:fillRef idx="1">
+            <a:schemeClr val="accent1"/>
+          </a:fillRef>
+          <a:effectRef idx="0">
+            <a:schemeClr val="accent1"/>
+          </a:effectRef>
+          <a:fontRef idx="minor">
+            <a:schemeClr val="lt1"/>
+          </a:fontRef>
+        </p:style>
+        <p:txBody>
+          <a:bodyPr rot="0" spcFirstLastPara="0" vert="horz" wrap="square" lIns="91440" tIns="45720" rIns="91440" bIns="45720" numCol="1" spcCol="0" rtlCol="0" fromWordArt="0" anchor="ctr" anchorCtr="0" forceAA="0" compatLnSpc="1">
+            <a:prstTxWarp prst="textNoShape">
+              <a:avLst/>
+            </a:prstTxWarp>
+            <a:noAutofit/>
+          </a:bodyPr>
+          <a:lstStyle>
+            <a:defPPr>
+              <a:defRPr lang="en-US"/>
+            </a:defPPr>
+            <a:lvl1pPr marL="0" algn="l" defTabSz="914400" rtl="0" eaLnBrk="1" latinLnBrk="0" hangingPunct="1">
+              <a:defRPr sz="1800" kern="1200">
+                <a:solidFill>
+                  <a:schemeClr val="lt1"/>
+                </a:solidFill>
+                <a:latin typeface="+mn-lt"/>
+                <a:ea typeface="+mn-ea"/>
+                <a:cs typeface="+mn-cs"/>
+              </a:defRPr>
+            </a:lvl1pPr>
+            <a:lvl2pPr marL="457200" algn="l" defTabSz="914400" rtl="0" eaLnBrk="1" latinLnBrk="0" hangingPunct="1">
+              <a:defRPr sz="1800" kern="1200">
+                <a:solidFill>
+                  <a:schemeClr val="lt1"/>
+                </a:solidFill>
+                <a:latin typeface="+mn-lt"/>
+                <a:ea typeface="+mn-ea"/>
+                <a:cs typeface="+mn-cs"/>
+              </a:defRPr>
+            </a:lvl2pPr>
+            <a:lvl3pPr marL="914400" algn="l" defTabSz="914400" rtl="0" eaLnBrk="1" latinLnBrk="0" hangingPunct="1">
+              <a:defRPr sz="1800" kern="1200">
+                <a:solidFill>
+                  <a:schemeClr val="lt1"/>
+                </a:solidFill>
+                <a:latin typeface="+mn-lt"/>
+                <a:ea typeface="+mn-ea"/>
+                <a:cs typeface="+mn-cs"/>
+              </a:defRPr>
+            </a:lvl3pPr>
+            <a:lvl4pPr marL="1371600" algn="l" defTabSz="914400" rtl="0" eaLnBrk="1" latinLnBrk="0" hangingPunct="1">
+              <a:defRPr sz="1800" kern="1200">
+                <a:solidFill>
+                  <a:schemeClr val="lt1"/>
+                </a:solidFill>
+                <a:latin typeface="+mn-lt"/>
+                <a:ea typeface="+mn-ea"/>
+                <a:cs typeface="+mn-cs"/>
+              </a:defRPr>
+            </a:lvl4pPr>
+            <a:lvl5pPr marL="1828800" algn="l" defTabSz="914400" rtl="0" eaLnBrk="1" latinLnBrk="0" hangingPunct="1">
+              <a:defRPr sz="1800" kern="1200">
+                <a:solidFill>
+                  <a:schemeClr val="lt1"/>
+                </a:solidFill>
+                <a:latin typeface="+mn-lt"/>
+                <a:ea typeface="+mn-ea"/>
+                <a:cs typeface="+mn-cs"/>
+              </a:defRPr>
+            </a:lvl5pPr>
+            <a:lvl6pPr marL="2286000" algn="l" defTabSz="914400" rtl="0" eaLnBrk="1" latinLnBrk="0" hangingPunct="1">
+              <a:defRPr sz="1800" kern="1200">
+                <a:solidFill>
+                  <a:schemeClr val="lt1"/>
+                </a:solidFill>
+                <a:latin typeface="+mn-lt"/>
+                <a:ea typeface="+mn-ea"/>
+                <a:cs typeface="+mn-cs"/>
+              </a:defRPr>
+            </a:lvl6pPr>
+            <a:lvl7pPr marL="2743200" algn="l" defTabSz="914400" rtl="0" eaLnBrk="1" latinLnBrk="0" hangingPunct="1">
+              <a:defRPr sz="1800" kern="1200">
+                <a:solidFill>
+                  <a:schemeClr val="lt1"/>
+                </a:solidFill>
+                <a:latin typeface="+mn-lt"/>
+                <a:ea typeface="+mn-ea"/>
+                <a:cs typeface="+mn-cs"/>
+              </a:defRPr>
+            </a:lvl7pPr>
+            <a:lvl8pPr marL="3200400" algn="l" defTabSz="914400" rtl="0" eaLnBrk="1" latinLnBrk="0" hangingPunct="1">
+              <a:defRPr sz="1800" kern="1200">
+                <a:solidFill>
+                  <a:schemeClr val="lt1"/>
+                </a:solidFill>
+                <a:latin typeface="+mn-lt"/>
+                <a:ea typeface="+mn-ea"/>
+                <a:cs typeface="+mn-cs"/>
+              </a:defRPr>
+            </a:lvl8pPr>
+            <a:lvl9pPr marL="3657600" algn="l" defTabSz="914400" rtl="0" eaLnBrk="1" latinLnBrk="0" hangingPunct="1">
+              <a:defRPr sz="1800" kern="1200">
+                <a:solidFill>
+                  <a:schemeClr val="lt1"/>
+                </a:solidFill>
+                <a:latin typeface="+mn-lt"/>
+                <a:ea typeface="+mn-ea"/>
+                <a:cs typeface="+mn-cs"/>
+              </a:defRPr>
+            </a:lvl9pPr>
+          </a:lstStyle>
+          <a:p>
+            <a:pPr algn="ctr"/>
+            <a:endParaRPr lang="en-US"/>
+          </a:p>
+        </p:txBody>
+      </p:sp>
+      <p:sp>
+        <p:nvSpPr>
+          <p:cNvPr id="2" name="Título 1">
+            <a:extLst>
+              <a:ext uri="{FF2B5EF4-FFF2-40B4-BE49-F238E27FC236}">
+                <a16:creationId xmlns:a16="http://schemas.microsoft.com/office/drawing/2014/main" id="{9D4DFD27-ACA4-1794-D857-3BC7340744BA}"/>
+              </a:ext>
+            </a:extLst>
+          </p:cNvPr>
+          <p:cNvSpPr>
+            <a:spLocks noGrp="1"/>
+          </p:cNvSpPr>
+          <p:nvPr>
+            <p:ph type="ctrTitle"/>
+          </p:nvPr>
+        </p:nvSpPr>
+        <p:spPr>
+          <a:xfrm>
+            <a:off x="4639056" y="1235847"/>
+            <a:ext cx="6784847" cy="3325266"/>
+          </a:xfrm>
+        </p:spPr>
+        <p:txBody>
+          <a:bodyPr>
+            <a:normAutofit/>
+          </a:bodyPr>
+          <a:lstStyle/>
+          <a:p>
+            <a:r>
+              <a:rPr lang="pt-BR" sz="7200" dirty="0"/>
+              <a:t>Validar Tipos</a:t>
+            </a:r>
+          </a:p>
+        </p:txBody>
+      </p:sp>
+      <p:sp>
+        <p:nvSpPr>
+          <p:cNvPr id="42" name="Freeform 6">
+            <a:extLst>
+              <a:ext uri="{FF2B5EF4-FFF2-40B4-BE49-F238E27FC236}">
+                <a16:creationId xmlns:a16="http://schemas.microsoft.com/office/drawing/2014/main" id="{526C103B-17BD-4B48-AB6F-0D9EF826AAC4}"/>
+              </a:ext>
+              <a:ext uri="{C183D7F6-B498-43B3-948B-1728B52AA6E4}">
+                <adec:decorative xmlns:adec="http://schemas.microsoft.com/office/drawing/2017/decorative" val="1"/>
+              </a:ext>
+            </a:extLst>
+          </p:cNvPr>
+          <p:cNvSpPr>
+            <a:spLocks noGrp="1" noRot="1" noChangeAspect="1" noMove="1" noResize="1" noEditPoints="1" noAdjustHandles="1" noChangeArrowheads="1" noChangeShapeType="1" noTextEdit="1"/>
+          </p:cNvSpPr>
+          <p:nvPr>
+            <p:extLst>
+              <p:ext uri="{386F3935-93C4-4BCD-93E2-E3B085C9AB24}">
+                <p16:designElem xmlns:p16="http://schemas.microsoft.com/office/powerpoint/2015/main" val="1"/>
+              </p:ext>
+            </p:extLst>
+          </p:nvPr>
+        </p:nvSpPr>
+        <p:spPr bwMode="auto">
+          <a:xfrm>
+            <a:off x="0" y="0"/>
+            <a:ext cx="885825" cy="6858000"/>
+          </a:xfrm>
+          <a:custGeom>
+            <a:avLst/>
+            <a:gdLst/>
+            <a:ahLst/>
+            <a:cxnLst/>
+            <a:rect l="0" t="0" r="r" b="b"/>
+            <a:pathLst>
+              <a:path w="558" h="4320">
+                <a:moveTo>
+                  <a:pt x="0" y="0"/>
+                </a:moveTo>
+                <a:lnTo>
+                  <a:pt x="447" y="0"/>
+                </a:lnTo>
+                <a:lnTo>
+                  <a:pt x="448" y="43"/>
+                </a:lnTo>
+                <a:lnTo>
+                  <a:pt x="453" y="81"/>
+                </a:lnTo>
+                <a:lnTo>
+                  <a:pt x="460" y="114"/>
+                </a:lnTo>
+                <a:lnTo>
+                  <a:pt x="469" y="143"/>
+                </a:lnTo>
+                <a:lnTo>
+                  <a:pt x="479" y="169"/>
+                </a:lnTo>
+                <a:lnTo>
+                  <a:pt x="491" y="192"/>
+                </a:lnTo>
+                <a:lnTo>
+                  <a:pt x="503" y="216"/>
+                </a:lnTo>
+                <a:lnTo>
+                  <a:pt x="515" y="240"/>
+                </a:lnTo>
+                <a:lnTo>
+                  <a:pt x="525" y="263"/>
+                </a:lnTo>
+                <a:lnTo>
+                  <a:pt x="535" y="289"/>
+                </a:lnTo>
+                <a:lnTo>
+                  <a:pt x="545" y="318"/>
+                </a:lnTo>
+                <a:lnTo>
+                  <a:pt x="552" y="351"/>
+                </a:lnTo>
+                <a:lnTo>
+                  <a:pt x="556" y="389"/>
+                </a:lnTo>
+                <a:lnTo>
+                  <a:pt x="558" y="432"/>
+                </a:lnTo>
+                <a:lnTo>
+                  <a:pt x="556" y="475"/>
+                </a:lnTo>
+                <a:lnTo>
+                  <a:pt x="552" y="513"/>
+                </a:lnTo>
+                <a:lnTo>
+                  <a:pt x="545" y="546"/>
+                </a:lnTo>
+                <a:lnTo>
+                  <a:pt x="535" y="575"/>
+                </a:lnTo>
+                <a:lnTo>
+                  <a:pt x="525" y="601"/>
+                </a:lnTo>
+                <a:lnTo>
+                  <a:pt x="515" y="624"/>
+                </a:lnTo>
+                <a:lnTo>
+                  <a:pt x="503" y="648"/>
+                </a:lnTo>
+                <a:lnTo>
+                  <a:pt x="491" y="672"/>
+                </a:lnTo>
+                <a:lnTo>
+                  <a:pt x="479" y="695"/>
+                </a:lnTo>
+                <a:lnTo>
+                  <a:pt x="469" y="721"/>
+                </a:lnTo>
+                <a:lnTo>
+                  <a:pt x="460" y="750"/>
+                </a:lnTo>
+                <a:lnTo>
+                  <a:pt x="453" y="783"/>
+                </a:lnTo>
+                <a:lnTo>
+                  <a:pt x="448" y="821"/>
+                </a:lnTo>
+                <a:lnTo>
+                  <a:pt x="447" y="864"/>
+                </a:lnTo>
+                <a:lnTo>
+                  <a:pt x="448" y="907"/>
+                </a:lnTo>
+                <a:lnTo>
+                  <a:pt x="453" y="945"/>
+                </a:lnTo>
+                <a:lnTo>
+                  <a:pt x="460" y="978"/>
+                </a:lnTo>
+                <a:lnTo>
+                  <a:pt x="469" y="1007"/>
+                </a:lnTo>
+                <a:lnTo>
+                  <a:pt x="479" y="1033"/>
+                </a:lnTo>
+                <a:lnTo>
+                  <a:pt x="491" y="1056"/>
+                </a:lnTo>
+                <a:lnTo>
+                  <a:pt x="503" y="1080"/>
+                </a:lnTo>
+                <a:lnTo>
+                  <a:pt x="515" y="1104"/>
+                </a:lnTo>
+                <a:lnTo>
+                  <a:pt x="525" y="1127"/>
+                </a:lnTo>
+                <a:lnTo>
+                  <a:pt x="535" y="1153"/>
+                </a:lnTo>
+                <a:lnTo>
+                  <a:pt x="545" y="1182"/>
+                </a:lnTo>
+                <a:lnTo>
+                  <a:pt x="552" y="1215"/>
+                </a:lnTo>
+                <a:lnTo>
+                  <a:pt x="556" y="1253"/>
+                </a:lnTo>
+                <a:lnTo>
+                  <a:pt x="558" y="1296"/>
+                </a:lnTo>
+                <a:lnTo>
+                  <a:pt x="556" y="1339"/>
+                </a:lnTo>
+                <a:lnTo>
+                  <a:pt x="552" y="1377"/>
+                </a:lnTo>
+                <a:lnTo>
+                  <a:pt x="545" y="1410"/>
+                </a:lnTo>
+                <a:lnTo>
+                  <a:pt x="535" y="1439"/>
+                </a:lnTo>
+                <a:lnTo>
+                  <a:pt x="525" y="1465"/>
+                </a:lnTo>
+                <a:lnTo>
+                  <a:pt x="515" y="1488"/>
+                </a:lnTo>
+                <a:lnTo>
+                  <a:pt x="503" y="1512"/>
+                </a:lnTo>
+                <a:lnTo>
+                  <a:pt x="491" y="1536"/>
+                </a:lnTo>
+                <a:lnTo>
+                  <a:pt x="479" y="1559"/>
+                </a:lnTo>
+                <a:lnTo>
+                  <a:pt x="469" y="1585"/>
+                </a:lnTo>
+                <a:lnTo>
+                  <a:pt x="460" y="1614"/>
+                </a:lnTo>
+                <a:lnTo>
+                  <a:pt x="453" y="1647"/>
+                </a:lnTo>
+                <a:lnTo>
+                  <a:pt x="448" y="1685"/>
+                </a:lnTo>
+                <a:lnTo>
+                  <a:pt x="447" y="1728"/>
+                </a:lnTo>
+                <a:lnTo>
+                  <a:pt x="448" y="1771"/>
+                </a:lnTo>
+                <a:lnTo>
+                  <a:pt x="453" y="1809"/>
+                </a:lnTo>
+                <a:lnTo>
+                  <a:pt x="460" y="1842"/>
+                </a:lnTo>
+                <a:lnTo>
+                  <a:pt x="469" y="1871"/>
+                </a:lnTo>
+                <a:lnTo>
+                  <a:pt x="479" y="1897"/>
+                </a:lnTo>
+                <a:lnTo>
+                  <a:pt x="491" y="1920"/>
+                </a:lnTo>
+                <a:lnTo>
+                  <a:pt x="503" y="1944"/>
+                </a:lnTo>
+                <a:lnTo>
+                  <a:pt x="515" y="1968"/>
+                </a:lnTo>
+                <a:lnTo>
+                  <a:pt x="525" y="1991"/>
+                </a:lnTo>
+                <a:lnTo>
+                  <a:pt x="535" y="2017"/>
+                </a:lnTo>
+                <a:lnTo>
+                  <a:pt x="545" y="2046"/>
+                </a:lnTo>
+                <a:lnTo>
+                  <a:pt x="552" y="2079"/>
+                </a:lnTo>
+                <a:lnTo>
+                  <a:pt x="556" y="2117"/>
+                </a:lnTo>
+                <a:lnTo>
+                  <a:pt x="558" y="2159"/>
+                </a:lnTo>
+                <a:lnTo>
+                  <a:pt x="556" y="2203"/>
+                </a:lnTo>
+                <a:lnTo>
+                  <a:pt x="552" y="2241"/>
+                </a:lnTo>
+                <a:lnTo>
+                  <a:pt x="545" y="2274"/>
+                </a:lnTo>
+                <a:lnTo>
+                  <a:pt x="535" y="2303"/>
+                </a:lnTo>
+                <a:lnTo>
+                  <a:pt x="525" y="2329"/>
+                </a:lnTo>
+                <a:lnTo>
+                  <a:pt x="515" y="2352"/>
+                </a:lnTo>
+                <a:lnTo>
+                  <a:pt x="503" y="2376"/>
+                </a:lnTo>
+                <a:lnTo>
+                  <a:pt x="491" y="2400"/>
+                </a:lnTo>
+                <a:lnTo>
+                  <a:pt x="479" y="2423"/>
+                </a:lnTo>
+                <a:lnTo>
+                  <a:pt x="469" y="2449"/>
+                </a:lnTo>
+                <a:lnTo>
+                  <a:pt x="460" y="2478"/>
+                </a:lnTo>
+                <a:lnTo>
+                  <a:pt x="453" y="2511"/>
+                </a:lnTo>
+                <a:lnTo>
+                  <a:pt x="448" y="2549"/>
+                </a:lnTo>
+                <a:lnTo>
+                  <a:pt x="447" y="2592"/>
+                </a:lnTo>
+                <a:lnTo>
+                  <a:pt x="448" y="2635"/>
+                </a:lnTo>
+                <a:lnTo>
+                  <a:pt x="453" y="2673"/>
+                </a:lnTo>
+                <a:lnTo>
+                  <a:pt x="460" y="2706"/>
+                </a:lnTo>
+                <a:lnTo>
+                  <a:pt x="469" y="2735"/>
+                </a:lnTo>
+                <a:lnTo>
+                  <a:pt x="479" y="2761"/>
+                </a:lnTo>
+                <a:lnTo>
+                  <a:pt x="491" y="2784"/>
+                </a:lnTo>
+                <a:lnTo>
+                  <a:pt x="515" y="2832"/>
+                </a:lnTo>
+                <a:lnTo>
+                  <a:pt x="525" y="2855"/>
+                </a:lnTo>
+                <a:lnTo>
+                  <a:pt x="535" y="2881"/>
+                </a:lnTo>
+                <a:lnTo>
+                  <a:pt x="545" y="2910"/>
+                </a:lnTo>
+                <a:lnTo>
+                  <a:pt x="552" y="2943"/>
+                </a:lnTo>
+                <a:lnTo>
+                  <a:pt x="556" y="2981"/>
+                </a:lnTo>
+                <a:lnTo>
+                  <a:pt x="558" y="3024"/>
+                </a:lnTo>
+                <a:lnTo>
+                  <a:pt x="556" y="3067"/>
+                </a:lnTo>
+                <a:lnTo>
+                  <a:pt x="552" y="3105"/>
+                </a:lnTo>
+                <a:lnTo>
+                  <a:pt x="545" y="3138"/>
+                </a:lnTo>
+                <a:lnTo>
+                  <a:pt x="535" y="3167"/>
+                </a:lnTo>
+                <a:lnTo>
+                  <a:pt x="525" y="3193"/>
+                </a:lnTo>
+                <a:lnTo>
+                  <a:pt x="515" y="3216"/>
+                </a:lnTo>
+                <a:lnTo>
+                  <a:pt x="503" y="3240"/>
+                </a:lnTo>
+                <a:lnTo>
+                  <a:pt x="491" y="3264"/>
+                </a:lnTo>
+                <a:lnTo>
+                  <a:pt x="479" y="3287"/>
+                </a:lnTo>
+                <a:lnTo>
+                  <a:pt x="469" y="3313"/>
+                </a:lnTo>
+                <a:lnTo>
+                  <a:pt x="460" y="3342"/>
+                </a:lnTo>
+                <a:lnTo>
+                  <a:pt x="453" y="3375"/>
+                </a:lnTo>
+                <a:lnTo>
+                  <a:pt x="448" y="3413"/>
+                </a:lnTo>
+                <a:lnTo>
+                  <a:pt x="447" y="3456"/>
+                </a:lnTo>
+                <a:lnTo>
+                  <a:pt x="448" y="3499"/>
+                </a:lnTo>
+                <a:lnTo>
+                  <a:pt x="453" y="3537"/>
+                </a:lnTo>
+                <a:lnTo>
+                  <a:pt x="460" y="3570"/>
+                </a:lnTo>
+                <a:lnTo>
+                  <a:pt x="469" y="3599"/>
+                </a:lnTo>
+                <a:lnTo>
+                  <a:pt x="479" y="3625"/>
+                </a:lnTo>
+                <a:lnTo>
+                  <a:pt x="491" y="3648"/>
+                </a:lnTo>
+                <a:lnTo>
+                  <a:pt x="503" y="3672"/>
+                </a:lnTo>
+                <a:lnTo>
+                  <a:pt x="515" y="3696"/>
+                </a:lnTo>
+                <a:lnTo>
+                  <a:pt x="525" y="3719"/>
+                </a:lnTo>
+                <a:lnTo>
+                  <a:pt x="535" y="3745"/>
+                </a:lnTo>
+                <a:lnTo>
+                  <a:pt x="545" y="3774"/>
+                </a:lnTo>
+                <a:lnTo>
+                  <a:pt x="552" y="3807"/>
+                </a:lnTo>
+                <a:lnTo>
+                  <a:pt x="556" y="3845"/>
+                </a:lnTo>
+                <a:lnTo>
+                  <a:pt x="558" y="3888"/>
+                </a:lnTo>
+                <a:lnTo>
+                  <a:pt x="556" y="3931"/>
+                </a:lnTo>
+                <a:lnTo>
+                  <a:pt x="552" y="3969"/>
+                </a:lnTo>
+                <a:lnTo>
+                  <a:pt x="545" y="4002"/>
+                </a:lnTo>
+                <a:lnTo>
+                  <a:pt x="535" y="4031"/>
+                </a:lnTo>
+                <a:lnTo>
+                  <a:pt x="525" y="4057"/>
+                </a:lnTo>
+                <a:lnTo>
+                  <a:pt x="515" y="4080"/>
+                </a:lnTo>
+                <a:lnTo>
+                  <a:pt x="503" y="4104"/>
+                </a:lnTo>
+                <a:lnTo>
+                  <a:pt x="491" y="4128"/>
+                </a:lnTo>
+                <a:lnTo>
+                  <a:pt x="479" y="4151"/>
+                </a:lnTo>
+                <a:lnTo>
+                  <a:pt x="469" y="4177"/>
+                </a:lnTo>
+                <a:lnTo>
+                  <a:pt x="460" y="4206"/>
+                </a:lnTo>
+                <a:lnTo>
+                  <a:pt x="453" y="4239"/>
+                </a:lnTo>
+                <a:lnTo>
+                  <a:pt x="448" y="4277"/>
+                </a:lnTo>
+                <a:lnTo>
+                  <a:pt x="447" y="4320"/>
+                </a:lnTo>
+                <a:lnTo>
+                  <a:pt x="0" y="4320"/>
+                </a:lnTo>
+                <a:lnTo>
+                  <a:pt x="0" y="0"/>
+                </a:lnTo>
+                <a:close/>
+              </a:path>
+            </a:pathLst>
+          </a:custGeom>
+          <a:solidFill>
+            <a:schemeClr val="tx2"/>
+          </a:solidFill>
+          <a:ln w="0">
+            <a:noFill/>
+            <a:prstDash val="solid"/>
+            <a:round/>
+            <a:headEnd/>
+            <a:tailEnd/>
+          </a:ln>
+        </p:spPr>
+        <p:txBody>
+          <a:bodyPr/>
+          <a:lstStyle/>
+          <a:p>
+            <a:endParaRPr lang="pt-BR"/>
+          </a:p>
+        </p:txBody>
+      </p:sp>
+      <p:pic>
+        <p:nvPicPr>
+          <p:cNvPr id="27" name="Graphic 26" descr="Programador">
+            <a:extLst>
+              <a:ext uri="{FF2B5EF4-FFF2-40B4-BE49-F238E27FC236}">
+                <a16:creationId xmlns:a16="http://schemas.microsoft.com/office/drawing/2014/main" id="{84ADACB3-6759-6202-E5E9-D8673D71ACD3}"/>
+              </a:ext>
+            </a:extLst>
+          </p:cNvPr>
+          <p:cNvPicPr>
+            <a:picLocks noChangeAspect="1"/>
+          </p:cNvPicPr>
+          <p:nvPr/>
+        </p:nvPicPr>
+        <p:blipFill>
+          <a:blip r:embed="rId2">
+            <a:extLst>
+              <a:ext uri="{28A0092B-C50C-407E-A947-70E740481C1C}">
+                <a14:useLocalDpi xmlns:a14="http://schemas.microsoft.com/office/drawing/2010/main" val="0"/>
+              </a:ext>
+              <a:ext uri="{96DAC541-7B7A-43D3-8B79-37D633B846F1}">
+                <asvg:svgBlip xmlns:asvg="http://schemas.microsoft.com/office/drawing/2016/SVG/main" r:embed="rId3"/>
+              </a:ext>
+            </a:extLst>
+          </a:blip>
+          <a:stretch>
+            <a:fillRect/>
+          </a:stretch>
+        </p:blipFill>
+        <p:spPr>
+          <a:xfrm>
+            <a:off x="1240971" y="1709603"/>
+            <a:ext cx="3398085" cy="3398085"/>
+          </a:xfrm>
+          <a:prstGeom prst="rect">
+            <a:avLst/>
+          </a:prstGeom>
+        </p:spPr>
+      </p:pic>
+      <p:sp>
+        <p:nvSpPr>
+          <p:cNvPr id="44" name="Rectangle 43">
+            <a:extLst>
+              <a:ext uri="{FF2B5EF4-FFF2-40B4-BE49-F238E27FC236}">
+                <a16:creationId xmlns:a16="http://schemas.microsoft.com/office/drawing/2014/main" id="{E9EC3243-CA25-4485-A7FE-8B0141923844}"/>
+              </a:ext>
+              <a:ext uri="{C183D7F6-B498-43B3-948B-1728B52AA6E4}">
+                <adec:decorative xmlns:adec="http://schemas.microsoft.com/office/drawing/2017/decorative" val="1"/>
+              </a:ext>
+            </a:extLst>
+          </p:cNvPr>
+          <p:cNvSpPr>
+            <a:spLocks noGrp="1" noRot="1" noChangeAspect="1" noMove="1" noResize="1" noEditPoints="1" noAdjustHandles="1" noChangeArrowheads="1" noChangeShapeType="1" noTextEdit="1"/>
+          </p:cNvSpPr>
+          <p:nvPr>
+            <p:extLst>
+              <p:ext uri="{386F3935-93C4-4BCD-93E2-E3B085C9AB24}">
+                <p16:designElem xmlns:p16="http://schemas.microsoft.com/office/powerpoint/2015/main" val="1"/>
+              </p:ext>
+            </p:extLst>
+          </p:nvPr>
+        </p:nvSpPr>
+        <p:spPr>
+          <a:xfrm>
+            <a:off x="11908536" y="0"/>
+            <a:ext cx="283464" cy="6858000"/>
+          </a:xfrm>
+          <a:prstGeom prst="rect">
+            <a:avLst/>
+          </a:prstGeom>
+          <a:solidFill>
+            <a:schemeClr val="accent1"/>
+          </a:solidFill>
+          <a:ln>
+            <a:noFill/>
+          </a:ln>
+        </p:spPr>
+        <p:style>
+          <a:lnRef idx="2">
+            <a:schemeClr val="accent1">
+              <a:shade val="50000"/>
+            </a:schemeClr>
+          </a:lnRef>
+          <a:fillRef idx="1">
+            <a:schemeClr val="accent1"/>
+          </a:fillRef>
+          <a:effectRef idx="0">
+            <a:schemeClr val="accent1"/>
+          </a:effectRef>
+          <a:fontRef idx="minor">
+            <a:schemeClr val="lt1"/>
+          </a:fontRef>
+        </p:style>
+        <p:txBody>
+          <a:bodyPr/>
+          <a:lstStyle/>
+          <a:p>
+            <a:endParaRPr lang="pt-BR"/>
+          </a:p>
+        </p:txBody>
+      </p:sp>
+    </p:spTree>
+    <p:extLst>
+      <p:ext uri="{BB962C8B-B14F-4D97-AF65-F5344CB8AC3E}">
+        <p14:creationId xmlns:p14="http://schemas.microsoft.com/office/powerpoint/2010/main" val="4258736925"/>
+      </p:ext>
+    </p:extLst>
+  </p:cSld>
+  <p:clrMapOvr>
+    <a:masterClrMapping/>
+  </p:clrMapOvr>
+</p:sld>
+</file>
+
+<file path=ppt/slides/slide12.xml><?xml version="1.0" encoding="utf-8"?>
+<p:sld xmlns:a="http://schemas.openxmlformats.org/drawingml/2006/main" xmlns:r="http://schemas.openxmlformats.org/officeDocument/2006/relationships" xmlns:p="http://schemas.openxmlformats.org/presentationml/2006/main">
+  <p:cSld>
+    <p:bg>
+      <p:bgPr>
+        <a:solidFill>
+          <a:schemeClr val="bg1">
+            <a:tint val="95000"/>
+            <a:satMod val="170000"/>
+          </a:schemeClr>
+        </a:solidFill>
+        <a:effectLst/>
+      </p:bgPr>
+    </p:bg>
+    <p:spTree>
+      <p:nvGrpSpPr>
+        <p:cNvPr id="1" name=""/>
+        <p:cNvGrpSpPr/>
+        <p:nvPr/>
+      </p:nvGrpSpPr>
+      <p:grpSpPr>
+        <a:xfrm>
+          <a:off x="0" y="0"/>
+          <a:ext cx="0" cy="0"/>
+          <a:chOff x="0" y="0"/>
+          <a:chExt cx="0" cy="0"/>
+        </a:xfrm>
+      </p:grpSpPr>
+      <p:sp useBgFill="1">
+        <p:nvSpPr>
+          <p:cNvPr id="8" name="Rectangle 7">
+            <a:extLst>
+              <a:ext uri="{FF2B5EF4-FFF2-40B4-BE49-F238E27FC236}">
+                <a16:creationId xmlns:a16="http://schemas.microsoft.com/office/drawing/2014/main" id="{CFC012A5-170D-4B0F-A916-A8EE2C6CE94A}"/>
+              </a:ext>
+              <a:ext uri="{C183D7F6-B498-43B3-948B-1728B52AA6E4}">
+                <adec:decorative xmlns:adec="http://schemas.microsoft.com/office/drawing/2017/decorative" val="1"/>
+              </a:ext>
+            </a:extLst>
+          </p:cNvPr>
+          <p:cNvSpPr>
+            <a:spLocks noGrp="1" noRot="1" noChangeAspect="1" noMove="1" noResize="1" noEditPoints="1" noAdjustHandles="1" noChangeArrowheads="1" noChangeShapeType="1" noTextEdit="1"/>
+          </p:cNvSpPr>
+          <p:nvPr>
+            <p:extLst>
+              <p:ext uri="{386F3935-93C4-4BCD-93E2-E3B085C9AB24}">
+                <p16:designElem xmlns:p16="http://schemas.microsoft.com/office/powerpoint/2015/main" val="1"/>
+              </p:ext>
+            </p:extLst>
+          </p:nvPr>
+        </p:nvSpPr>
+        <p:spPr>
+          <a:xfrm>
+            <a:off x="0" y="0"/>
+            <a:ext cx="12192000" cy="6858000"/>
+          </a:xfrm>
+          <a:prstGeom prst="rect">
+            <a:avLst/>
+          </a:prstGeom>
+          <a:ln>
+            <a:noFill/>
+          </a:ln>
+        </p:spPr>
+        <p:style>
+          <a:lnRef idx="2">
+            <a:schemeClr val="accent1">
+              <a:shade val="50000"/>
+            </a:schemeClr>
+          </a:lnRef>
+          <a:fillRef idx="1">
+            <a:schemeClr val="accent1"/>
+          </a:fillRef>
+          <a:effectRef idx="0">
+            <a:schemeClr val="accent1"/>
+          </a:effectRef>
+          <a:fontRef idx="minor">
+            <a:schemeClr val="lt1"/>
+          </a:fontRef>
+        </p:style>
+        <p:txBody>
+          <a:bodyPr rtlCol="0" anchor="ctr"/>
+          <a:lstStyle/>
+          <a:p>
+            <a:pPr algn="ctr"/>
+            <a:endParaRPr lang="en-US"/>
+          </a:p>
+        </p:txBody>
+      </p:sp>
+      <p:sp>
+        <p:nvSpPr>
+          <p:cNvPr id="10" name="Rectangle 9">
+            <a:extLst>
+              <a:ext uri="{FF2B5EF4-FFF2-40B4-BE49-F238E27FC236}">
+                <a16:creationId xmlns:a16="http://schemas.microsoft.com/office/drawing/2014/main" id="{37F40654-5E8C-468A-9596-50927AF198AB}"/>
+              </a:ext>
+              <a:ext uri="{C183D7F6-B498-43B3-948B-1728B52AA6E4}">
+                <adec:decorative xmlns:adec="http://schemas.microsoft.com/office/drawing/2017/decorative" val="1"/>
+              </a:ext>
+            </a:extLst>
+          </p:cNvPr>
+          <p:cNvSpPr>
+            <a:spLocks noGrp="1" noRot="1" noChangeAspect="1" noMove="1" noResize="1" noEditPoints="1" noAdjustHandles="1" noChangeArrowheads="1" noChangeShapeType="1" noTextEdit="1"/>
+          </p:cNvSpPr>
+          <p:nvPr>
+            <p:extLst>
+              <p:ext uri="{386F3935-93C4-4BCD-93E2-E3B085C9AB24}">
+                <p16:designElem xmlns:p16="http://schemas.microsoft.com/office/powerpoint/2015/main" val="1"/>
+              </p:ext>
+            </p:extLst>
+          </p:nvPr>
+        </p:nvSpPr>
+        <p:spPr>
+          <a:xfrm>
+            <a:off x="0" y="0"/>
+            <a:ext cx="3345981" cy="6858000"/>
+          </a:xfrm>
+          <a:prstGeom prst="rect">
+            <a:avLst/>
+          </a:prstGeom>
+          <a:solidFill>
+            <a:schemeClr val="accent1"/>
+          </a:solidFill>
+          <a:ln>
+            <a:noFill/>
+          </a:ln>
+        </p:spPr>
+        <p:style>
+          <a:lnRef idx="2">
+            <a:schemeClr val="accent1">
+              <a:shade val="50000"/>
+            </a:schemeClr>
+          </a:lnRef>
+          <a:fillRef idx="1">
+            <a:schemeClr val="accent1"/>
+          </a:fillRef>
+          <a:effectRef idx="0">
+            <a:schemeClr val="accent1"/>
+          </a:effectRef>
+          <a:fontRef idx="minor">
+            <a:schemeClr val="lt1"/>
+          </a:fontRef>
+        </p:style>
+        <p:txBody>
+          <a:bodyPr rtlCol="0" anchor="ctr"/>
+          <a:lstStyle/>
+          <a:p>
+            <a:pPr algn="ctr"/>
+            <a:endParaRPr lang="en-US"/>
+          </a:p>
+        </p:txBody>
+      </p:sp>
+      <p:sp>
+        <p:nvSpPr>
+          <p:cNvPr id="2" name="Título 1">
+            <a:extLst>
+              <a:ext uri="{FF2B5EF4-FFF2-40B4-BE49-F238E27FC236}">
+                <a16:creationId xmlns:a16="http://schemas.microsoft.com/office/drawing/2014/main" id="{D21C56AC-69C0-9250-ABFF-EEDEB609601F}"/>
+              </a:ext>
+            </a:extLst>
+          </p:cNvPr>
+          <p:cNvSpPr>
+            <a:spLocks noGrp="1"/>
+          </p:cNvSpPr>
+          <p:nvPr>
+            <p:ph type="title"/>
+          </p:nvPr>
+        </p:nvSpPr>
+        <p:spPr>
+          <a:xfrm>
+            <a:off x="762001" y="1354945"/>
+            <a:ext cx="2304578" cy="4148110"/>
+          </a:xfrm>
+        </p:spPr>
+        <p:txBody>
+          <a:bodyPr anchor="ctr">
+            <a:normAutofit/>
+          </a:bodyPr>
+          <a:lstStyle/>
+          <a:p>
+            <a:r>
+              <a:rPr lang="pt-BR" sz="2800" dirty="0" err="1">
+                <a:solidFill>
+                  <a:srgbClr val="2A1A00"/>
+                </a:solidFill>
+              </a:rPr>
+              <a:t>ISistance</a:t>
+            </a:r>
+            <a:endParaRPr lang="pt-BR" sz="2800" dirty="0">
+              <a:solidFill>
+                <a:srgbClr val="2A1A00"/>
+              </a:solidFill>
+            </a:endParaRPr>
+          </a:p>
+        </p:txBody>
+      </p:sp>
+      <p:sp>
+        <p:nvSpPr>
+          <p:cNvPr id="12" name="Rectangle 11">
+            <a:extLst>
+              <a:ext uri="{FF2B5EF4-FFF2-40B4-BE49-F238E27FC236}">
+                <a16:creationId xmlns:a16="http://schemas.microsoft.com/office/drawing/2014/main" id="{50B1BD4A-8DE6-4266-9C27-59260F938ED8}"/>
+              </a:ext>
+              <a:ext uri="{C183D7F6-B498-43B3-948B-1728B52AA6E4}">
+                <adec:decorative xmlns:adec="http://schemas.microsoft.com/office/drawing/2017/decorative" val="1"/>
+              </a:ext>
+            </a:extLst>
+          </p:cNvPr>
+          <p:cNvSpPr>
+            <a:spLocks noGrp="1" noRot="1" noChangeAspect="1" noMove="1" noResize="1" noEditPoints="1" noAdjustHandles="1" noChangeArrowheads="1" noChangeShapeType="1" noTextEdit="1"/>
+          </p:cNvSpPr>
+          <p:nvPr>
+            <p:extLst>
+              <p:ext uri="{386F3935-93C4-4BCD-93E2-E3B085C9AB24}">
+                <p16:designElem xmlns:p16="http://schemas.microsoft.com/office/powerpoint/2015/main" val="1"/>
+              </p:ext>
+            </p:extLst>
+          </p:nvPr>
+        </p:nvSpPr>
+        <p:spPr>
+          <a:xfrm>
+            <a:off x="0" y="0"/>
+            <a:ext cx="643467" cy="6858000"/>
+          </a:xfrm>
+          <a:prstGeom prst="rect">
+            <a:avLst/>
+          </a:prstGeom>
+          <a:solidFill>
+            <a:schemeClr val="accent1">
+              <a:lumMod val="75000"/>
+            </a:schemeClr>
+          </a:solidFill>
+          <a:ln>
+            <a:noFill/>
+          </a:ln>
+        </p:spPr>
+        <p:style>
+          <a:lnRef idx="2">
+            <a:schemeClr val="accent1">
+              <a:shade val="50000"/>
+            </a:schemeClr>
+          </a:lnRef>
+          <a:fillRef idx="1003">
+            <a:schemeClr val="lt1"/>
+          </a:fillRef>
+          <a:effectRef idx="0">
+            <a:schemeClr val="accent1"/>
+          </a:effectRef>
+          <a:fontRef idx="minor">
+            <a:schemeClr val="lt1"/>
+          </a:fontRef>
+        </p:style>
+        <p:txBody>
+          <a:bodyPr rtlCol="0" anchor="ctr"/>
+          <a:lstStyle/>
+          <a:p>
+            <a:pPr algn="ctr"/>
+            <a:endParaRPr lang="en-US">
+              <a:solidFill>
+                <a:schemeClr val="accent2"/>
+              </a:solidFill>
+            </a:endParaRPr>
+          </a:p>
+        </p:txBody>
+      </p:sp>
+      <p:sp>
+        <p:nvSpPr>
+          <p:cNvPr id="3" name="Espaço Reservado para Conteúdo 2">
+            <a:extLst>
+              <a:ext uri="{FF2B5EF4-FFF2-40B4-BE49-F238E27FC236}">
+                <a16:creationId xmlns:a16="http://schemas.microsoft.com/office/drawing/2014/main" id="{ADC7C2F9-6024-503C-CFEE-48C4893DD35F}"/>
+              </a:ext>
+            </a:extLst>
+          </p:cNvPr>
+          <p:cNvSpPr>
+            <a:spLocks noGrp="1"/>
+          </p:cNvSpPr>
+          <p:nvPr>
+            <p:ph idx="1"/>
+          </p:nvPr>
+        </p:nvSpPr>
+        <p:spPr>
+          <a:xfrm>
+            <a:off x="3828580" y="1354945"/>
+            <a:ext cx="7601419" cy="4148110"/>
+          </a:xfrm>
+        </p:spPr>
+        <p:txBody>
+          <a:bodyPr anchor="ctr">
+            <a:normAutofit/>
+          </a:bodyPr>
+          <a:lstStyle/>
+          <a:p>
+            <a:r>
+              <a:rPr lang="pt-BR" sz="2400" dirty="0">
+                <a:solidFill>
+                  <a:schemeClr val="tx2"/>
+                </a:solidFill>
+              </a:rPr>
+              <a:t>A função </a:t>
+            </a:r>
+            <a:r>
+              <a:rPr lang="pt-BR" sz="2400" dirty="0" err="1">
+                <a:solidFill>
+                  <a:schemeClr val="tx2"/>
+                </a:solidFill>
+              </a:rPr>
+              <a:t>isinstance</a:t>
+            </a:r>
+            <a:r>
+              <a:rPr lang="pt-BR" sz="2400" dirty="0">
+                <a:solidFill>
+                  <a:schemeClr val="tx2"/>
+                </a:solidFill>
+              </a:rPr>
+              <a:t>() em Python é utilizada para verificar se um objeto é uma instância de uma classe específica. Ela retorna </a:t>
+            </a:r>
+            <a:r>
+              <a:rPr lang="pt-BR" sz="2400" dirty="0" err="1">
+                <a:solidFill>
+                  <a:schemeClr val="tx2"/>
+                </a:solidFill>
+              </a:rPr>
+              <a:t>True</a:t>
+            </a:r>
+            <a:r>
+              <a:rPr lang="pt-BR" sz="2400" dirty="0">
+                <a:solidFill>
+                  <a:schemeClr val="tx2"/>
+                </a:solidFill>
+              </a:rPr>
+              <a:t> se o objeto for uma instância da classe especificada ou de qualquer uma de suas subclasses, e retorna False caso contrário.</a:t>
+            </a:r>
+          </a:p>
+        </p:txBody>
+      </p:sp>
+      <p:sp>
+        <p:nvSpPr>
+          <p:cNvPr id="5" name="CaixaDeTexto 4">
+            <a:extLst>
+              <a:ext uri="{FF2B5EF4-FFF2-40B4-BE49-F238E27FC236}">
+                <a16:creationId xmlns:a16="http://schemas.microsoft.com/office/drawing/2014/main" id="{20693DAC-F2E8-B234-B1C9-BB78CB7C6CDF}"/>
+              </a:ext>
+            </a:extLst>
+          </p:cNvPr>
+          <p:cNvSpPr txBox="1"/>
+          <p:nvPr/>
+        </p:nvSpPr>
+        <p:spPr>
+          <a:xfrm>
+            <a:off x="5410158" y="5503055"/>
+            <a:ext cx="4438261" cy="584775"/>
+          </a:xfrm>
+          <a:prstGeom prst="rect">
+            <a:avLst/>
+          </a:prstGeom>
+          <a:noFill/>
+        </p:spPr>
+        <p:txBody>
+          <a:bodyPr wrap="square">
+            <a:spAutoFit/>
+          </a:bodyPr>
+          <a:lstStyle/>
+          <a:p>
+            <a:r>
+              <a:rPr lang="pt-BR" sz="3200" b="0" i="0" dirty="0" err="1">
+                <a:solidFill>
+                  <a:srgbClr val="E9950C"/>
+                </a:solidFill>
+                <a:effectLst/>
+                <a:latin typeface="ui-monospace"/>
+              </a:rPr>
+              <a:t>map</a:t>
+            </a:r>
+            <a:r>
+              <a:rPr lang="pt-BR" sz="3200" b="0" i="0" dirty="0">
+                <a:solidFill>
+                  <a:srgbClr val="FFFFFF"/>
+                </a:solidFill>
+                <a:effectLst/>
+                <a:latin typeface="ui-monospace"/>
+              </a:rPr>
+              <a:t>(função, sequência)</a:t>
+            </a:r>
+            <a:endParaRPr lang="pt-BR" sz="3200" dirty="0"/>
+          </a:p>
+        </p:txBody>
+      </p:sp>
+    </p:spTree>
+    <p:extLst>
+      <p:ext uri="{BB962C8B-B14F-4D97-AF65-F5344CB8AC3E}">
+        <p14:creationId xmlns:p14="http://schemas.microsoft.com/office/powerpoint/2010/main" val="1155396721"/>
+      </p:ext>
+    </p:extLst>
+  </p:cSld>
+  <p:clrMapOvr>
+    <a:overrideClrMapping bg1="dk1" tx1="lt1" bg2="dk2" tx2="lt2" accent1="accent1" accent2="accent2" accent3="accent3" accent4="accent4" accent5="accent5" accent6="accent6" hlink="hlink" folHlink="folHlink"/>
+  </p:clrMapOvr>
+</p:sld>
+</file>
+
+<file path=ppt/slides/slide13.xml><?xml version="1.0" encoding="utf-8"?>
+<p:sld xmlns:a="http://schemas.openxmlformats.org/drawingml/2006/main" xmlns:r="http://schemas.openxmlformats.org/officeDocument/2006/relationships" xmlns:p="http://schemas.openxmlformats.org/presentationml/2006/main" showMasterSp="0">
+  <p:cSld>
+    <p:bg>
+      <p:bgPr>
+        <a:solidFill>
+          <a:schemeClr val="bg2">
+            <a:lumMod val="10000"/>
+          </a:schemeClr>
+        </a:solidFill>
+        <a:effectLst/>
+      </p:bgPr>
+    </p:bg>
+    <p:spTree>
+      <p:nvGrpSpPr>
+        <p:cNvPr id="1" name=""/>
+        <p:cNvGrpSpPr/>
+        <p:nvPr/>
+      </p:nvGrpSpPr>
+      <p:grpSpPr>
+        <a:xfrm>
+          <a:off x="0" y="0"/>
+          <a:ext cx="0" cy="0"/>
+          <a:chOff x="0" y="0"/>
+          <a:chExt cx="0" cy="0"/>
+        </a:xfrm>
+      </p:grpSpPr>
+      <p:sp>
+        <p:nvSpPr>
+          <p:cNvPr id="2" name="Título 1">
+            <a:extLst>
+              <a:ext uri="{FF2B5EF4-FFF2-40B4-BE49-F238E27FC236}">
+                <a16:creationId xmlns:a16="http://schemas.microsoft.com/office/drawing/2014/main" id="{83C6E063-9BFE-06CE-C9BC-5EE9CCAE3D29}"/>
+              </a:ext>
+            </a:extLst>
+          </p:cNvPr>
+          <p:cNvSpPr>
+            <a:spLocks noGrp="1"/>
+          </p:cNvSpPr>
+          <p:nvPr>
+            <p:ph type="title"/>
+          </p:nvPr>
+        </p:nvSpPr>
+        <p:spPr/>
+        <p:txBody>
+          <a:bodyPr/>
+          <a:lstStyle/>
+          <a:p>
+            <a:r>
+              <a:rPr lang="pt-BR" dirty="0"/>
+              <a:t>Aula 22 	</a:t>
+            </a:r>
+          </a:p>
+        </p:txBody>
+      </p:sp>
+      <p:pic>
+        <p:nvPicPr>
+          <p:cNvPr id="1026" name="Picture 2">
+            <a:extLst>
+              <a:ext uri="{FF2B5EF4-FFF2-40B4-BE49-F238E27FC236}">
+                <a16:creationId xmlns:a16="http://schemas.microsoft.com/office/drawing/2014/main" id="{BFCC1361-CFA5-41DC-9639-9812D7C04FC8}"/>
+              </a:ext>
+            </a:extLst>
+          </p:cNvPr>
+          <p:cNvPicPr>
+            <a:picLocks noChangeAspect="1" noChangeArrowheads="1"/>
+          </p:cNvPicPr>
+          <p:nvPr/>
+        </p:nvPicPr>
+        <p:blipFill>
+          <a:blip r:embed="rId2">
+            <a:extLst>
+              <a:ext uri="{28A0092B-C50C-407E-A947-70E740481C1C}">
+                <a14:useLocalDpi xmlns:a14="http://schemas.microsoft.com/office/drawing/2010/main" val="0"/>
+              </a:ext>
+            </a:extLst>
+          </a:blip>
+          <a:srcRect/>
+          <a:stretch>
+            <a:fillRect/>
+          </a:stretch>
+        </p:blipFill>
+        <p:spPr bwMode="auto">
+          <a:xfrm>
+            <a:off x="102198" y="20849"/>
+            <a:ext cx="659802" cy="723071"/>
+          </a:xfrm>
+          <a:prstGeom prst="rect">
+            <a:avLst/>
+          </a:prstGeom>
+          <a:noFill/>
+          <a:extLst>
+            <a:ext uri="{909E8E84-426E-40DD-AFC4-6F175D3DCCD1}">
+              <a14:hiddenFill xmlns:a14="http://schemas.microsoft.com/office/drawing/2010/main">
+                <a:solidFill>
+                  <a:srgbClr val="FFFFFF"/>
+                </a:solidFill>
+              </a14:hiddenFill>
+            </a:ext>
+          </a:extLst>
+        </p:spPr>
+      </p:pic>
+      <p:sp>
+        <p:nvSpPr>
+          <p:cNvPr id="4" name="CaixaDeTexto 3">
+            <a:extLst>
+              <a:ext uri="{FF2B5EF4-FFF2-40B4-BE49-F238E27FC236}">
+                <a16:creationId xmlns:a16="http://schemas.microsoft.com/office/drawing/2014/main" id="{ABE269A5-072E-518E-D212-B6AA301479F2}"/>
+              </a:ext>
+            </a:extLst>
+          </p:cNvPr>
+          <p:cNvSpPr txBox="1"/>
+          <p:nvPr/>
+        </p:nvSpPr>
+        <p:spPr>
+          <a:xfrm>
+            <a:off x="432099" y="1128451"/>
+            <a:ext cx="11523306" cy="5663089"/>
+          </a:xfrm>
+          <a:prstGeom prst="rect">
+            <a:avLst/>
+          </a:prstGeom>
+          <a:noFill/>
+        </p:spPr>
+        <p:txBody>
+          <a:bodyPr wrap="square">
+            <a:spAutoFit/>
+          </a:bodyPr>
+          <a:lstStyle/>
+          <a:p>
+            <a:r>
+              <a:rPr lang="pt-BR" sz="1600" b="0" dirty="0">
+                <a:solidFill>
+                  <a:srgbClr val="606890"/>
+                </a:solidFill>
+                <a:effectLst/>
+                <a:highlight>
+                  <a:srgbClr val="1B1D28"/>
+                </a:highlight>
+                <a:latin typeface="Consolas" panose="020B0609020204030204" pitchFamily="49" charset="0"/>
+              </a:rPr>
+              <a:t># </a:t>
+            </a:r>
+            <a:r>
+              <a:rPr lang="pt-BR" sz="1600" b="0" dirty="0" err="1">
+                <a:solidFill>
+                  <a:srgbClr val="606890"/>
+                </a:solidFill>
+                <a:effectLst/>
+                <a:highlight>
+                  <a:srgbClr val="1B1D28"/>
+                </a:highlight>
+                <a:latin typeface="Consolas" panose="020B0609020204030204" pitchFamily="49" charset="0"/>
+              </a:rPr>
+              <a:t>isinstace</a:t>
+            </a:r>
+            <a:r>
+              <a:rPr lang="pt-BR" sz="1600" b="0" dirty="0">
+                <a:solidFill>
+                  <a:srgbClr val="606890"/>
+                </a:solidFill>
+                <a:effectLst/>
+                <a:highlight>
+                  <a:srgbClr val="1B1D28"/>
+                </a:highlight>
+                <a:latin typeface="Consolas" panose="020B0609020204030204" pitchFamily="49" charset="0"/>
+              </a:rPr>
+              <a:t> - para saber se objeto é de determinado tipo</a:t>
+            </a:r>
+            <a:endParaRPr lang="pt-BR" sz="1600" b="0" dirty="0">
+              <a:solidFill>
+                <a:srgbClr val="D1D4E0"/>
+              </a:solidFill>
+              <a:effectLst/>
+              <a:highlight>
+                <a:srgbClr val="1B1D28"/>
+              </a:highlight>
+              <a:latin typeface="Consolas" panose="020B0609020204030204" pitchFamily="49" charset="0"/>
+            </a:endParaRPr>
+          </a:p>
+          <a:p>
+            <a:r>
+              <a:rPr lang="pt-BR" sz="1600" b="0" dirty="0">
+                <a:solidFill>
+                  <a:srgbClr val="D1D4E0"/>
+                </a:solidFill>
+                <a:effectLst/>
+                <a:highlight>
+                  <a:srgbClr val="1B1D28"/>
+                </a:highlight>
+                <a:latin typeface="Consolas" panose="020B0609020204030204" pitchFamily="49" charset="0"/>
+              </a:rPr>
+              <a:t>lista </a:t>
+            </a:r>
+            <a:r>
+              <a:rPr lang="pt-BR" sz="1600" b="0" dirty="0">
+                <a:solidFill>
+                  <a:srgbClr val="F269B9"/>
+                </a:solidFill>
+                <a:effectLst/>
+                <a:highlight>
+                  <a:srgbClr val="1B1D28"/>
+                </a:highlight>
+                <a:latin typeface="Consolas" panose="020B0609020204030204" pitchFamily="49" charset="0"/>
+              </a:rPr>
+              <a:t>=</a:t>
+            </a:r>
+            <a:r>
+              <a:rPr lang="pt-BR" sz="1600" b="0" dirty="0">
+                <a:solidFill>
+                  <a:srgbClr val="D1D4E0"/>
+                </a:solidFill>
+                <a:effectLst/>
+                <a:highlight>
+                  <a:srgbClr val="1B1D28"/>
+                </a:highlight>
+                <a:latin typeface="Consolas" panose="020B0609020204030204" pitchFamily="49" charset="0"/>
+              </a:rPr>
+              <a:t> [</a:t>
+            </a:r>
+          </a:p>
+          <a:p>
+            <a:r>
+              <a:rPr lang="pt-BR" sz="1600" b="0" dirty="0">
+                <a:solidFill>
+                  <a:srgbClr val="D1D4E0"/>
+                </a:solidFill>
+                <a:effectLst/>
+                <a:highlight>
+                  <a:srgbClr val="1B1D28"/>
+                </a:highlight>
+                <a:latin typeface="Consolas" panose="020B0609020204030204" pitchFamily="49" charset="0"/>
+              </a:rPr>
+              <a:t>    </a:t>
+            </a:r>
+            <a:r>
+              <a:rPr lang="pt-BR" sz="1600" b="0" dirty="0">
+                <a:solidFill>
+                  <a:srgbClr val="E0E97C"/>
+                </a:solidFill>
+                <a:effectLst/>
+                <a:highlight>
+                  <a:srgbClr val="1B1D28"/>
+                </a:highlight>
+                <a:latin typeface="Consolas" panose="020B0609020204030204" pitchFamily="49" charset="0"/>
+              </a:rPr>
+              <a:t>'a'</a:t>
+            </a:r>
+            <a:r>
+              <a:rPr lang="pt-BR" sz="1600" b="0" dirty="0">
+                <a:solidFill>
+                  <a:srgbClr val="D1D4E0"/>
+                </a:solidFill>
+                <a:effectLst/>
+                <a:highlight>
+                  <a:srgbClr val="1B1D28"/>
+                </a:highlight>
+                <a:latin typeface="Consolas" panose="020B0609020204030204" pitchFamily="49" charset="0"/>
+              </a:rPr>
+              <a:t>, </a:t>
+            </a:r>
+            <a:r>
+              <a:rPr lang="pt-BR" sz="1600" b="0" dirty="0">
+                <a:solidFill>
+                  <a:srgbClr val="AF86EB"/>
+                </a:solidFill>
+                <a:effectLst/>
+                <a:highlight>
+                  <a:srgbClr val="1B1D28"/>
+                </a:highlight>
+                <a:latin typeface="Consolas" panose="020B0609020204030204" pitchFamily="49" charset="0"/>
+              </a:rPr>
+              <a:t>1</a:t>
+            </a:r>
+            <a:r>
+              <a:rPr lang="pt-BR" sz="1600" b="0" dirty="0">
+                <a:solidFill>
+                  <a:srgbClr val="D1D4E0"/>
+                </a:solidFill>
+                <a:effectLst/>
+                <a:highlight>
+                  <a:srgbClr val="1B1D28"/>
+                </a:highlight>
+                <a:latin typeface="Consolas" panose="020B0609020204030204" pitchFamily="49" charset="0"/>
+              </a:rPr>
+              <a:t>, </a:t>
+            </a:r>
+            <a:r>
+              <a:rPr lang="pt-BR" sz="1600" b="0" dirty="0">
+                <a:solidFill>
+                  <a:srgbClr val="AF86EB"/>
+                </a:solidFill>
+                <a:effectLst/>
+                <a:highlight>
+                  <a:srgbClr val="1B1D28"/>
+                </a:highlight>
+                <a:latin typeface="Consolas" panose="020B0609020204030204" pitchFamily="49" charset="0"/>
+              </a:rPr>
+              <a:t>1.1</a:t>
+            </a:r>
+            <a:r>
+              <a:rPr lang="pt-BR" sz="1600" b="0" dirty="0">
+                <a:solidFill>
+                  <a:srgbClr val="D1D4E0"/>
+                </a:solidFill>
+                <a:effectLst/>
+                <a:highlight>
+                  <a:srgbClr val="1B1D28"/>
+                </a:highlight>
+                <a:latin typeface="Consolas" panose="020B0609020204030204" pitchFamily="49" charset="0"/>
+              </a:rPr>
+              <a:t>, </a:t>
+            </a:r>
+            <a:r>
+              <a:rPr lang="pt-BR" sz="1600" b="0" dirty="0" err="1">
+                <a:solidFill>
+                  <a:srgbClr val="AF86EB"/>
+                </a:solidFill>
+                <a:effectLst/>
+                <a:highlight>
+                  <a:srgbClr val="1B1D28"/>
+                </a:highlight>
+                <a:latin typeface="Consolas" panose="020B0609020204030204" pitchFamily="49" charset="0"/>
+              </a:rPr>
+              <a:t>True</a:t>
+            </a:r>
+            <a:r>
+              <a:rPr lang="pt-BR" sz="1600" b="0" dirty="0">
+                <a:solidFill>
+                  <a:srgbClr val="D1D4E0"/>
+                </a:solidFill>
+                <a:effectLst/>
+                <a:highlight>
+                  <a:srgbClr val="1B1D28"/>
+                </a:highlight>
+                <a:latin typeface="Consolas" panose="020B0609020204030204" pitchFamily="49" charset="0"/>
+              </a:rPr>
+              <a:t>, [</a:t>
+            </a:r>
+            <a:r>
+              <a:rPr lang="pt-BR" sz="1600" b="0" dirty="0">
+                <a:solidFill>
+                  <a:srgbClr val="AF86EB"/>
+                </a:solidFill>
+                <a:effectLst/>
+                <a:highlight>
+                  <a:srgbClr val="1B1D28"/>
+                </a:highlight>
+                <a:latin typeface="Consolas" panose="020B0609020204030204" pitchFamily="49" charset="0"/>
+              </a:rPr>
+              <a:t>0</a:t>
+            </a:r>
+            <a:r>
+              <a:rPr lang="pt-BR" sz="1600" b="0" dirty="0">
+                <a:solidFill>
+                  <a:srgbClr val="D1D4E0"/>
+                </a:solidFill>
+                <a:effectLst/>
+                <a:highlight>
+                  <a:srgbClr val="1B1D28"/>
+                </a:highlight>
+                <a:latin typeface="Consolas" panose="020B0609020204030204" pitchFamily="49" charset="0"/>
+              </a:rPr>
+              <a:t>, </a:t>
+            </a:r>
+            <a:r>
+              <a:rPr lang="pt-BR" sz="1600" b="0" dirty="0">
+                <a:solidFill>
+                  <a:srgbClr val="AF86EB"/>
+                </a:solidFill>
+                <a:effectLst/>
+                <a:highlight>
+                  <a:srgbClr val="1B1D28"/>
+                </a:highlight>
+                <a:latin typeface="Consolas" panose="020B0609020204030204" pitchFamily="49" charset="0"/>
+              </a:rPr>
+              <a:t>1</a:t>
+            </a:r>
+            <a:r>
+              <a:rPr lang="pt-BR" sz="1600" b="0" dirty="0">
+                <a:solidFill>
+                  <a:srgbClr val="D1D4E0"/>
+                </a:solidFill>
+                <a:effectLst/>
+                <a:highlight>
+                  <a:srgbClr val="1B1D28"/>
+                </a:highlight>
+                <a:latin typeface="Consolas" panose="020B0609020204030204" pitchFamily="49" charset="0"/>
+              </a:rPr>
+              <a:t>, </a:t>
+            </a:r>
+            <a:r>
+              <a:rPr lang="pt-BR" sz="1600" b="0" dirty="0">
+                <a:solidFill>
+                  <a:srgbClr val="AF86EB"/>
+                </a:solidFill>
+                <a:effectLst/>
+                <a:highlight>
+                  <a:srgbClr val="1B1D28"/>
+                </a:highlight>
+                <a:latin typeface="Consolas" panose="020B0609020204030204" pitchFamily="49" charset="0"/>
+              </a:rPr>
+              <a:t>2</a:t>
+            </a:r>
+            <a:r>
+              <a:rPr lang="pt-BR" sz="1600" b="0" dirty="0">
+                <a:solidFill>
+                  <a:srgbClr val="D1D4E0"/>
+                </a:solidFill>
+                <a:effectLst/>
+                <a:highlight>
+                  <a:srgbClr val="1B1D28"/>
+                </a:highlight>
+                <a:latin typeface="Consolas" panose="020B0609020204030204" pitchFamily="49" charset="0"/>
+              </a:rPr>
+              <a:t>], (</a:t>
+            </a:r>
+            <a:r>
+              <a:rPr lang="pt-BR" sz="1600" b="0" dirty="0">
+                <a:solidFill>
+                  <a:srgbClr val="AF86EB"/>
+                </a:solidFill>
+                <a:effectLst/>
+                <a:highlight>
+                  <a:srgbClr val="1B1D28"/>
+                </a:highlight>
+                <a:latin typeface="Consolas" panose="020B0609020204030204" pitchFamily="49" charset="0"/>
+              </a:rPr>
+              <a:t>1</a:t>
+            </a:r>
+            <a:r>
+              <a:rPr lang="pt-BR" sz="1600" b="0" dirty="0">
+                <a:solidFill>
+                  <a:srgbClr val="D1D4E0"/>
+                </a:solidFill>
+                <a:effectLst/>
+                <a:highlight>
+                  <a:srgbClr val="1B1D28"/>
+                </a:highlight>
+                <a:latin typeface="Consolas" panose="020B0609020204030204" pitchFamily="49" charset="0"/>
+              </a:rPr>
+              <a:t>, </a:t>
+            </a:r>
+            <a:r>
+              <a:rPr lang="pt-BR" sz="1600" b="0" dirty="0">
+                <a:solidFill>
+                  <a:srgbClr val="AF86EB"/>
+                </a:solidFill>
+                <a:effectLst/>
+                <a:highlight>
+                  <a:srgbClr val="1B1D28"/>
+                </a:highlight>
+                <a:latin typeface="Consolas" panose="020B0609020204030204" pitchFamily="49" charset="0"/>
+              </a:rPr>
+              <a:t>2</a:t>
+            </a:r>
+            <a:r>
+              <a:rPr lang="pt-BR" sz="1600" b="0" dirty="0">
+                <a:solidFill>
+                  <a:srgbClr val="D1D4E0"/>
+                </a:solidFill>
+                <a:effectLst/>
+                <a:highlight>
+                  <a:srgbClr val="1B1D28"/>
+                </a:highlight>
+                <a:latin typeface="Consolas" panose="020B0609020204030204" pitchFamily="49" charset="0"/>
+              </a:rPr>
+              <a:t>),</a:t>
+            </a:r>
+          </a:p>
+          <a:p>
+            <a:r>
+              <a:rPr lang="pt-BR" sz="1600" b="0" dirty="0">
+                <a:solidFill>
+                  <a:srgbClr val="D1D4E0"/>
+                </a:solidFill>
+                <a:effectLst/>
+                <a:highlight>
+                  <a:srgbClr val="1B1D28"/>
+                </a:highlight>
+                <a:latin typeface="Consolas" panose="020B0609020204030204" pitchFamily="49" charset="0"/>
+              </a:rPr>
+              <a:t>    {</a:t>
+            </a:r>
+            <a:r>
+              <a:rPr lang="pt-BR" sz="1600" b="0" dirty="0">
+                <a:solidFill>
+                  <a:srgbClr val="AF86EB"/>
+                </a:solidFill>
+                <a:effectLst/>
+                <a:highlight>
+                  <a:srgbClr val="1B1D28"/>
+                </a:highlight>
+                <a:latin typeface="Consolas" panose="020B0609020204030204" pitchFamily="49" charset="0"/>
+              </a:rPr>
+              <a:t>0</a:t>
+            </a:r>
+            <a:r>
+              <a:rPr lang="pt-BR" sz="1600" b="0" dirty="0">
+                <a:solidFill>
+                  <a:srgbClr val="D1D4E0"/>
+                </a:solidFill>
+                <a:effectLst/>
+                <a:highlight>
+                  <a:srgbClr val="1B1D28"/>
+                </a:highlight>
+                <a:latin typeface="Consolas" panose="020B0609020204030204" pitchFamily="49" charset="0"/>
+              </a:rPr>
+              <a:t>, </a:t>
+            </a:r>
+            <a:r>
+              <a:rPr lang="pt-BR" sz="1600" b="0" dirty="0">
+                <a:solidFill>
+                  <a:srgbClr val="AF86EB"/>
+                </a:solidFill>
+                <a:effectLst/>
+                <a:highlight>
+                  <a:srgbClr val="1B1D28"/>
+                </a:highlight>
+                <a:latin typeface="Consolas" panose="020B0609020204030204" pitchFamily="49" charset="0"/>
+              </a:rPr>
+              <a:t>1</a:t>
+            </a:r>
+            <a:r>
+              <a:rPr lang="pt-BR" sz="1600" b="0" dirty="0">
+                <a:solidFill>
+                  <a:srgbClr val="D1D4E0"/>
+                </a:solidFill>
+                <a:effectLst/>
+                <a:highlight>
+                  <a:srgbClr val="1B1D28"/>
+                </a:highlight>
+                <a:latin typeface="Consolas" panose="020B0609020204030204" pitchFamily="49" charset="0"/>
+              </a:rPr>
+              <a:t>}, {</a:t>
+            </a:r>
+            <a:r>
+              <a:rPr lang="pt-BR" sz="1600" b="0" dirty="0">
+                <a:solidFill>
+                  <a:srgbClr val="E0E97C"/>
+                </a:solidFill>
+                <a:effectLst/>
+                <a:highlight>
+                  <a:srgbClr val="1B1D28"/>
+                </a:highlight>
+                <a:latin typeface="Consolas" panose="020B0609020204030204" pitchFamily="49" charset="0"/>
+              </a:rPr>
+              <a:t>'nome'</a:t>
+            </a:r>
+            <a:r>
+              <a:rPr lang="pt-BR" sz="1600" b="0" dirty="0">
+                <a:solidFill>
+                  <a:srgbClr val="D1D4E0"/>
+                </a:solidFill>
+                <a:effectLst/>
+                <a:highlight>
+                  <a:srgbClr val="1B1D28"/>
+                </a:highlight>
+                <a:latin typeface="Consolas" panose="020B0609020204030204" pitchFamily="49" charset="0"/>
+              </a:rPr>
+              <a:t>: </a:t>
+            </a:r>
+            <a:r>
+              <a:rPr lang="pt-BR" sz="1600" b="0" dirty="0">
+                <a:solidFill>
+                  <a:srgbClr val="E0E97C"/>
+                </a:solidFill>
+                <a:effectLst/>
+                <a:highlight>
+                  <a:srgbClr val="1B1D28"/>
+                </a:highlight>
+                <a:latin typeface="Consolas" panose="020B0609020204030204" pitchFamily="49" charset="0"/>
+              </a:rPr>
+              <a:t>'Luiz'</a:t>
+            </a:r>
+            <a:r>
+              <a:rPr lang="pt-BR" sz="1600" b="0" dirty="0">
+                <a:solidFill>
+                  <a:srgbClr val="D1D4E0"/>
+                </a:solidFill>
+                <a:effectLst/>
+                <a:highlight>
+                  <a:srgbClr val="1B1D28"/>
+                </a:highlight>
+                <a:latin typeface="Consolas" panose="020B0609020204030204" pitchFamily="49" charset="0"/>
+              </a:rPr>
+              <a:t>},</a:t>
+            </a:r>
+          </a:p>
+          <a:p>
+            <a:r>
+              <a:rPr lang="pt-BR" sz="1600" b="0" dirty="0">
+                <a:solidFill>
+                  <a:srgbClr val="D1D4E0"/>
+                </a:solidFill>
+                <a:effectLst/>
+                <a:highlight>
+                  <a:srgbClr val="1B1D28"/>
+                </a:highlight>
+                <a:latin typeface="Consolas" panose="020B0609020204030204" pitchFamily="49" charset="0"/>
+              </a:rPr>
+              <a:t>]</a:t>
+            </a:r>
+          </a:p>
+          <a:p>
+            <a:br>
+              <a:rPr lang="pt-BR" sz="1600" b="0" dirty="0">
+                <a:solidFill>
+                  <a:srgbClr val="D1D4E0"/>
+                </a:solidFill>
+                <a:effectLst/>
+                <a:highlight>
+                  <a:srgbClr val="1B1D28"/>
+                </a:highlight>
+                <a:latin typeface="Consolas" panose="020B0609020204030204" pitchFamily="49" charset="0"/>
+              </a:rPr>
+            </a:br>
+            <a:r>
+              <a:rPr lang="pt-BR" sz="1600" b="0" dirty="0">
+                <a:solidFill>
+                  <a:srgbClr val="F269B9"/>
+                </a:solidFill>
+                <a:effectLst/>
+                <a:highlight>
+                  <a:srgbClr val="1B1D28"/>
+                </a:highlight>
+                <a:latin typeface="Consolas" panose="020B0609020204030204" pitchFamily="49" charset="0"/>
+              </a:rPr>
+              <a:t>for</a:t>
+            </a:r>
+            <a:r>
+              <a:rPr lang="pt-BR" sz="1600" b="0" dirty="0">
+                <a:solidFill>
+                  <a:srgbClr val="D1D4E0"/>
+                </a:solidFill>
+                <a:effectLst/>
+                <a:highlight>
+                  <a:srgbClr val="1B1D28"/>
+                </a:highlight>
+                <a:latin typeface="Consolas" panose="020B0609020204030204" pitchFamily="49" charset="0"/>
+              </a:rPr>
+              <a:t> item </a:t>
+            </a:r>
+            <a:r>
+              <a:rPr lang="pt-BR" sz="1600" b="0" dirty="0">
+                <a:solidFill>
+                  <a:srgbClr val="F269B9"/>
+                </a:solidFill>
+                <a:effectLst/>
+                <a:highlight>
+                  <a:srgbClr val="1B1D28"/>
+                </a:highlight>
+                <a:latin typeface="Consolas" panose="020B0609020204030204" pitchFamily="49" charset="0"/>
+              </a:rPr>
+              <a:t>in</a:t>
+            </a:r>
+            <a:r>
+              <a:rPr lang="pt-BR" sz="1600" b="0" dirty="0">
+                <a:solidFill>
+                  <a:srgbClr val="D1D4E0"/>
+                </a:solidFill>
+                <a:effectLst/>
+                <a:highlight>
+                  <a:srgbClr val="1B1D28"/>
+                </a:highlight>
+                <a:latin typeface="Consolas" panose="020B0609020204030204" pitchFamily="49" charset="0"/>
+              </a:rPr>
+              <a:t> lista:</a:t>
+            </a:r>
+          </a:p>
+          <a:p>
+            <a:r>
+              <a:rPr lang="pt-BR" sz="1600" b="0" dirty="0">
+                <a:solidFill>
+                  <a:srgbClr val="D1D4E0"/>
+                </a:solidFill>
+                <a:effectLst/>
+                <a:highlight>
+                  <a:srgbClr val="1B1D28"/>
+                </a:highlight>
+                <a:latin typeface="Consolas" panose="020B0609020204030204" pitchFamily="49" charset="0"/>
+              </a:rPr>
+              <a:t>    </a:t>
+            </a:r>
+            <a:r>
+              <a:rPr lang="pt-BR" sz="1600" b="0" dirty="0" err="1">
+                <a:solidFill>
+                  <a:srgbClr val="F269B9"/>
+                </a:solidFill>
+                <a:effectLst/>
+                <a:highlight>
+                  <a:srgbClr val="1B1D28"/>
+                </a:highlight>
+                <a:latin typeface="Consolas" panose="020B0609020204030204" pitchFamily="49" charset="0"/>
+              </a:rPr>
+              <a:t>if</a:t>
+            </a:r>
+            <a:r>
+              <a:rPr lang="pt-BR" sz="1600" b="0" dirty="0">
+                <a:solidFill>
+                  <a:srgbClr val="D1D4E0"/>
+                </a:solidFill>
+                <a:effectLst/>
+                <a:highlight>
+                  <a:srgbClr val="1B1D28"/>
+                </a:highlight>
+                <a:latin typeface="Consolas" panose="020B0609020204030204" pitchFamily="49" charset="0"/>
+              </a:rPr>
+              <a:t> </a:t>
+            </a:r>
+            <a:r>
+              <a:rPr lang="pt-BR" sz="1600" b="0" dirty="0" err="1">
+                <a:solidFill>
+                  <a:srgbClr val="2DE266"/>
+                </a:solidFill>
+                <a:effectLst/>
+                <a:highlight>
+                  <a:srgbClr val="1B1D28"/>
+                </a:highlight>
+                <a:latin typeface="Consolas" panose="020B0609020204030204" pitchFamily="49" charset="0"/>
+              </a:rPr>
+              <a:t>isinstance</a:t>
+            </a:r>
+            <a:r>
+              <a:rPr lang="pt-BR" sz="1600" b="0" dirty="0">
+                <a:solidFill>
+                  <a:srgbClr val="D1D4E0"/>
+                </a:solidFill>
+                <a:effectLst/>
+                <a:highlight>
+                  <a:srgbClr val="1B1D28"/>
+                </a:highlight>
+                <a:latin typeface="Consolas" panose="020B0609020204030204" pitchFamily="49" charset="0"/>
+              </a:rPr>
+              <a:t>(item, </a:t>
+            </a:r>
+            <a:r>
+              <a:rPr lang="pt-BR" sz="1600" b="0" dirty="0">
+                <a:solidFill>
+                  <a:srgbClr val="7AD8EC"/>
+                </a:solidFill>
+                <a:effectLst/>
+                <a:highlight>
+                  <a:srgbClr val="1B1D28"/>
+                </a:highlight>
+                <a:latin typeface="Consolas" panose="020B0609020204030204" pitchFamily="49" charset="0"/>
+              </a:rPr>
+              <a:t>set</a:t>
+            </a:r>
+            <a:r>
+              <a:rPr lang="pt-BR" sz="1600" b="0" dirty="0">
+                <a:solidFill>
+                  <a:srgbClr val="D1D4E0"/>
+                </a:solidFill>
+                <a:effectLst/>
+                <a:highlight>
+                  <a:srgbClr val="1B1D28"/>
+                </a:highlight>
+                <a:latin typeface="Consolas" panose="020B0609020204030204" pitchFamily="49" charset="0"/>
+              </a:rPr>
+              <a:t>):</a:t>
+            </a:r>
+          </a:p>
+          <a:p>
+            <a:r>
+              <a:rPr lang="pt-BR" sz="1600" b="0" dirty="0">
+                <a:solidFill>
+                  <a:srgbClr val="D1D4E0"/>
+                </a:solidFill>
+                <a:effectLst/>
+                <a:highlight>
+                  <a:srgbClr val="1B1D28"/>
+                </a:highlight>
+                <a:latin typeface="Consolas" panose="020B0609020204030204" pitchFamily="49" charset="0"/>
+              </a:rPr>
+              <a:t>        </a:t>
+            </a:r>
+            <a:r>
+              <a:rPr lang="pt-BR" sz="1600" b="0" dirty="0">
+                <a:solidFill>
+                  <a:srgbClr val="2DE266"/>
+                </a:solidFill>
+                <a:effectLst/>
+                <a:highlight>
+                  <a:srgbClr val="1B1D28"/>
+                </a:highlight>
+                <a:latin typeface="Consolas" panose="020B0609020204030204" pitchFamily="49" charset="0"/>
+              </a:rPr>
+              <a:t>print</a:t>
+            </a:r>
+            <a:r>
+              <a:rPr lang="pt-BR" sz="1600" b="0" dirty="0">
+                <a:solidFill>
+                  <a:srgbClr val="D1D4E0"/>
+                </a:solidFill>
+                <a:effectLst/>
+                <a:highlight>
+                  <a:srgbClr val="1B1D28"/>
+                </a:highlight>
+                <a:latin typeface="Consolas" panose="020B0609020204030204" pitchFamily="49" charset="0"/>
+              </a:rPr>
+              <a:t>(</a:t>
+            </a:r>
+            <a:r>
+              <a:rPr lang="pt-BR" sz="1600" b="0" dirty="0">
+                <a:solidFill>
+                  <a:srgbClr val="E0E97C"/>
+                </a:solidFill>
+                <a:effectLst/>
+                <a:highlight>
+                  <a:srgbClr val="1B1D28"/>
+                </a:highlight>
+                <a:latin typeface="Consolas" panose="020B0609020204030204" pitchFamily="49" charset="0"/>
+              </a:rPr>
+              <a:t>'SET'</a:t>
+            </a:r>
+            <a:r>
+              <a:rPr lang="pt-BR" sz="1600" b="0" dirty="0">
+                <a:solidFill>
+                  <a:srgbClr val="D1D4E0"/>
+                </a:solidFill>
+                <a:effectLst/>
+                <a:highlight>
+                  <a:srgbClr val="1B1D28"/>
+                </a:highlight>
+                <a:latin typeface="Consolas" panose="020B0609020204030204" pitchFamily="49" charset="0"/>
+              </a:rPr>
+              <a:t>)</a:t>
+            </a:r>
+          </a:p>
+          <a:p>
+            <a:r>
+              <a:rPr lang="pt-BR" sz="1600" b="0" dirty="0">
+                <a:solidFill>
+                  <a:srgbClr val="D1D4E0"/>
+                </a:solidFill>
+                <a:effectLst/>
+                <a:highlight>
+                  <a:srgbClr val="1B1D28"/>
+                </a:highlight>
+                <a:latin typeface="Consolas" panose="020B0609020204030204" pitchFamily="49" charset="0"/>
+              </a:rPr>
+              <a:t>        </a:t>
+            </a:r>
+            <a:r>
+              <a:rPr lang="pt-BR" sz="1600" b="0" dirty="0" err="1">
+                <a:solidFill>
+                  <a:srgbClr val="D1D4E0"/>
+                </a:solidFill>
+                <a:effectLst/>
+                <a:highlight>
+                  <a:srgbClr val="1B1D28"/>
+                </a:highlight>
+                <a:latin typeface="Consolas" panose="020B0609020204030204" pitchFamily="49" charset="0"/>
+              </a:rPr>
+              <a:t>item.</a:t>
+            </a:r>
+            <a:r>
+              <a:rPr lang="pt-BR" sz="1600" b="0" dirty="0" err="1">
+                <a:solidFill>
+                  <a:srgbClr val="2DE266"/>
+                </a:solidFill>
+                <a:effectLst/>
+                <a:highlight>
+                  <a:srgbClr val="1B1D28"/>
+                </a:highlight>
+                <a:latin typeface="Consolas" panose="020B0609020204030204" pitchFamily="49" charset="0"/>
+              </a:rPr>
+              <a:t>add</a:t>
+            </a:r>
+            <a:r>
+              <a:rPr lang="pt-BR" sz="1600" b="0" dirty="0">
+                <a:solidFill>
+                  <a:srgbClr val="D1D4E0"/>
+                </a:solidFill>
+                <a:effectLst/>
+                <a:highlight>
+                  <a:srgbClr val="1B1D28"/>
+                </a:highlight>
+                <a:latin typeface="Consolas" panose="020B0609020204030204" pitchFamily="49" charset="0"/>
+              </a:rPr>
+              <a:t>(</a:t>
+            </a:r>
+            <a:r>
+              <a:rPr lang="pt-BR" sz="1600" b="0" dirty="0">
+                <a:solidFill>
+                  <a:srgbClr val="AF86EB"/>
+                </a:solidFill>
+                <a:effectLst/>
+                <a:highlight>
+                  <a:srgbClr val="1B1D28"/>
+                </a:highlight>
+                <a:latin typeface="Consolas" panose="020B0609020204030204" pitchFamily="49" charset="0"/>
+              </a:rPr>
+              <a:t>5</a:t>
+            </a:r>
+            <a:r>
+              <a:rPr lang="pt-BR" sz="1600" b="0" dirty="0">
+                <a:solidFill>
+                  <a:srgbClr val="D1D4E0"/>
+                </a:solidFill>
+                <a:effectLst/>
+                <a:highlight>
+                  <a:srgbClr val="1B1D28"/>
+                </a:highlight>
+                <a:latin typeface="Consolas" panose="020B0609020204030204" pitchFamily="49" charset="0"/>
+              </a:rPr>
+              <a:t>)</a:t>
+            </a:r>
+          </a:p>
+          <a:p>
+            <a:r>
+              <a:rPr lang="pt-BR" sz="1600" b="0" dirty="0">
+                <a:solidFill>
+                  <a:srgbClr val="D1D4E0"/>
+                </a:solidFill>
+                <a:effectLst/>
+                <a:highlight>
+                  <a:srgbClr val="1B1D28"/>
+                </a:highlight>
+                <a:latin typeface="Consolas" panose="020B0609020204030204" pitchFamily="49" charset="0"/>
+              </a:rPr>
+              <a:t>        </a:t>
+            </a:r>
+            <a:r>
+              <a:rPr lang="pt-BR" sz="1600" b="0" dirty="0">
+                <a:solidFill>
+                  <a:srgbClr val="2DE266"/>
+                </a:solidFill>
+                <a:effectLst/>
+                <a:highlight>
+                  <a:srgbClr val="1B1D28"/>
+                </a:highlight>
+                <a:latin typeface="Consolas" panose="020B0609020204030204" pitchFamily="49" charset="0"/>
+              </a:rPr>
+              <a:t>print</a:t>
+            </a:r>
+            <a:r>
+              <a:rPr lang="pt-BR" sz="1600" b="0" dirty="0">
+                <a:solidFill>
+                  <a:srgbClr val="D1D4E0"/>
+                </a:solidFill>
+                <a:effectLst/>
+                <a:highlight>
+                  <a:srgbClr val="1B1D28"/>
+                </a:highlight>
+                <a:latin typeface="Consolas" panose="020B0609020204030204" pitchFamily="49" charset="0"/>
+              </a:rPr>
+              <a:t>(item, </a:t>
+            </a:r>
+            <a:r>
+              <a:rPr lang="pt-BR" sz="1600" b="0" dirty="0" err="1">
+                <a:solidFill>
+                  <a:srgbClr val="2DE266"/>
+                </a:solidFill>
+                <a:effectLst/>
+                <a:highlight>
+                  <a:srgbClr val="1B1D28"/>
+                </a:highlight>
+                <a:latin typeface="Consolas" panose="020B0609020204030204" pitchFamily="49" charset="0"/>
+              </a:rPr>
+              <a:t>isinstance</a:t>
+            </a:r>
+            <a:r>
+              <a:rPr lang="pt-BR" sz="1600" b="0" dirty="0">
+                <a:solidFill>
+                  <a:srgbClr val="D1D4E0"/>
+                </a:solidFill>
+                <a:effectLst/>
+                <a:highlight>
+                  <a:srgbClr val="1B1D28"/>
+                </a:highlight>
+                <a:latin typeface="Consolas" panose="020B0609020204030204" pitchFamily="49" charset="0"/>
+              </a:rPr>
+              <a:t>(item, </a:t>
+            </a:r>
+            <a:r>
+              <a:rPr lang="pt-BR" sz="1600" b="0" dirty="0">
+                <a:solidFill>
+                  <a:srgbClr val="7AD8EC"/>
+                </a:solidFill>
+                <a:effectLst/>
+                <a:highlight>
+                  <a:srgbClr val="1B1D28"/>
+                </a:highlight>
+                <a:latin typeface="Consolas" panose="020B0609020204030204" pitchFamily="49" charset="0"/>
+              </a:rPr>
+              <a:t>set</a:t>
+            </a:r>
+            <a:r>
+              <a:rPr lang="pt-BR" sz="1600" b="0" dirty="0">
+                <a:solidFill>
+                  <a:srgbClr val="D1D4E0"/>
+                </a:solidFill>
+                <a:effectLst/>
+                <a:highlight>
+                  <a:srgbClr val="1B1D28"/>
+                </a:highlight>
+                <a:latin typeface="Consolas" panose="020B0609020204030204" pitchFamily="49" charset="0"/>
+              </a:rPr>
+              <a:t>))</a:t>
+            </a:r>
+          </a:p>
+          <a:p>
+            <a:br>
+              <a:rPr lang="pt-BR" sz="1600" b="0" dirty="0">
+                <a:solidFill>
+                  <a:srgbClr val="D1D4E0"/>
+                </a:solidFill>
+                <a:effectLst/>
+                <a:highlight>
+                  <a:srgbClr val="1B1D28"/>
+                </a:highlight>
+                <a:latin typeface="Consolas" panose="020B0609020204030204" pitchFamily="49" charset="0"/>
+              </a:rPr>
+            </a:br>
+            <a:r>
+              <a:rPr lang="pt-BR" sz="1600" b="0" dirty="0">
+                <a:solidFill>
+                  <a:srgbClr val="D1D4E0"/>
+                </a:solidFill>
+                <a:effectLst/>
+                <a:highlight>
+                  <a:srgbClr val="1B1D28"/>
+                </a:highlight>
+                <a:latin typeface="Consolas" panose="020B0609020204030204" pitchFamily="49" charset="0"/>
+              </a:rPr>
+              <a:t>    </a:t>
+            </a:r>
+            <a:r>
+              <a:rPr lang="pt-BR" sz="1600" b="0" dirty="0" err="1">
+                <a:solidFill>
+                  <a:srgbClr val="F269B9"/>
+                </a:solidFill>
+                <a:effectLst/>
+                <a:highlight>
+                  <a:srgbClr val="1B1D28"/>
+                </a:highlight>
+                <a:latin typeface="Consolas" panose="020B0609020204030204" pitchFamily="49" charset="0"/>
+              </a:rPr>
+              <a:t>elif</a:t>
+            </a:r>
+            <a:r>
+              <a:rPr lang="pt-BR" sz="1600" b="0" dirty="0">
+                <a:solidFill>
+                  <a:srgbClr val="D1D4E0"/>
+                </a:solidFill>
+                <a:effectLst/>
+                <a:highlight>
+                  <a:srgbClr val="1B1D28"/>
+                </a:highlight>
+                <a:latin typeface="Consolas" panose="020B0609020204030204" pitchFamily="49" charset="0"/>
+              </a:rPr>
+              <a:t> </a:t>
+            </a:r>
+            <a:r>
+              <a:rPr lang="pt-BR" sz="1600" b="0" dirty="0" err="1">
+                <a:solidFill>
+                  <a:srgbClr val="2DE266"/>
+                </a:solidFill>
+                <a:effectLst/>
+                <a:highlight>
+                  <a:srgbClr val="1B1D28"/>
+                </a:highlight>
+                <a:latin typeface="Consolas" panose="020B0609020204030204" pitchFamily="49" charset="0"/>
+              </a:rPr>
+              <a:t>isinstance</a:t>
+            </a:r>
+            <a:r>
+              <a:rPr lang="pt-BR" sz="1600" b="0" dirty="0">
+                <a:solidFill>
+                  <a:srgbClr val="D1D4E0"/>
+                </a:solidFill>
+                <a:effectLst/>
+                <a:highlight>
+                  <a:srgbClr val="1B1D28"/>
+                </a:highlight>
+                <a:latin typeface="Consolas" panose="020B0609020204030204" pitchFamily="49" charset="0"/>
+              </a:rPr>
+              <a:t>(item, </a:t>
+            </a:r>
+            <a:r>
+              <a:rPr lang="pt-BR" sz="1600" b="0" dirty="0" err="1">
+                <a:solidFill>
+                  <a:srgbClr val="7AD8EC"/>
+                </a:solidFill>
+                <a:effectLst/>
+                <a:highlight>
+                  <a:srgbClr val="1B1D28"/>
+                </a:highlight>
+                <a:latin typeface="Consolas" panose="020B0609020204030204" pitchFamily="49" charset="0"/>
+              </a:rPr>
+              <a:t>str</a:t>
+            </a:r>
+            <a:r>
+              <a:rPr lang="pt-BR" sz="1600" b="0" dirty="0">
+                <a:solidFill>
+                  <a:srgbClr val="D1D4E0"/>
+                </a:solidFill>
+                <a:effectLst/>
+                <a:highlight>
+                  <a:srgbClr val="1B1D28"/>
+                </a:highlight>
+                <a:latin typeface="Consolas" panose="020B0609020204030204" pitchFamily="49" charset="0"/>
+              </a:rPr>
+              <a:t>):</a:t>
+            </a:r>
+          </a:p>
+          <a:p>
+            <a:r>
+              <a:rPr lang="pt-BR" sz="1600" b="0" dirty="0">
+                <a:solidFill>
+                  <a:srgbClr val="D1D4E0"/>
+                </a:solidFill>
+                <a:effectLst/>
+                <a:highlight>
+                  <a:srgbClr val="1B1D28"/>
+                </a:highlight>
+                <a:latin typeface="Consolas" panose="020B0609020204030204" pitchFamily="49" charset="0"/>
+              </a:rPr>
+              <a:t>        </a:t>
+            </a:r>
+            <a:r>
+              <a:rPr lang="pt-BR" sz="1600" b="0" dirty="0">
+                <a:solidFill>
+                  <a:srgbClr val="2DE266"/>
+                </a:solidFill>
+                <a:effectLst/>
+                <a:highlight>
+                  <a:srgbClr val="1B1D28"/>
+                </a:highlight>
+                <a:latin typeface="Consolas" panose="020B0609020204030204" pitchFamily="49" charset="0"/>
+              </a:rPr>
+              <a:t>print</a:t>
+            </a:r>
+            <a:r>
+              <a:rPr lang="pt-BR" sz="1600" b="0" dirty="0">
+                <a:solidFill>
+                  <a:srgbClr val="D1D4E0"/>
+                </a:solidFill>
+                <a:effectLst/>
+                <a:highlight>
+                  <a:srgbClr val="1B1D28"/>
+                </a:highlight>
+                <a:latin typeface="Consolas" panose="020B0609020204030204" pitchFamily="49" charset="0"/>
+              </a:rPr>
+              <a:t>(</a:t>
+            </a:r>
+            <a:r>
+              <a:rPr lang="pt-BR" sz="1600" b="0" dirty="0">
+                <a:solidFill>
+                  <a:srgbClr val="E0E97C"/>
+                </a:solidFill>
+                <a:effectLst/>
+                <a:highlight>
+                  <a:srgbClr val="1B1D28"/>
+                </a:highlight>
+                <a:latin typeface="Consolas" panose="020B0609020204030204" pitchFamily="49" charset="0"/>
+              </a:rPr>
+              <a:t>'STR'</a:t>
+            </a:r>
+            <a:r>
+              <a:rPr lang="pt-BR" sz="1600" b="0" dirty="0">
+                <a:solidFill>
+                  <a:srgbClr val="D1D4E0"/>
+                </a:solidFill>
+                <a:effectLst/>
+                <a:highlight>
+                  <a:srgbClr val="1B1D28"/>
+                </a:highlight>
+                <a:latin typeface="Consolas" panose="020B0609020204030204" pitchFamily="49" charset="0"/>
+              </a:rPr>
+              <a:t>)</a:t>
+            </a:r>
+          </a:p>
+          <a:p>
+            <a:r>
+              <a:rPr lang="pt-BR" sz="1600" b="0" dirty="0">
+                <a:solidFill>
+                  <a:srgbClr val="D1D4E0"/>
+                </a:solidFill>
+                <a:effectLst/>
+                <a:highlight>
+                  <a:srgbClr val="1B1D28"/>
+                </a:highlight>
+                <a:latin typeface="Consolas" panose="020B0609020204030204" pitchFamily="49" charset="0"/>
+              </a:rPr>
+              <a:t>        </a:t>
+            </a:r>
+            <a:r>
+              <a:rPr lang="pt-BR" sz="1600" b="0" dirty="0">
+                <a:solidFill>
+                  <a:srgbClr val="2DE266"/>
+                </a:solidFill>
+                <a:effectLst/>
+                <a:highlight>
+                  <a:srgbClr val="1B1D28"/>
+                </a:highlight>
+                <a:latin typeface="Consolas" panose="020B0609020204030204" pitchFamily="49" charset="0"/>
+              </a:rPr>
+              <a:t>print</a:t>
+            </a:r>
+            <a:r>
+              <a:rPr lang="pt-BR" sz="1600" b="0" dirty="0">
+                <a:solidFill>
+                  <a:srgbClr val="D1D4E0"/>
+                </a:solidFill>
+                <a:effectLst/>
+                <a:highlight>
+                  <a:srgbClr val="1B1D28"/>
+                </a:highlight>
+                <a:latin typeface="Consolas" panose="020B0609020204030204" pitchFamily="49" charset="0"/>
+              </a:rPr>
+              <a:t>(</a:t>
+            </a:r>
+            <a:r>
+              <a:rPr lang="pt-BR" sz="1600" b="0" dirty="0" err="1">
+                <a:solidFill>
+                  <a:srgbClr val="D1D4E0"/>
+                </a:solidFill>
+                <a:effectLst/>
+                <a:highlight>
+                  <a:srgbClr val="1B1D28"/>
+                </a:highlight>
+                <a:latin typeface="Consolas" panose="020B0609020204030204" pitchFamily="49" charset="0"/>
+              </a:rPr>
+              <a:t>item.</a:t>
+            </a:r>
+            <a:r>
+              <a:rPr lang="pt-BR" sz="1600" b="0" dirty="0" err="1">
+                <a:solidFill>
+                  <a:srgbClr val="2DE266"/>
+                </a:solidFill>
+                <a:effectLst/>
+                <a:highlight>
+                  <a:srgbClr val="1B1D28"/>
+                </a:highlight>
+                <a:latin typeface="Consolas" panose="020B0609020204030204" pitchFamily="49" charset="0"/>
+              </a:rPr>
+              <a:t>upper</a:t>
+            </a:r>
+            <a:r>
+              <a:rPr lang="pt-BR" sz="1600" b="0" dirty="0">
+                <a:solidFill>
+                  <a:srgbClr val="D1D4E0"/>
+                </a:solidFill>
+                <a:effectLst/>
+                <a:highlight>
+                  <a:srgbClr val="1B1D28"/>
+                </a:highlight>
+                <a:latin typeface="Consolas" panose="020B0609020204030204" pitchFamily="49" charset="0"/>
+              </a:rPr>
+              <a:t>())</a:t>
+            </a:r>
+          </a:p>
+          <a:p>
+            <a:br>
+              <a:rPr lang="pt-BR" sz="1600" b="0" dirty="0">
+                <a:solidFill>
+                  <a:srgbClr val="D1D4E0"/>
+                </a:solidFill>
+                <a:effectLst/>
+                <a:highlight>
+                  <a:srgbClr val="1B1D28"/>
+                </a:highlight>
+                <a:latin typeface="Consolas" panose="020B0609020204030204" pitchFamily="49" charset="0"/>
+              </a:rPr>
+            </a:br>
+            <a:r>
+              <a:rPr lang="pt-BR" sz="1600" b="0" dirty="0">
+                <a:solidFill>
+                  <a:srgbClr val="D1D4E0"/>
+                </a:solidFill>
+                <a:effectLst/>
+                <a:highlight>
+                  <a:srgbClr val="1B1D28"/>
+                </a:highlight>
+                <a:latin typeface="Consolas" panose="020B0609020204030204" pitchFamily="49" charset="0"/>
+              </a:rPr>
+              <a:t>    </a:t>
+            </a:r>
+            <a:r>
+              <a:rPr lang="pt-BR" sz="1600" b="0" dirty="0" err="1">
+                <a:solidFill>
+                  <a:srgbClr val="F269B9"/>
+                </a:solidFill>
+                <a:effectLst/>
+                <a:highlight>
+                  <a:srgbClr val="1B1D28"/>
+                </a:highlight>
+                <a:latin typeface="Consolas" panose="020B0609020204030204" pitchFamily="49" charset="0"/>
+              </a:rPr>
+              <a:t>elif</a:t>
+            </a:r>
+            <a:r>
+              <a:rPr lang="pt-BR" sz="1600" b="0" dirty="0">
+                <a:solidFill>
+                  <a:srgbClr val="D1D4E0"/>
+                </a:solidFill>
+                <a:effectLst/>
+                <a:highlight>
+                  <a:srgbClr val="1B1D28"/>
+                </a:highlight>
+                <a:latin typeface="Consolas" panose="020B0609020204030204" pitchFamily="49" charset="0"/>
+              </a:rPr>
+              <a:t> </a:t>
+            </a:r>
+            <a:r>
+              <a:rPr lang="pt-BR" sz="1600" b="0" dirty="0" err="1">
+                <a:solidFill>
+                  <a:srgbClr val="2DE266"/>
+                </a:solidFill>
+                <a:effectLst/>
+                <a:highlight>
+                  <a:srgbClr val="1B1D28"/>
+                </a:highlight>
+                <a:latin typeface="Consolas" panose="020B0609020204030204" pitchFamily="49" charset="0"/>
+              </a:rPr>
+              <a:t>isinstance</a:t>
+            </a:r>
+            <a:r>
+              <a:rPr lang="pt-BR" sz="1600" b="0" dirty="0">
+                <a:solidFill>
+                  <a:srgbClr val="D1D4E0"/>
+                </a:solidFill>
+                <a:effectLst/>
+                <a:highlight>
+                  <a:srgbClr val="1B1D28"/>
+                </a:highlight>
+                <a:latin typeface="Consolas" panose="020B0609020204030204" pitchFamily="49" charset="0"/>
+              </a:rPr>
+              <a:t>(item, (</a:t>
+            </a:r>
+            <a:r>
+              <a:rPr lang="pt-BR" sz="1600" b="0" dirty="0" err="1">
+                <a:solidFill>
+                  <a:srgbClr val="7AD8EC"/>
+                </a:solidFill>
+                <a:effectLst/>
+                <a:highlight>
+                  <a:srgbClr val="1B1D28"/>
+                </a:highlight>
+                <a:latin typeface="Consolas" panose="020B0609020204030204" pitchFamily="49" charset="0"/>
+              </a:rPr>
+              <a:t>int</a:t>
+            </a:r>
+            <a:r>
+              <a:rPr lang="pt-BR" sz="1600" b="0" dirty="0">
+                <a:solidFill>
+                  <a:srgbClr val="D1D4E0"/>
+                </a:solidFill>
+                <a:effectLst/>
+                <a:highlight>
+                  <a:srgbClr val="1B1D28"/>
+                </a:highlight>
+                <a:latin typeface="Consolas" panose="020B0609020204030204" pitchFamily="49" charset="0"/>
+              </a:rPr>
+              <a:t>, </a:t>
+            </a:r>
+            <a:r>
+              <a:rPr lang="pt-BR" sz="1600" b="0" dirty="0" err="1">
+                <a:solidFill>
+                  <a:srgbClr val="7AD8EC"/>
+                </a:solidFill>
+                <a:effectLst/>
+                <a:highlight>
+                  <a:srgbClr val="1B1D28"/>
+                </a:highlight>
+                <a:latin typeface="Consolas" panose="020B0609020204030204" pitchFamily="49" charset="0"/>
+              </a:rPr>
+              <a:t>float</a:t>
+            </a:r>
+            <a:r>
+              <a:rPr lang="pt-BR" sz="1600" b="0" dirty="0">
+                <a:solidFill>
+                  <a:srgbClr val="D1D4E0"/>
+                </a:solidFill>
+                <a:effectLst/>
+                <a:highlight>
+                  <a:srgbClr val="1B1D28"/>
+                </a:highlight>
+                <a:latin typeface="Consolas" panose="020B0609020204030204" pitchFamily="49" charset="0"/>
+              </a:rPr>
+              <a:t>)):</a:t>
+            </a:r>
+          </a:p>
+          <a:p>
+            <a:r>
+              <a:rPr lang="pt-BR" sz="1600" b="0" dirty="0">
+                <a:solidFill>
+                  <a:srgbClr val="D1D4E0"/>
+                </a:solidFill>
+                <a:effectLst/>
+                <a:highlight>
+                  <a:srgbClr val="1B1D28"/>
+                </a:highlight>
+                <a:latin typeface="Consolas" panose="020B0609020204030204" pitchFamily="49" charset="0"/>
+              </a:rPr>
+              <a:t>        </a:t>
+            </a:r>
+            <a:r>
+              <a:rPr lang="pt-BR" sz="1600" b="0" dirty="0">
+                <a:solidFill>
+                  <a:srgbClr val="2DE266"/>
+                </a:solidFill>
+                <a:effectLst/>
+                <a:highlight>
+                  <a:srgbClr val="1B1D28"/>
+                </a:highlight>
+                <a:latin typeface="Consolas" panose="020B0609020204030204" pitchFamily="49" charset="0"/>
+              </a:rPr>
+              <a:t>print</a:t>
+            </a:r>
+            <a:r>
+              <a:rPr lang="pt-BR" sz="1600" b="0" dirty="0">
+                <a:solidFill>
+                  <a:srgbClr val="D1D4E0"/>
+                </a:solidFill>
+                <a:effectLst/>
+                <a:highlight>
+                  <a:srgbClr val="1B1D28"/>
+                </a:highlight>
+                <a:latin typeface="Consolas" panose="020B0609020204030204" pitchFamily="49" charset="0"/>
+              </a:rPr>
+              <a:t>(</a:t>
+            </a:r>
+            <a:r>
+              <a:rPr lang="pt-BR" sz="1600" b="0" dirty="0">
+                <a:solidFill>
+                  <a:srgbClr val="E0E97C"/>
+                </a:solidFill>
+                <a:effectLst/>
+                <a:highlight>
+                  <a:srgbClr val="1B1D28"/>
+                </a:highlight>
+                <a:latin typeface="Consolas" panose="020B0609020204030204" pitchFamily="49" charset="0"/>
+              </a:rPr>
+              <a:t>'NUM'</a:t>
+            </a:r>
+            <a:r>
+              <a:rPr lang="pt-BR" sz="1600" b="0" dirty="0">
+                <a:solidFill>
+                  <a:srgbClr val="D1D4E0"/>
+                </a:solidFill>
+                <a:effectLst/>
+                <a:highlight>
+                  <a:srgbClr val="1B1D28"/>
+                </a:highlight>
+                <a:latin typeface="Consolas" panose="020B0609020204030204" pitchFamily="49" charset="0"/>
+              </a:rPr>
+              <a:t>)</a:t>
+            </a:r>
+          </a:p>
+          <a:p>
+            <a:r>
+              <a:rPr lang="pt-BR" sz="1600" b="0" dirty="0">
+                <a:solidFill>
+                  <a:srgbClr val="D1D4E0"/>
+                </a:solidFill>
+                <a:effectLst/>
+                <a:highlight>
+                  <a:srgbClr val="1B1D28"/>
+                </a:highlight>
+                <a:latin typeface="Consolas" panose="020B0609020204030204" pitchFamily="49" charset="0"/>
+              </a:rPr>
+              <a:t>        </a:t>
+            </a:r>
+            <a:r>
+              <a:rPr lang="pt-BR" sz="1600" b="0" dirty="0">
+                <a:solidFill>
+                  <a:srgbClr val="2DE266"/>
+                </a:solidFill>
+                <a:effectLst/>
+                <a:highlight>
+                  <a:srgbClr val="1B1D28"/>
+                </a:highlight>
+                <a:latin typeface="Consolas" panose="020B0609020204030204" pitchFamily="49" charset="0"/>
+              </a:rPr>
+              <a:t>print</a:t>
+            </a:r>
+            <a:r>
+              <a:rPr lang="pt-BR" sz="1600" b="0" dirty="0">
+                <a:solidFill>
+                  <a:srgbClr val="D1D4E0"/>
+                </a:solidFill>
+                <a:effectLst/>
+                <a:highlight>
+                  <a:srgbClr val="1B1D28"/>
+                </a:highlight>
+                <a:latin typeface="Consolas" panose="020B0609020204030204" pitchFamily="49" charset="0"/>
+              </a:rPr>
+              <a:t>(item, item </a:t>
+            </a:r>
+            <a:r>
+              <a:rPr lang="pt-BR" sz="1600" b="0" dirty="0">
+                <a:solidFill>
+                  <a:srgbClr val="F269B9"/>
+                </a:solidFill>
+                <a:effectLst/>
+                <a:highlight>
+                  <a:srgbClr val="1B1D28"/>
+                </a:highlight>
+                <a:latin typeface="Consolas" panose="020B0609020204030204" pitchFamily="49" charset="0"/>
+              </a:rPr>
+              <a:t>*</a:t>
+            </a:r>
+            <a:r>
+              <a:rPr lang="pt-BR" sz="1600" b="0" dirty="0">
+                <a:solidFill>
+                  <a:srgbClr val="D1D4E0"/>
+                </a:solidFill>
+                <a:effectLst/>
+                <a:highlight>
+                  <a:srgbClr val="1B1D28"/>
+                </a:highlight>
+                <a:latin typeface="Consolas" panose="020B0609020204030204" pitchFamily="49" charset="0"/>
+              </a:rPr>
+              <a:t> </a:t>
+            </a:r>
+            <a:r>
+              <a:rPr lang="pt-BR" sz="1600" b="0" dirty="0">
+                <a:solidFill>
+                  <a:srgbClr val="AF86EB"/>
+                </a:solidFill>
+                <a:effectLst/>
+                <a:highlight>
+                  <a:srgbClr val="1B1D28"/>
+                </a:highlight>
+                <a:latin typeface="Consolas" panose="020B0609020204030204" pitchFamily="49" charset="0"/>
+              </a:rPr>
+              <a:t>2</a:t>
+            </a:r>
+            <a:r>
+              <a:rPr lang="pt-BR" sz="1600" b="0" dirty="0">
+                <a:solidFill>
+                  <a:srgbClr val="D1D4E0"/>
+                </a:solidFill>
+                <a:effectLst/>
+                <a:highlight>
+                  <a:srgbClr val="1B1D28"/>
+                </a:highlight>
+                <a:latin typeface="Consolas" panose="020B0609020204030204" pitchFamily="49" charset="0"/>
+              </a:rPr>
+              <a:t>)</a:t>
+            </a:r>
+          </a:p>
+          <a:p>
+            <a:r>
+              <a:rPr lang="pt-BR" sz="1600" b="0" dirty="0">
+                <a:solidFill>
+                  <a:srgbClr val="D1D4E0"/>
+                </a:solidFill>
+                <a:effectLst/>
+                <a:highlight>
+                  <a:srgbClr val="1B1D28"/>
+                </a:highlight>
+                <a:latin typeface="Consolas" panose="020B0609020204030204" pitchFamily="49" charset="0"/>
+              </a:rPr>
+              <a:t>    </a:t>
+            </a:r>
+            <a:r>
+              <a:rPr lang="pt-BR" sz="1600" b="0" dirty="0" err="1">
+                <a:solidFill>
+                  <a:srgbClr val="F269B9"/>
+                </a:solidFill>
+                <a:effectLst/>
+                <a:highlight>
+                  <a:srgbClr val="1B1D28"/>
+                </a:highlight>
+                <a:latin typeface="Consolas" panose="020B0609020204030204" pitchFamily="49" charset="0"/>
+              </a:rPr>
+              <a:t>else</a:t>
+            </a:r>
+            <a:r>
+              <a:rPr lang="pt-BR" sz="1600" b="0" dirty="0">
+                <a:solidFill>
+                  <a:srgbClr val="D1D4E0"/>
+                </a:solidFill>
+                <a:effectLst/>
+                <a:highlight>
+                  <a:srgbClr val="1B1D28"/>
+                </a:highlight>
+                <a:latin typeface="Consolas" panose="020B0609020204030204" pitchFamily="49" charset="0"/>
+              </a:rPr>
+              <a:t>:</a:t>
+            </a:r>
+          </a:p>
+          <a:p>
+            <a:r>
+              <a:rPr lang="pt-BR" sz="1600" b="0" dirty="0">
+                <a:solidFill>
+                  <a:srgbClr val="D1D4E0"/>
+                </a:solidFill>
+                <a:effectLst/>
+                <a:highlight>
+                  <a:srgbClr val="1B1D28"/>
+                </a:highlight>
+                <a:latin typeface="Consolas" panose="020B0609020204030204" pitchFamily="49" charset="0"/>
+              </a:rPr>
+              <a:t>        </a:t>
+            </a:r>
+            <a:r>
+              <a:rPr lang="pt-BR" sz="1600" b="0" dirty="0">
+                <a:solidFill>
+                  <a:srgbClr val="2DE266"/>
+                </a:solidFill>
+                <a:effectLst/>
+                <a:highlight>
+                  <a:srgbClr val="1B1D28"/>
+                </a:highlight>
+                <a:latin typeface="Consolas" panose="020B0609020204030204" pitchFamily="49" charset="0"/>
+              </a:rPr>
+              <a:t>print</a:t>
+            </a:r>
+            <a:r>
+              <a:rPr lang="pt-BR" sz="1600" b="0" dirty="0">
+                <a:solidFill>
+                  <a:srgbClr val="D1D4E0"/>
+                </a:solidFill>
+                <a:effectLst/>
+                <a:highlight>
+                  <a:srgbClr val="1B1D28"/>
+                </a:highlight>
+                <a:latin typeface="Consolas" panose="020B0609020204030204" pitchFamily="49" charset="0"/>
+              </a:rPr>
+              <a:t>(</a:t>
+            </a:r>
+            <a:r>
+              <a:rPr lang="pt-BR" sz="1600" b="0" dirty="0">
+                <a:solidFill>
+                  <a:srgbClr val="E0E97C"/>
+                </a:solidFill>
+                <a:effectLst/>
+                <a:highlight>
+                  <a:srgbClr val="1B1D28"/>
+                </a:highlight>
+                <a:latin typeface="Consolas" panose="020B0609020204030204" pitchFamily="49" charset="0"/>
+              </a:rPr>
+              <a:t>'OUTRO'</a:t>
+            </a:r>
+            <a:r>
+              <a:rPr lang="pt-BR" sz="1600" b="0" dirty="0">
+                <a:solidFill>
+                  <a:srgbClr val="D1D4E0"/>
+                </a:solidFill>
+                <a:effectLst/>
+                <a:highlight>
+                  <a:srgbClr val="1B1D28"/>
+                </a:highlight>
+                <a:latin typeface="Consolas" panose="020B0609020204030204" pitchFamily="49" charset="0"/>
+              </a:rPr>
+              <a:t>)</a:t>
+            </a:r>
+          </a:p>
+          <a:p>
+            <a:r>
+              <a:rPr lang="pt-BR" sz="1600" b="0" dirty="0">
+                <a:solidFill>
+                  <a:srgbClr val="D1D4E0"/>
+                </a:solidFill>
+                <a:effectLst/>
+                <a:highlight>
+                  <a:srgbClr val="1B1D28"/>
+                </a:highlight>
+                <a:latin typeface="Consolas" panose="020B0609020204030204" pitchFamily="49" charset="0"/>
+              </a:rPr>
+              <a:t>        </a:t>
+            </a:r>
+            <a:r>
+              <a:rPr lang="pt-BR" sz="1600" b="0" dirty="0">
+                <a:solidFill>
+                  <a:srgbClr val="2DE266"/>
+                </a:solidFill>
+                <a:effectLst/>
+                <a:highlight>
+                  <a:srgbClr val="1B1D28"/>
+                </a:highlight>
+                <a:latin typeface="Consolas" panose="020B0609020204030204" pitchFamily="49" charset="0"/>
+              </a:rPr>
+              <a:t>print</a:t>
+            </a:r>
+            <a:r>
+              <a:rPr lang="pt-BR" sz="1600" b="0" dirty="0">
+                <a:solidFill>
+                  <a:srgbClr val="D1D4E0"/>
+                </a:solidFill>
+                <a:effectLst/>
+                <a:highlight>
+                  <a:srgbClr val="1B1D28"/>
+                </a:highlight>
+                <a:latin typeface="Consolas" panose="020B0609020204030204" pitchFamily="49" charset="0"/>
+              </a:rPr>
+              <a:t>(item)</a:t>
+            </a:r>
+          </a:p>
+        </p:txBody>
+      </p:sp>
+    </p:spTree>
+    <p:extLst>
+      <p:ext uri="{BB962C8B-B14F-4D97-AF65-F5344CB8AC3E}">
+        <p14:creationId xmlns:p14="http://schemas.microsoft.com/office/powerpoint/2010/main" val="3306502061"/>
+      </p:ext>
+    </p:extLst>
+  </p:cSld>
+  <p:clrMapOvr>
+    <a:masterClrMapping/>
+  </p:clrMapOvr>
+</p:sld>
+</file>
+
+<file path=ppt/slides/slide14.xml><?xml version="1.0" encoding="utf-8"?>
+<p:sld xmlns:a="http://schemas.openxmlformats.org/drawingml/2006/main" xmlns:r="http://schemas.openxmlformats.org/officeDocument/2006/relationships" xmlns:p="http://schemas.openxmlformats.org/presentationml/2006/main">
+  <p:cSld>
+    <p:bg>
+      <p:bgPr>
+        <a:solidFill>
+          <a:schemeClr val="bg1"/>
+        </a:solidFill>
+        <a:effectLst/>
+      </p:bgPr>
+    </p:bg>
+    <p:spTree>
+      <p:nvGrpSpPr>
+        <p:cNvPr id="1" name=""/>
+        <p:cNvGrpSpPr/>
+        <p:nvPr/>
+      </p:nvGrpSpPr>
+      <p:grpSpPr>
+        <a:xfrm>
+          <a:off x="0" y="0"/>
+          <a:ext cx="0" cy="0"/>
+          <a:chOff x="0" y="0"/>
+          <a:chExt cx="0" cy="0"/>
+        </a:xfrm>
+      </p:grpSpPr>
+      <p:sp useBgFill="1">
+        <p:nvSpPr>
+          <p:cNvPr id="40" name="Rectangle 39">
+            <a:extLst>
+              <a:ext uri="{FF2B5EF4-FFF2-40B4-BE49-F238E27FC236}">
+                <a16:creationId xmlns:a16="http://schemas.microsoft.com/office/drawing/2014/main" id="{B89090F2-B101-458B-9AFF-27327443BB09}"/>
+              </a:ext>
+              <a:ext uri="{C183D7F6-B498-43B3-948B-1728B52AA6E4}">
+                <adec:decorative xmlns:adec="http://schemas.microsoft.com/office/drawing/2017/decorative" val="1"/>
+              </a:ext>
+            </a:extLst>
+          </p:cNvPr>
+          <p:cNvSpPr>
+            <a:spLocks noGrp="1" noRot="1" noChangeAspect="1" noMove="1" noResize="1" noEditPoints="1" noAdjustHandles="1" noChangeArrowheads="1" noChangeShapeType="1" noTextEdit="1"/>
+          </p:cNvSpPr>
+          <p:nvPr>
+            <p:extLst>
+              <p:ext uri="{386F3935-93C4-4BCD-93E2-E3B085C9AB24}">
+                <p16:designElem xmlns:p16="http://schemas.microsoft.com/office/powerpoint/2015/main" val="1"/>
+              </p:ext>
+            </p:extLst>
+          </p:nvPr>
+        </p:nvSpPr>
+        <p:spPr bwMode="white">
+          <a:xfrm>
+            <a:off x="0" y="0"/>
+            <a:ext cx="12192000" cy="6858000"/>
+          </a:xfrm>
+          <a:prstGeom prst="rect">
+            <a:avLst/>
+          </a:prstGeom>
+          <a:ln>
+            <a:noFill/>
+          </a:ln>
+        </p:spPr>
+        <p:style>
+          <a:lnRef idx="2">
+            <a:schemeClr val="accent1">
+              <a:shade val="50000"/>
+            </a:schemeClr>
+          </a:lnRef>
+          <a:fillRef idx="1">
+            <a:schemeClr val="accent1"/>
+          </a:fillRef>
+          <a:effectRef idx="0">
+            <a:schemeClr val="accent1"/>
+          </a:effectRef>
+          <a:fontRef idx="minor">
+            <a:schemeClr val="lt1"/>
+          </a:fontRef>
+        </p:style>
+        <p:txBody>
+          <a:bodyPr rot="0" spcFirstLastPara="0" vert="horz" wrap="square" lIns="91440" tIns="45720" rIns="91440" bIns="45720" numCol="1" spcCol="0" rtlCol="0" fromWordArt="0" anchor="ctr" anchorCtr="0" forceAA="0" compatLnSpc="1">
+            <a:prstTxWarp prst="textNoShape">
+              <a:avLst/>
+            </a:prstTxWarp>
+            <a:noAutofit/>
+          </a:bodyPr>
+          <a:lstStyle>
+            <a:defPPr>
+              <a:defRPr lang="en-US"/>
+            </a:defPPr>
+            <a:lvl1pPr marL="0" algn="l" defTabSz="914400" rtl="0" eaLnBrk="1" latinLnBrk="0" hangingPunct="1">
+              <a:defRPr sz="1800" kern="1200">
+                <a:solidFill>
+                  <a:schemeClr val="lt1"/>
+                </a:solidFill>
+                <a:latin typeface="+mn-lt"/>
+                <a:ea typeface="+mn-ea"/>
+                <a:cs typeface="+mn-cs"/>
+              </a:defRPr>
+            </a:lvl1pPr>
+            <a:lvl2pPr marL="457200" algn="l" defTabSz="914400" rtl="0" eaLnBrk="1" latinLnBrk="0" hangingPunct="1">
+              <a:defRPr sz="1800" kern="1200">
+                <a:solidFill>
+                  <a:schemeClr val="lt1"/>
+                </a:solidFill>
+                <a:latin typeface="+mn-lt"/>
+                <a:ea typeface="+mn-ea"/>
+                <a:cs typeface="+mn-cs"/>
+              </a:defRPr>
+            </a:lvl2pPr>
+            <a:lvl3pPr marL="914400" algn="l" defTabSz="914400" rtl="0" eaLnBrk="1" latinLnBrk="0" hangingPunct="1">
+              <a:defRPr sz="1800" kern="1200">
+                <a:solidFill>
+                  <a:schemeClr val="lt1"/>
+                </a:solidFill>
+                <a:latin typeface="+mn-lt"/>
+                <a:ea typeface="+mn-ea"/>
+                <a:cs typeface="+mn-cs"/>
+              </a:defRPr>
+            </a:lvl3pPr>
+            <a:lvl4pPr marL="1371600" algn="l" defTabSz="914400" rtl="0" eaLnBrk="1" latinLnBrk="0" hangingPunct="1">
+              <a:defRPr sz="1800" kern="1200">
+                <a:solidFill>
+                  <a:schemeClr val="lt1"/>
+                </a:solidFill>
+                <a:latin typeface="+mn-lt"/>
+                <a:ea typeface="+mn-ea"/>
+                <a:cs typeface="+mn-cs"/>
+              </a:defRPr>
+            </a:lvl4pPr>
+            <a:lvl5pPr marL="1828800" algn="l" defTabSz="914400" rtl="0" eaLnBrk="1" latinLnBrk="0" hangingPunct="1">
+              <a:defRPr sz="1800" kern="1200">
+                <a:solidFill>
+                  <a:schemeClr val="lt1"/>
+                </a:solidFill>
+                <a:latin typeface="+mn-lt"/>
+                <a:ea typeface="+mn-ea"/>
+                <a:cs typeface="+mn-cs"/>
+              </a:defRPr>
+            </a:lvl5pPr>
+            <a:lvl6pPr marL="2286000" algn="l" defTabSz="914400" rtl="0" eaLnBrk="1" latinLnBrk="0" hangingPunct="1">
+              <a:defRPr sz="1800" kern="1200">
+                <a:solidFill>
+                  <a:schemeClr val="lt1"/>
+                </a:solidFill>
+                <a:latin typeface="+mn-lt"/>
+                <a:ea typeface="+mn-ea"/>
+                <a:cs typeface="+mn-cs"/>
+              </a:defRPr>
+            </a:lvl6pPr>
+            <a:lvl7pPr marL="2743200" algn="l" defTabSz="914400" rtl="0" eaLnBrk="1" latinLnBrk="0" hangingPunct="1">
+              <a:defRPr sz="1800" kern="1200">
+                <a:solidFill>
+                  <a:schemeClr val="lt1"/>
+                </a:solidFill>
+                <a:latin typeface="+mn-lt"/>
+                <a:ea typeface="+mn-ea"/>
+                <a:cs typeface="+mn-cs"/>
+              </a:defRPr>
+            </a:lvl7pPr>
+            <a:lvl8pPr marL="3200400" algn="l" defTabSz="914400" rtl="0" eaLnBrk="1" latinLnBrk="0" hangingPunct="1">
+              <a:defRPr sz="1800" kern="1200">
+                <a:solidFill>
+                  <a:schemeClr val="lt1"/>
+                </a:solidFill>
+                <a:latin typeface="+mn-lt"/>
+                <a:ea typeface="+mn-ea"/>
+                <a:cs typeface="+mn-cs"/>
+              </a:defRPr>
+            </a:lvl8pPr>
+            <a:lvl9pPr marL="3657600" algn="l" defTabSz="914400" rtl="0" eaLnBrk="1" latinLnBrk="0" hangingPunct="1">
+              <a:defRPr sz="1800" kern="1200">
+                <a:solidFill>
+                  <a:schemeClr val="lt1"/>
+                </a:solidFill>
+                <a:latin typeface="+mn-lt"/>
+                <a:ea typeface="+mn-ea"/>
+                <a:cs typeface="+mn-cs"/>
+              </a:defRPr>
+            </a:lvl9pPr>
+          </a:lstStyle>
+          <a:p>
+            <a:pPr algn="ctr"/>
+            <a:endParaRPr lang="en-US"/>
+          </a:p>
+        </p:txBody>
+      </p:sp>
+      <p:sp>
+        <p:nvSpPr>
+          <p:cNvPr id="2" name="Título 1">
+            <a:extLst>
+              <a:ext uri="{FF2B5EF4-FFF2-40B4-BE49-F238E27FC236}">
+                <a16:creationId xmlns:a16="http://schemas.microsoft.com/office/drawing/2014/main" id="{9D4DFD27-ACA4-1794-D857-3BC7340744BA}"/>
+              </a:ext>
+            </a:extLst>
+          </p:cNvPr>
+          <p:cNvSpPr>
+            <a:spLocks noGrp="1"/>
+          </p:cNvSpPr>
+          <p:nvPr>
+            <p:ph type="ctrTitle"/>
+          </p:nvPr>
+        </p:nvSpPr>
+        <p:spPr>
+          <a:xfrm>
+            <a:off x="4639056" y="1235847"/>
+            <a:ext cx="6784847" cy="3325266"/>
+          </a:xfrm>
+        </p:spPr>
+        <p:txBody>
+          <a:bodyPr>
+            <a:normAutofit/>
+          </a:bodyPr>
+          <a:lstStyle/>
+          <a:p>
+            <a:r>
+              <a:rPr lang="pt-BR" sz="7200" dirty="0" err="1"/>
+              <a:t>Truthy</a:t>
+            </a:r>
+            <a:r>
+              <a:rPr lang="pt-BR" sz="7200" dirty="0"/>
+              <a:t> e </a:t>
+            </a:r>
+            <a:r>
+              <a:rPr lang="pt-BR" sz="7200" dirty="0" err="1"/>
+              <a:t>Falsy</a:t>
+            </a:r>
+            <a:r>
+              <a:rPr lang="pt-BR" sz="7200" dirty="0"/>
+              <a:t>, Tipos Mutáveis</a:t>
+            </a:r>
+          </a:p>
+        </p:txBody>
+      </p:sp>
+      <p:sp>
+        <p:nvSpPr>
+          <p:cNvPr id="42" name="Freeform 6">
+            <a:extLst>
+              <a:ext uri="{FF2B5EF4-FFF2-40B4-BE49-F238E27FC236}">
+                <a16:creationId xmlns:a16="http://schemas.microsoft.com/office/drawing/2014/main" id="{526C103B-17BD-4B48-AB6F-0D9EF826AAC4}"/>
+              </a:ext>
+              <a:ext uri="{C183D7F6-B498-43B3-948B-1728B52AA6E4}">
+                <adec:decorative xmlns:adec="http://schemas.microsoft.com/office/drawing/2017/decorative" val="1"/>
+              </a:ext>
+            </a:extLst>
+          </p:cNvPr>
+          <p:cNvSpPr>
+            <a:spLocks noGrp="1" noRot="1" noChangeAspect="1" noMove="1" noResize="1" noEditPoints="1" noAdjustHandles="1" noChangeArrowheads="1" noChangeShapeType="1" noTextEdit="1"/>
+          </p:cNvSpPr>
+          <p:nvPr>
+            <p:extLst>
+              <p:ext uri="{386F3935-93C4-4BCD-93E2-E3B085C9AB24}">
+                <p16:designElem xmlns:p16="http://schemas.microsoft.com/office/powerpoint/2015/main" val="1"/>
+              </p:ext>
+            </p:extLst>
+          </p:nvPr>
+        </p:nvSpPr>
+        <p:spPr bwMode="auto">
+          <a:xfrm>
+            <a:off x="0" y="0"/>
+            <a:ext cx="885825" cy="6858000"/>
+          </a:xfrm>
+          <a:custGeom>
+            <a:avLst/>
+            <a:gdLst/>
+            <a:ahLst/>
+            <a:cxnLst/>
+            <a:rect l="0" t="0" r="r" b="b"/>
+            <a:pathLst>
+              <a:path w="558" h="4320">
+                <a:moveTo>
+                  <a:pt x="0" y="0"/>
+                </a:moveTo>
+                <a:lnTo>
+                  <a:pt x="447" y="0"/>
+                </a:lnTo>
+                <a:lnTo>
+                  <a:pt x="448" y="43"/>
+                </a:lnTo>
+                <a:lnTo>
+                  <a:pt x="453" y="81"/>
+                </a:lnTo>
+                <a:lnTo>
+                  <a:pt x="460" y="114"/>
+                </a:lnTo>
+                <a:lnTo>
+                  <a:pt x="469" y="143"/>
+                </a:lnTo>
+                <a:lnTo>
+                  <a:pt x="479" y="169"/>
+                </a:lnTo>
+                <a:lnTo>
+                  <a:pt x="491" y="192"/>
+                </a:lnTo>
+                <a:lnTo>
+                  <a:pt x="503" y="216"/>
+                </a:lnTo>
+                <a:lnTo>
+                  <a:pt x="515" y="240"/>
+                </a:lnTo>
+                <a:lnTo>
+                  <a:pt x="525" y="263"/>
+                </a:lnTo>
+                <a:lnTo>
+                  <a:pt x="535" y="289"/>
+                </a:lnTo>
+                <a:lnTo>
+                  <a:pt x="545" y="318"/>
+                </a:lnTo>
+                <a:lnTo>
+                  <a:pt x="552" y="351"/>
+                </a:lnTo>
+                <a:lnTo>
+                  <a:pt x="556" y="389"/>
+                </a:lnTo>
+                <a:lnTo>
+                  <a:pt x="558" y="432"/>
+                </a:lnTo>
+                <a:lnTo>
+                  <a:pt x="556" y="475"/>
+                </a:lnTo>
+                <a:lnTo>
+                  <a:pt x="552" y="513"/>
+                </a:lnTo>
+                <a:lnTo>
+                  <a:pt x="545" y="546"/>
+                </a:lnTo>
+                <a:lnTo>
+                  <a:pt x="535" y="575"/>
+                </a:lnTo>
+                <a:lnTo>
+                  <a:pt x="525" y="601"/>
+                </a:lnTo>
+                <a:lnTo>
+                  <a:pt x="515" y="624"/>
+                </a:lnTo>
+                <a:lnTo>
+                  <a:pt x="503" y="648"/>
+                </a:lnTo>
+                <a:lnTo>
+                  <a:pt x="491" y="672"/>
+                </a:lnTo>
+                <a:lnTo>
+                  <a:pt x="479" y="695"/>
+                </a:lnTo>
+                <a:lnTo>
+                  <a:pt x="469" y="721"/>
+                </a:lnTo>
+                <a:lnTo>
+                  <a:pt x="460" y="750"/>
+                </a:lnTo>
+                <a:lnTo>
+                  <a:pt x="453" y="783"/>
+                </a:lnTo>
+                <a:lnTo>
+                  <a:pt x="448" y="821"/>
+                </a:lnTo>
+                <a:lnTo>
+                  <a:pt x="447" y="864"/>
+                </a:lnTo>
+                <a:lnTo>
+                  <a:pt x="448" y="907"/>
+                </a:lnTo>
+                <a:lnTo>
+                  <a:pt x="453" y="945"/>
+                </a:lnTo>
+                <a:lnTo>
+                  <a:pt x="460" y="978"/>
+                </a:lnTo>
+                <a:lnTo>
+                  <a:pt x="469" y="1007"/>
+                </a:lnTo>
+                <a:lnTo>
+                  <a:pt x="479" y="1033"/>
+                </a:lnTo>
+                <a:lnTo>
+                  <a:pt x="491" y="1056"/>
+                </a:lnTo>
+                <a:lnTo>
+                  <a:pt x="503" y="1080"/>
+                </a:lnTo>
+                <a:lnTo>
+                  <a:pt x="515" y="1104"/>
+                </a:lnTo>
+                <a:lnTo>
+                  <a:pt x="525" y="1127"/>
+                </a:lnTo>
+                <a:lnTo>
+                  <a:pt x="535" y="1153"/>
+                </a:lnTo>
+                <a:lnTo>
+                  <a:pt x="545" y="1182"/>
+                </a:lnTo>
+                <a:lnTo>
+                  <a:pt x="552" y="1215"/>
+                </a:lnTo>
+                <a:lnTo>
+                  <a:pt x="556" y="1253"/>
+                </a:lnTo>
+                <a:lnTo>
+                  <a:pt x="558" y="1296"/>
+                </a:lnTo>
+                <a:lnTo>
+                  <a:pt x="556" y="1339"/>
+                </a:lnTo>
+                <a:lnTo>
+                  <a:pt x="552" y="1377"/>
+                </a:lnTo>
+                <a:lnTo>
+                  <a:pt x="545" y="1410"/>
+                </a:lnTo>
+                <a:lnTo>
+                  <a:pt x="535" y="1439"/>
+                </a:lnTo>
+                <a:lnTo>
+                  <a:pt x="525" y="1465"/>
+                </a:lnTo>
+                <a:lnTo>
+                  <a:pt x="515" y="1488"/>
+                </a:lnTo>
+                <a:lnTo>
+                  <a:pt x="503" y="1512"/>
+                </a:lnTo>
+                <a:lnTo>
+                  <a:pt x="491" y="1536"/>
+                </a:lnTo>
+                <a:lnTo>
+                  <a:pt x="479" y="1559"/>
+                </a:lnTo>
+                <a:lnTo>
+                  <a:pt x="469" y="1585"/>
+                </a:lnTo>
+                <a:lnTo>
+                  <a:pt x="460" y="1614"/>
+                </a:lnTo>
+                <a:lnTo>
+                  <a:pt x="453" y="1647"/>
+                </a:lnTo>
+                <a:lnTo>
+                  <a:pt x="448" y="1685"/>
+                </a:lnTo>
+                <a:lnTo>
+                  <a:pt x="447" y="1728"/>
+                </a:lnTo>
+                <a:lnTo>
+                  <a:pt x="448" y="1771"/>
+                </a:lnTo>
+                <a:lnTo>
+                  <a:pt x="453" y="1809"/>
+                </a:lnTo>
+                <a:lnTo>
+                  <a:pt x="460" y="1842"/>
+                </a:lnTo>
+                <a:lnTo>
+                  <a:pt x="469" y="1871"/>
+                </a:lnTo>
+                <a:lnTo>
+                  <a:pt x="479" y="1897"/>
+                </a:lnTo>
+                <a:lnTo>
+                  <a:pt x="491" y="1920"/>
+                </a:lnTo>
+                <a:lnTo>
+                  <a:pt x="503" y="1944"/>
+                </a:lnTo>
+                <a:lnTo>
+                  <a:pt x="515" y="1968"/>
+                </a:lnTo>
+                <a:lnTo>
+                  <a:pt x="525" y="1991"/>
+                </a:lnTo>
+                <a:lnTo>
+                  <a:pt x="535" y="2017"/>
+                </a:lnTo>
+                <a:lnTo>
+                  <a:pt x="545" y="2046"/>
+                </a:lnTo>
+                <a:lnTo>
+                  <a:pt x="552" y="2079"/>
+                </a:lnTo>
+                <a:lnTo>
+                  <a:pt x="556" y="2117"/>
+                </a:lnTo>
+                <a:lnTo>
+                  <a:pt x="558" y="2159"/>
+                </a:lnTo>
+                <a:lnTo>
+                  <a:pt x="556" y="2203"/>
+                </a:lnTo>
+                <a:lnTo>
+                  <a:pt x="552" y="2241"/>
+                </a:lnTo>
+                <a:lnTo>
+                  <a:pt x="545" y="2274"/>
+                </a:lnTo>
+                <a:lnTo>
+                  <a:pt x="535" y="2303"/>
+                </a:lnTo>
+                <a:lnTo>
+                  <a:pt x="525" y="2329"/>
+                </a:lnTo>
+                <a:lnTo>
+                  <a:pt x="515" y="2352"/>
+                </a:lnTo>
+                <a:lnTo>
+                  <a:pt x="503" y="2376"/>
+                </a:lnTo>
+                <a:lnTo>
+                  <a:pt x="491" y="2400"/>
+                </a:lnTo>
+                <a:lnTo>
+                  <a:pt x="479" y="2423"/>
+                </a:lnTo>
+                <a:lnTo>
+                  <a:pt x="469" y="2449"/>
+                </a:lnTo>
+                <a:lnTo>
+                  <a:pt x="460" y="2478"/>
+                </a:lnTo>
+                <a:lnTo>
+                  <a:pt x="453" y="2511"/>
+                </a:lnTo>
+                <a:lnTo>
+                  <a:pt x="448" y="2549"/>
+                </a:lnTo>
+                <a:lnTo>
+                  <a:pt x="447" y="2592"/>
+                </a:lnTo>
+                <a:lnTo>
+                  <a:pt x="448" y="2635"/>
+                </a:lnTo>
+                <a:lnTo>
+                  <a:pt x="453" y="2673"/>
+                </a:lnTo>
+                <a:lnTo>
+                  <a:pt x="460" y="2706"/>
+                </a:lnTo>
+                <a:lnTo>
+                  <a:pt x="469" y="2735"/>
+                </a:lnTo>
+                <a:lnTo>
+                  <a:pt x="479" y="2761"/>
+                </a:lnTo>
+                <a:lnTo>
+                  <a:pt x="491" y="2784"/>
+                </a:lnTo>
+                <a:lnTo>
+                  <a:pt x="515" y="2832"/>
+                </a:lnTo>
+                <a:lnTo>
+                  <a:pt x="525" y="2855"/>
+                </a:lnTo>
+                <a:lnTo>
+                  <a:pt x="535" y="2881"/>
+                </a:lnTo>
+                <a:lnTo>
+                  <a:pt x="545" y="2910"/>
+                </a:lnTo>
+                <a:lnTo>
+                  <a:pt x="552" y="2943"/>
+                </a:lnTo>
+                <a:lnTo>
+                  <a:pt x="556" y="2981"/>
+                </a:lnTo>
+                <a:lnTo>
+                  <a:pt x="558" y="3024"/>
+                </a:lnTo>
+                <a:lnTo>
+                  <a:pt x="556" y="3067"/>
+                </a:lnTo>
+                <a:lnTo>
+                  <a:pt x="552" y="3105"/>
+                </a:lnTo>
+                <a:lnTo>
+                  <a:pt x="545" y="3138"/>
+                </a:lnTo>
+                <a:lnTo>
+                  <a:pt x="535" y="3167"/>
+                </a:lnTo>
+                <a:lnTo>
+                  <a:pt x="525" y="3193"/>
+                </a:lnTo>
+                <a:lnTo>
+                  <a:pt x="515" y="3216"/>
+                </a:lnTo>
+                <a:lnTo>
+                  <a:pt x="503" y="3240"/>
+                </a:lnTo>
+                <a:lnTo>
+                  <a:pt x="491" y="3264"/>
+                </a:lnTo>
+                <a:lnTo>
+                  <a:pt x="479" y="3287"/>
+                </a:lnTo>
+                <a:lnTo>
+                  <a:pt x="469" y="3313"/>
+                </a:lnTo>
+                <a:lnTo>
+                  <a:pt x="460" y="3342"/>
+                </a:lnTo>
+                <a:lnTo>
+                  <a:pt x="453" y="3375"/>
+                </a:lnTo>
+                <a:lnTo>
+                  <a:pt x="448" y="3413"/>
+                </a:lnTo>
+                <a:lnTo>
+                  <a:pt x="447" y="3456"/>
+                </a:lnTo>
+                <a:lnTo>
+                  <a:pt x="448" y="3499"/>
+                </a:lnTo>
+                <a:lnTo>
+                  <a:pt x="453" y="3537"/>
+                </a:lnTo>
+                <a:lnTo>
+                  <a:pt x="460" y="3570"/>
+                </a:lnTo>
+                <a:lnTo>
+                  <a:pt x="469" y="3599"/>
+                </a:lnTo>
+                <a:lnTo>
+                  <a:pt x="479" y="3625"/>
+                </a:lnTo>
+                <a:lnTo>
+                  <a:pt x="491" y="3648"/>
+                </a:lnTo>
+                <a:lnTo>
+                  <a:pt x="503" y="3672"/>
+                </a:lnTo>
+                <a:lnTo>
+                  <a:pt x="515" y="3696"/>
+                </a:lnTo>
+                <a:lnTo>
+                  <a:pt x="525" y="3719"/>
+                </a:lnTo>
+                <a:lnTo>
+                  <a:pt x="535" y="3745"/>
+                </a:lnTo>
+                <a:lnTo>
+                  <a:pt x="545" y="3774"/>
+                </a:lnTo>
+                <a:lnTo>
+                  <a:pt x="552" y="3807"/>
+                </a:lnTo>
+                <a:lnTo>
+                  <a:pt x="556" y="3845"/>
+                </a:lnTo>
+                <a:lnTo>
+                  <a:pt x="558" y="3888"/>
+                </a:lnTo>
+                <a:lnTo>
+                  <a:pt x="556" y="3931"/>
+                </a:lnTo>
+                <a:lnTo>
+                  <a:pt x="552" y="3969"/>
+                </a:lnTo>
+                <a:lnTo>
+                  <a:pt x="545" y="4002"/>
+                </a:lnTo>
+                <a:lnTo>
+                  <a:pt x="535" y="4031"/>
+                </a:lnTo>
+                <a:lnTo>
+                  <a:pt x="525" y="4057"/>
+                </a:lnTo>
+                <a:lnTo>
+                  <a:pt x="515" y="4080"/>
+                </a:lnTo>
+                <a:lnTo>
+                  <a:pt x="503" y="4104"/>
+                </a:lnTo>
+                <a:lnTo>
+                  <a:pt x="491" y="4128"/>
+                </a:lnTo>
+                <a:lnTo>
+                  <a:pt x="479" y="4151"/>
+                </a:lnTo>
+                <a:lnTo>
+                  <a:pt x="469" y="4177"/>
+                </a:lnTo>
+                <a:lnTo>
+                  <a:pt x="460" y="4206"/>
+                </a:lnTo>
+                <a:lnTo>
+                  <a:pt x="453" y="4239"/>
+                </a:lnTo>
+                <a:lnTo>
+                  <a:pt x="448" y="4277"/>
+                </a:lnTo>
+                <a:lnTo>
+                  <a:pt x="447" y="4320"/>
+                </a:lnTo>
+                <a:lnTo>
+                  <a:pt x="0" y="4320"/>
+                </a:lnTo>
+                <a:lnTo>
+                  <a:pt x="0" y="0"/>
+                </a:lnTo>
+                <a:close/>
+              </a:path>
+            </a:pathLst>
+          </a:custGeom>
+          <a:solidFill>
+            <a:schemeClr val="tx2"/>
+          </a:solidFill>
+          <a:ln w="0">
+            <a:noFill/>
+            <a:prstDash val="solid"/>
+            <a:round/>
+            <a:headEnd/>
+            <a:tailEnd/>
+          </a:ln>
+        </p:spPr>
+        <p:txBody>
+          <a:bodyPr/>
+          <a:lstStyle/>
+          <a:p>
+            <a:endParaRPr lang="pt-BR"/>
+          </a:p>
+        </p:txBody>
+      </p:sp>
+      <p:pic>
+        <p:nvPicPr>
+          <p:cNvPr id="27" name="Graphic 26" descr="Programador">
+            <a:extLst>
+              <a:ext uri="{FF2B5EF4-FFF2-40B4-BE49-F238E27FC236}">
+                <a16:creationId xmlns:a16="http://schemas.microsoft.com/office/drawing/2014/main" id="{84ADACB3-6759-6202-E5E9-D8673D71ACD3}"/>
+              </a:ext>
+            </a:extLst>
+          </p:cNvPr>
+          <p:cNvPicPr>
+            <a:picLocks noChangeAspect="1"/>
+          </p:cNvPicPr>
+          <p:nvPr/>
+        </p:nvPicPr>
+        <p:blipFill>
+          <a:blip r:embed="rId2">
+            <a:extLst>
+              <a:ext uri="{28A0092B-C50C-407E-A947-70E740481C1C}">
+                <a14:useLocalDpi xmlns:a14="http://schemas.microsoft.com/office/drawing/2010/main" val="0"/>
+              </a:ext>
+              <a:ext uri="{96DAC541-7B7A-43D3-8B79-37D633B846F1}">
+                <asvg:svgBlip xmlns:asvg="http://schemas.microsoft.com/office/drawing/2016/SVG/main" r:embed="rId3"/>
+              </a:ext>
+            </a:extLst>
+          </a:blip>
+          <a:stretch>
+            <a:fillRect/>
+          </a:stretch>
+        </p:blipFill>
+        <p:spPr>
+          <a:xfrm>
+            <a:off x="1240971" y="1709603"/>
+            <a:ext cx="3398085" cy="3398085"/>
+          </a:xfrm>
+          <a:prstGeom prst="rect">
+            <a:avLst/>
+          </a:prstGeom>
+        </p:spPr>
+      </p:pic>
+      <p:sp>
+        <p:nvSpPr>
+          <p:cNvPr id="44" name="Rectangle 43">
+            <a:extLst>
+              <a:ext uri="{FF2B5EF4-FFF2-40B4-BE49-F238E27FC236}">
+                <a16:creationId xmlns:a16="http://schemas.microsoft.com/office/drawing/2014/main" id="{E9EC3243-CA25-4485-A7FE-8B0141923844}"/>
+              </a:ext>
+              <a:ext uri="{C183D7F6-B498-43B3-948B-1728B52AA6E4}">
+                <adec:decorative xmlns:adec="http://schemas.microsoft.com/office/drawing/2017/decorative" val="1"/>
+              </a:ext>
+            </a:extLst>
+          </p:cNvPr>
+          <p:cNvSpPr>
+            <a:spLocks noGrp="1" noRot="1" noChangeAspect="1" noMove="1" noResize="1" noEditPoints="1" noAdjustHandles="1" noChangeArrowheads="1" noChangeShapeType="1" noTextEdit="1"/>
+          </p:cNvSpPr>
+          <p:nvPr>
+            <p:extLst>
+              <p:ext uri="{386F3935-93C4-4BCD-93E2-E3B085C9AB24}">
+                <p16:designElem xmlns:p16="http://schemas.microsoft.com/office/powerpoint/2015/main" val="1"/>
+              </p:ext>
+            </p:extLst>
+          </p:nvPr>
+        </p:nvSpPr>
+        <p:spPr>
+          <a:xfrm>
+            <a:off x="11908536" y="0"/>
+            <a:ext cx="283464" cy="6858000"/>
+          </a:xfrm>
+          <a:prstGeom prst="rect">
+            <a:avLst/>
+          </a:prstGeom>
+          <a:solidFill>
+            <a:schemeClr val="accent1"/>
+          </a:solidFill>
+          <a:ln>
+            <a:noFill/>
+          </a:ln>
+        </p:spPr>
+        <p:style>
+          <a:lnRef idx="2">
+            <a:schemeClr val="accent1">
+              <a:shade val="50000"/>
+            </a:schemeClr>
+          </a:lnRef>
+          <a:fillRef idx="1">
+            <a:schemeClr val="accent1"/>
+          </a:fillRef>
+          <a:effectRef idx="0">
+            <a:schemeClr val="accent1"/>
+          </a:effectRef>
+          <a:fontRef idx="minor">
+            <a:schemeClr val="lt1"/>
+          </a:fontRef>
+        </p:style>
+        <p:txBody>
+          <a:bodyPr/>
+          <a:lstStyle/>
+          <a:p>
+            <a:endParaRPr lang="pt-BR"/>
+          </a:p>
+        </p:txBody>
+      </p:sp>
+    </p:spTree>
+    <p:extLst>
+      <p:ext uri="{BB962C8B-B14F-4D97-AF65-F5344CB8AC3E}">
+        <p14:creationId xmlns:p14="http://schemas.microsoft.com/office/powerpoint/2010/main" val="3091378561"/>
+      </p:ext>
+    </p:extLst>
+  </p:cSld>
+  <p:clrMapOvr>
+    <a:masterClrMapping/>
+  </p:clrMapOvr>
+</p:sld>
+</file>
+
+<file path=ppt/slides/slide15.xml><?xml version="1.0" encoding="utf-8"?>
+<p:sld xmlns:a="http://schemas.openxmlformats.org/drawingml/2006/main" xmlns:r="http://schemas.openxmlformats.org/officeDocument/2006/relationships" xmlns:p="http://schemas.openxmlformats.org/presentationml/2006/main" showMasterSp="0">
+  <p:cSld>
+    <p:bg>
+      <p:bgPr>
+        <a:solidFill>
+          <a:schemeClr val="bg2">
+            <a:lumMod val="10000"/>
+          </a:schemeClr>
+        </a:solidFill>
+        <a:effectLst/>
+      </p:bgPr>
+    </p:bg>
+    <p:spTree>
+      <p:nvGrpSpPr>
+        <p:cNvPr id="1" name=""/>
+        <p:cNvGrpSpPr/>
+        <p:nvPr/>
+      </p:nvGrpSpPr>
+      <p:grpSpPr>
+        <a:xfrm>
+          <a:off x="0" y="0"/>
+          <a:ext cx="0" cy="0"/>
+          <a:chOff x="0" y="0"/>
+          <a:chExt cx="0" cy="0"/>
+        </a:xfrm>
+      </p:grpSpPr>
+      <p:sp>
+        <p:nvSpPr>
+          <p:cNvPr id="2" name="Título 1">
+            <a:extLst>
+              <a:ext uri="{FF2B5EF4-FFF2-40B4-BE49-F238E27FC236}">
+                <a16:creationId xmlns:a16="http://schemas.microsoft.com/office/drawing/2014/main" id="{83C6E063-9BFE-06CE-C9BC-5EE9CCAE3D29}"/>
+              </a:ext>
+            </a:extLst>
+          </p:cNvPr>
+          <p:cNvSpPr>
+            <a:spLocks noGrp="1"/>
+          </p:cNvSpPr>
+          <p:nvPr>
+            <p:ph type="title"/>
+          </p:nvPr>
+        </p:nvSpPr>
+        <p:spPr/>
+        <p:txBody>
+          <a:bodyPr/>
+          <a:lstStyle/>
+          <a:p>
+            <a:r>
+              <a:rPr lang="pt-BR" dirty="0"/>
+              <a:t>Aula 23</a:t>
+            </a:r>
+          </a:p>
+        </p:txBody>
+      </p:sp>
+      <p:pic>
+        <p:nvPicPr>
+          <p:cNvPr id="1026" name="Picture 2">
+            <a:extLst>
+              <a:ext uri="{FF2B5EF4-FFF2-40B4-BE49-F238E27FC236}">
+                <a16:creationId xmlns:a16="http://schemas.microsoft.com/office/drawing/2014/main" id="{BFCC1361-CFA5-41DC-9639-9812D7C04FC8}"/>
+              </a:ext>
+            </a:extLst>
+          </p:cNvPr>
+          <p:cNvPicPr>
+            <a:picLocks noChangeAspect="1" noChangeArrowheads="1"/>
+          </p:cNvPicPr>
+          <p:nvPr/>
+        </p:nvPicPr>
+        <p:blipFill>
+          <a:blip r:embed="rId2">
+            <a:extLst>
+              <a:ext uri="{28A0092B-C50C-407E-A947-70E740481C1C}">
+                <a14:useLocalDpi xmlns:a14="http://schemas.microsoft.com/office/drawing/2010/main" val="0"/>
+              </a:ext>
+            </a:extLst>
+          </a:blip>
+          <a:srcRect/>
+          <a:stretch>
+            <a:fillRect/>
+          </a:stretch>
+        </p:blipFill>
+        <p:spPr bwMode="auto">
+          <a:xfrm>
+            <a:off x="102198" y="20849"/>
+            <a:ext cx="659802" cy="723071"/>
+          </a:xfrm>
+          <a:prstGeom prst="rect">
+            <a:avLst/>
+          </a:prstGeom>
+          <a:noFill/>
+          <a:extLst>
+            <a:ext uri="{909E8E84-426E-40DD-AFC4-6F175D3DCCD1}">
+              <a14:hiddenFill xmlns:a14="http://schemas.microsoft.com/office/drawing/2010/main">
+                <a:solidFill>
+                  <a:srgbClr val="FFFFFF"/>
+                </a:solidFill>
+              </a14:hiddenFill>
+            </a:ext>
+          </a:extLst>
+        </p:spPr>
+      </p:pic>
+      <p:sp>
+        <p:nvSpPr>
+          <p:cNvPr id="5" name="CaixaDeTexto 4">
+            <a:extLst>
+              <a:ext uri="{FF2B5EF4-FFF2-40B4-BE49-F238E27FC236}">
+                <a16:creationId xmlns:a16="http://schemas.microsoft.com/office/drawing/2014/main" id="{849D9320-B69C-8828-19E3-ED245FA1212E}"/>
+              </a:ext>
+            </a:extLst>
+          </p:cNvPr>
+          <p:cNvSpPr txBox="1"/>
+          <p:nvPr/>
+        </p:nvSpPr>
+        <p:spPr>
+          <a:xfrm>
+            <a:off x="1251678" y="1583800"/>
+            <a:ext cx="6097554" cy="3970318"/>
+          </a:xfrm>
+          <a:prstGeom prst="rect">
+            <a:avLst/>
+          </a:prstGeom>
+          <a:noFill/>
+        </p:spPr>
+        <p:txBody>
+          <a:bodyPr wrap="square">
+            <a:spAutoFit/>
+          </a:bodyPr>
+          <a:lstStyle/>
+          <a:p>
+            <a:r>
+              <a:rPr lang="pt-BR" b="0" dirty="0">
+                <a:solidFill>
+                  <a:srgbClr val="606890"/>
+                </a:solidFill>
+                <a:effectLst/>
+                <a:highlight>
+                  <a:srgbClr val="1B1D28"/>
+                </a:highlight>
+                <a:latin typeface="Consolas" panose="020B0609020204030204" pitchFamily="49" charset="0"/>
+              </a:rPr>
+              <a:t># Valores </a:t>
+            </a:r>
+            <a:r>
+              <a:rPr lang="pt-BR" b="0" dirty="0" err="1">
+                <a:solidFill>
+                  <a:srgbClr val="606890"/>
+                </a:solidFill>
+                <a:effectLst/>
+                <a:highlight>
+                  <a:srgbClr val="1B1D28"/>
+                </a:highlight>
+                <a:latin typeface="Consolas" panose="020B0609020204030204" pitchFamily="49" charset="0"/>
+              </a:rPr>
+              <a:t>Truthy</a:t>
+            </a:r>
+            <a:r>
+              <a:rPr lang="pt-BR" b="0" dirty="0">
+                <a:solidFill>
+                  <a:srgbClr val="606890"/>
+                </a:solidFill>
+                <a:effectLst/>
+                <a:highlight>
+                  <a:srgbClr val="1B1D28"/>
+                </a:highlight>
+                <a:latin typeface="Consolas" panose="020B0609020204030204" pitchFamily="49" charset="0"/>
+              </a:rPr>
+              <a:t> e </a:t>
+            </a:r>
+            <a:r>
+              <a:rPr lang="pt-BR" b="0" dirty="0" err="1">
+                <a:solidFill>
+                  <a:srgbClr val="606890"/>
+                </a:solidFill>
+                <a:effectLst/>
+                <a:highlight>
+                  <a:srgbClr val="1B1D28"/>
+                </a:highlight>
+                <a:latin typeface="Consolas" panose="020B0609020204030204" pitchFamily="49" charset="0"/>
+              </a:rPr>
+              <a:t>Falsy</a:t>
+            </a:r>
+            <a:r>
+              <a:rPr lang="pt-BR" b="0" dirty="0">
+                <a:solidFill>
+                  <a:srgbClr val="606890"/>
+                </a:solidFill>
+                <a:effectLst/>
+                <a:highlight>
+                  <a:srgbClr val="1B1D28"/>
+                </a:highlight>
+                <a:latin typeface="Consolas" panose="020B0609020204030204" pitchFamily="49" charset="0"/>
+              </a:rPr>
+              <a:t>, Tipos Mutáveis e Imutáveis</a:t>
+            </a:r>
+            <a:endParaRPr lang="pt-BR" b="0" dirty="0">
+              <a:solidFill>
+                <a:srgbClr val="D1D4E0"/>
+              </a:solidFill>
+              <a:effectLst/>
+              <a:highlight>
+                <a:srgbClr val="1B1D28"/>
+              </a:highlight>
+              <a:latin typeface="Consolas" panose="020B0609020204030204" pitchFamily="49" charset="0"/>
+            </a:endParaRPr>
+          </a:p>
+          <a:p>
+            <a:r>
+              <a:rPr lang="pt-BR" b="0" dirty="0">
+                <a:solidFill>
+                  <a:srgbClr val="606890"/>
+                </a:solidFill>
+                <a:effectLst/>
+                <a:highlight>
+                  <a:srgbClr val="1B1D28"/>
+                </a:highlight>
+                <a:latin typeface="Consolas" panose="020B0609020204030204" pitchFamily="49" charset="0"/>
+              </a:rPr>
+              <a:t># Mutáveis [] {} set()</a:t>
+            </a:r>
+            <a:endParaRPr lang="pt-BR" b="0" dirty="0">
+              <a:solidFill>
+                <a:srgbClr val="D1D4E0"/>
+              </a:solidFill>
+              <a:effectLst/>
+              <a:highlight>
+                <a:srgbClr val="1B1D28"/>
+              </a:highlight>
+              <a:latin typeface="Consolas" panose="020B0609020204030204" pitchFamily="49" charset="0"/>
+            </a:endParaRPr>
+          </a:p>
+          <a:p>
+            <a:r>
+              <a:rPr lang="pt-BR" b="0" dirty="0">
+                <a:solidFill>
+                  <a:srgbClr val="606890"/>
+                </a:solidFill>
+                <a:effectLst/>
+                <a:highlight>
+                  <a:srgbClr val="1B1D28"/>
+                </a:highlight>
+                <a:latin typeface="Consolas" panose="020B0609020204030204" pitchFamily="49" charset="0"/>
+              </a:rPr>
+              <a:t># Imutáveis () "" 0 0.0 </a:t>
+            </a:r>
+            <a:r>
+              <a:rPr lang="pt-BR" b="0" dirty="0" err="1">
+                <a:solidFill>
+                  <a:srgbClr val="606890"/>
+                </a:solidFill>
+                <a:effectLst/>
+                <a:highlight>
+                  <a:srgbClr val="1B1D28"/>
+                </a:highlight>
+                <a:latin typeface="Consolas" panose="020B0609020204030204" pitchFamily="49" charset="0"/>
+              </a:rPr>
+              <a:t>None</a:t>
+            </a:r>
+            <a:r>
+              <a:rPr lang="pt-BR" b="0" dirty="0">
+                <a:solidFill>
+                  <a:srgbClr val="606890"/>
+                </a:solidFill>
+                <a:effectLst/>
+                <a:highlight>
+                  <a:srgbClr val="1B1D28"/>
+                </a:highlight>
+                <a:latin typeface="Consolas" panose="020B0609020204030204" pitchFamily="49" charset="0"/>
+              </a:rPr>
+              <a:t> False range(0, 10)</a:t>
+            </a:r>
+            <a:endParaRPr lang="pt-BR" b="0" dirty="0">
+              <a:solidFill>
+                <a:srgbClr val="D1D4E0"/>
+              </a:solidFill>
+              <a:effectLst/>
+              <a:highlight>
+                <a:srgbClr val="1B1D28"/>
+              </a:highlight>
+              <a:latin typeface="Consolas" panose="020B0609020204030204" pitchFamily="49" charset="0"/>
+            </a:endParaRPr>
+          </a:p>
+          <a:p>
+            <a:r>
+              <a:rPr lang="pt-BR" b="0" dirty="0">
+                <a:solidFill>
+                  <a:srgbClr val="D1D4E0"/>
+                </a:solidFill>
+                <a:effectLst/>
+                <a:highlight>
+                  <a:srgbClr val="1B1D28"/>
+                </a:highlight>
+                <a:latin typeface="Consolas" panose="020B0609020204030204" pitchFamily="49" charset="0"/>
+              </a:rPr>
+              <a:t>lista </a:t>
+            </a:r>
+            <a:r>
+              <a:rPr lang="pt-BR" b="0" dirty="0">
+                <a:solidFill>
+                  <a:srgbClr val="F269B9"/>
+                </a:solidFill>
+                <a:effectLst/>
+                <a:highlight>
+                  <a:srgbClr val="1B1D28"/>
+                </a:highlight>
+                <a:latin typeface="Consolas" panose="020B0609020204030204" pitchFamily="49" charset="0"/>
+              </a:rPr>
+              <a:t>=</a:t>
+            </a:r>
+            <a:r>
+              <a:rPr lang="pt-BR" b="0" dirty="0">
+                <a:solidFill>
+                  <a:srgbClr val="D1D4E0"/>
+                </a:solidFill>
+                <a:effectLst/>
+                <a:highlight>
+                  <a:srgbClr val="1B1D28"/>
+                </a:highlight>
+                <a:latin typeface="Consolas" panose="020B0609020204030204" pitchFamily="49" charset="0"/>
+              </a:rPr>
+              <a:t> []</a:t>
+            </a:r>
+          </a:p>
+          <a:p>
+            <a:r>
+              <a:rPr lang="pt-BR" b="0" dirty="0" err="1">
+                <a:solidFill>
+                  <a:srgbClr val="D1D4E0"/>
+                </a:solidFill>
+                <a:effectLst/>
+                <a:highlight>
+                  <a:srgbClr val="1B1D28"/>
+                </a:highlight>
+                <a:latin typeface="Consolas" panose="020B0609020204030204" pitchFamily="49" charset="0"/>
+              </a:rPr>
+              <a:t>dicionario</a:t>
+            </a:r>
+            <a:r>
+              <a:rPr lang="pt-BR" b="0" dirty="0">
+                <a:solidFill>
+                  <a:srgbClr val="D1D4E0"/>
+                </a:solidFill>
+                <a:effectLst/>
+                <a:highlight>
+                  <a:srgbClr val="1B1D28"/>
+                </a:highlight>
+                <a:latin typeface="Consolas" panose="020B0609020204030204" pitchFamily="49" charset="0"/>
+              </a:rPr>
+              <a:t> </a:t>
+            </a:r>
+            <a:r>
+              <a:rPr lang="pt-BR" b="0" dirty="0">
+                <a:solidFill>
+                  <a:srgbClr val="F269B9"/>
+                </a:solidFill>
+                <a:effectLst/>
+                <a:highlight>
+                  <a:srgbClr val="1B1D28"/>
+                </a:highlight>
+                <a:latin typeface="Consolas" panose="020B0609020204030204" pitchFamily="49" charset="0"/>
+              </a:rPr>
+              <a:t>=</a:t>
+            </a:r>
+            <a:r>
+              <a:rPr lang="pt-BR" b="0" dirty="0">
+                <a:solidFill>
+                  <a:srgbClr val="D1D4E0"/>
+                </a:solidFill>
+                <a:effectLst/>
+                <a:highlight>
+                  <a:srgbClr val="1B1D28"/>
+                </a:highlight>
+                <a:latin typeface="Consolas" panose="020B0609020204030204" pitchFamily="49" charset="0"/>
+              </a:rPr>
+              <a:t> {}</a:t>
+            </a:r>
+          </a:p>
+          <a:p>
+            <a:r>
+              <a:rPr lang="pt-BR" b="0" dirty="0">
+                <a:solidFill>
+                  <a:srgbClr val="D1D4E0"/>
+                </a:solidFill>
+                <a:effectLst/>
+                <a:highlight>
+                  <a:srgbClr val="1B1D28"/>
+                </a:highlight>
+                <a:latin typeface="Consolas" panose="020B0609020204030204" pitchFamily="49" charset="0"/>
+              </a:rPr>
+              <a:t>conjunto </a:t>
+            </a:r>
+            <a:r>
+              <a:rPr lang="pt-BR" b="0" dirty="0">
+                <a:solidFill>
+                  <a:srgbClr val="F269B9"/>
+                </a:solidFill>
+                <a:effectLst/>
+                <a:highlight>
+                  <a:srgbClr val="1B1D28"/>
+                </a:highlight>
+                <a:latin typeface="Consolas" panose="020B0609020204030204" pitchFamily="49" charset="0"/>
+              </a:rPr>
+              <a:t>=</a:t>
+            </a:r>
+            <a:r>
+              <a:rPr lang="pt-BR" b="0" dirty="0">
+                <a:solidFill>
+                  <a:srgbClr val="D1D4E0"/>
+                </a:solidFill>
+                <a:effectLst/>
+                <a:highlight>
+                  <a:srgbClr val="1B1D28"/>
+                </a:highlight>
+                <a:latin typeface="Consolas" panose="020B0609020204030204" pitchFamily="49" charset="0"/>
+              </a:rPr>
+              <a:t> </a:t>
+            </a:r>
+            <a:r>
+              <a:rPr lang="pt-BR" b="0" dirty="0">
+                <a:solidFill>
+                  <a:srgbClr val="7AD8EC"/>
+                </a:solidFill>
+                <a:effectLst/>
+                <a:highlight>
+                  <a:srgbClr val="1B1D28"/>
+                </a:highlight>
+                <a:latin typeface="Consolas" panose="020B0609020204030204" pitchFamily="49" charset="0"/>
+              </a:rPr>
+              <a:t>set</a:t>
+            </a:r>
+            <a:r>
+              <a:rPr lang="pt-BR" b="0" dirty="0">
+                <a:solidFill>
+                  <a:srgbClr val="D1D4E0"/>
+                </a:solidFill>
+                <a:effectLst/>
+                <a:highlight>
+                  <a:srgbClr val="1B1D28"/>
+                </a:highlight>
+                <a:latin typeface="Consolas" panose="020B0609020204030204" pitchFamily="49" charset="0"/>
+              </a:rPr>
+              <a:t>()</a:t>
+            </a:r>
+          </a:p>
+          <a:p>
+            <a:r>
+              <a:rPr lang="pt-BR" b="0" dirty="0">
+                <a:solidFill>
+                  <a:srgbClr val="D1D4E0"/>
+                </a:solidFill>
+                <a:effectLst/>
+                <a:highlight>
+                  <a:srgbClr val="1B1D28"/>
+                </a:highlight>
+                <a:latin typeface="Consolas" panose="020B0609020204030204" pitchFamily="49" charset="0"/>
+              </a:rPr>
+              <a:t>tupla </a:t>
+            </a:r>
+            <a:r>
+              <a:rPr lang="pt-BR" b="0" dirty="0">
+                <a:solidFill>
+                  <a:srgbClr val="F269B9"/>
+                </a:solidFill>
+                <a:effectLst/>
+                <a:highlight>
+                  <a:srgbClr val="1B1D28"/>
+                </a:highlight>
+                <a:latin typeface="Consolas" panose="020B0609020204030204" pitchFamily="49" charset="0"/>
+              </a:rPr>
+              <a:t>=</a:t>
+            </a:r>
+            <a:r>
+              <a:rPr lang="pt-BR" b="0" dirty="0">
+                <a:solidFill>
+                  <a:srgbClr val="D1D4E0"/>
+                </a:solidFill>
+                <a:effectLst/>
+                <a:highlight>
+                  <a:srgbClr val="1B1D28"/>
+                </a:highlight>
+                <a:latin typeface="Consolas" panose="020B0609020204030204" pitchFamily="49" charset="0"/>
+              </a:rPr>
+              <a:t> ()</a:t>
+            </a:r>
+          </a:p>
+          <a:p>
+            <a:r>
+              <a:rPr lang="pt-BR" b="0" dirty="0" err="1">
+                <a:solidFill>
+                  <a:srgbClr val="D1D4E0"/>
+                </a:solidFill>
+                <a:effectLst/>
+                <a:highlight>
+                  <a:srgbClr val="1B1D28"/>
+                </a:highlight>
+                <a:latin typeface="Consolas" panose="020B0609020204030204" pitchFamily="49" charset="0"/>
+              </a:rPr>
+              <a:t>string</a:t>
+            </a:r>
+            <a:r>
+              <a:rPr lang="pt-BR" b="0" dirty="0">
+                <a:solidFill>
+                  <a:srgbClr val="D1D4E0"/>
+                </a:solidFill>
+                <a:effectLst/>
+                <a:highlight>
+                  <a:srgbClr val="1B1D28"/>
+                </a:highlight>
+                <a:latin typeface="Consolas" panose="020B0609020204030204" pitchFamily="49" charset="0"/>
+              </a:rPr>
+              <a:t> </a:t>
+            </a:r>
+            <a:r>
+              <a:rPr lang="pt-BR" b="0" dirty="0">
+                <a:solidFill>
+                  <a:srgbClr val="F269B9"/>
+                </a:solidFill>
+                <a:effectLst/>
+                <a:highlight>
+                  <a:srgbClr val="1B1D28"/>
+                </a:highlight>
+                <a:latin typeface="Consolas" panose="020B0609020204030204" pitchFamily="49" charset="0"/>
+              </a:rPr>
+              <a:t>=</a:t>
+            </a:r>
+            <a:r>
+              <a:rPr lang="pt-BR" b="0" dirty="0">
+                <a:solidFill>
+                  <a:srgbClr val="D1D4E0"/>
+                </a:solidFill>
+                <a:effectLst/>
+                <a:highlight>
+                  <a:srgbClr val="1B1D28"/>
+                </a:highlight>
+                <a:latin typeface="Consolas" panose="020B0609020204030204" pitchFamily="49" charset="0"/>
+              </a:rPr>
+              <a:t> </a:t>
+            </a:r>
+            <a:r>
+              <a:rPr lang="pt-BR" b="0" dirty="0">
+                <a:solidFill>
+                  <a:srgbClr val="E0E97C"/>
+                </a:solidFill>
+                <a:effectLst/>
+                <a:highlight>
+                  <a:srgbClr val="1B1D28"/>
+                </a:highlight>
+                <a:latin typeface="Consolas" panose="020B0609020204030204" pitchFamily="49" charset="0"/>
+              </a:rPr>
+              <a:t>''</a:t>
+            </a:r>
+            <a:endParaRPr lang="pt-BR" b="0" dirty="0">
+              <a:solidFill>
+                <a:srgbClr val="D1D4E0"/>
+              </a:solidFill>
+              <a:effectLst/>
+              <a:highlight>
+                <a:srgbClr val="1B1D28"/>
+              </a:highlight>
+              <a:latin typeface="Consolas" panose="020B0609020204030204" pitchFamily="49" charset="0"/>
+            </a:endParaRPr>
+          </a:p>
+          <a:p>
+            <a:r>
+              <a:rPr lang="pt-BR" b="0" dirty="0" err="1">
+                <a:solidFill>
+                  <a:srgbClr val="D1D4E0"/>
+                </a:solidFill>
+                <a:effectLst/>
+                <a:highlight>
+                  <a:srgbClr val="1B1D28"/>
+                </a:highlight>
+                <a:latin typeface="Consolas" panose="020B0609020204030204" pitchFamily="49" charset="0"/>
+              </a:rPr>
+              <a:t>inteito</a:t>
+            </a:r>
+            <a:r>
+              <a:rPr lang="pt-BR" b="0" dirty="0">
+                <a:solidFill>
+                  <a:srgbClr val="D1D4E0"/>
+                </a:solidFill>
+                <a:effectLst/>
+                <a:highlight>
+                  <a:srgbClr val="1B1D28"/>
+                </a:highlight>
+                <a:latin typeface="Consolas" panose="020B0609020204030204" pitchFamily="49" charset="0"/>
+              </a:rPr>
+              <a:t> </a:t>
+            </a:r>
+            <a:r>
+              <a:rPr lang="pt-BR" b="0" dirty="0">
+                <a:solidFill>
+                  <a:srgbClr val="F269B9"/>
+                </a:solidFill>
+                <a:effectLst/>
+                <a:highlight>
+                  <a:srgbClr val="1B1D28"/>
+                </a:highlight>
+                <a:latin typeface="Consolas" panose="020B0609020204030204" pitchFamily="49" charset="0"/>
+              </a:rPr>
+              <a:t>=</a:t>
+            </a:r>
+            <a:r>
+              <a:rPr lang="pt-BR" b="0" dirty="0">
+                <a:solidFill>
+                  <a:srgbClr val="D1D4E0"/>
+                </a:solidFill>
+                <a:effectLst/>
+                <a:highlight>
+                  <a:srgbClr val="1B1D28"/>
+                </a:highlight>
+                <a:latin typeface="Consolas" panose="020B0609020204030204" pitchFamily="49" charset="0"/>
+              </a:rPr>
+              <a:t> </a:t>
+            </a:r>
+            <a:r>
+              <a:rPr lang="pt-BR" b="0" dirty="0">
+                <a:solidFill>
+                  <a:srgbClr val="AF86EB"/>
+                </a:solidFill>
+                <a:effectLst/>
+                <a:highlight>
+                  <a:srgbClr val="1B1D28"/>
+                </a:highlight>
+                <a:latin typeface="Consolas" panose="020B0609020204030204" pitchFamily="49" charset="0"/>
+              </a:rPr>
+              <a:t>0</a:t>
+            </a:r>
+            <a:endParaRPr lang="pt-BR" b="0" dirty="0">
+              <a:solidFill>
+                <a:srgbClr val="D1D4E0"/>
+              </a:solidFill>
+              <a:effectLst/>
+              <a:highlight>
+                <a:srgbClr val="1B1D28"/>
+              </a:highlight>
+              <a:latin typeface="Consolas" panose="020B0609020204030204" pitchFamily="49" charset="0"/>
+            </a:endParaRPr>
+          </a:p>
+          <a:p>
+            <a:r>
+              <a:rPr lang="pt-BR" b="0" dirty="0">
+                <a:solidFill>
+                  <a:srgbClr val="D1D4E0"/>
+                </a:solidFill>
+                <a:effectLst/>
+                <a:highlight>
+                  <a:srgbClr val="1B1D28"/>
+                </a:highlight>
+                <a:latin typeface="Consolas" panose="020B0609020204030204" pitchFamily="49" charset="0"/>
+              </a:rPr>
+              <a:t>flutuante </a:t>
+            </a:r>
+            <a:r>
+              <a:rPr lang="pt-BR" b="0" dirty="0">
+                <a:solidFill>
+                  <a:srgbClr val="F269B9"/>
+                </a:solidFill>
+                <a:effectLst/>
+                <a:highlight>
+                  <a:srgbClr val="1B1D28"/>
+                </a:highlight>
+                <a:latin typeface="Consolas" panose="020B0609020204030204" pitchFamily="49" charset="0"/>
+              </a:rPr>
+              <a:t>=</a:t>
+            </a:r>
+            <a:r>
+              <a:rPr lang="pt-BR" b="0" dirty="0">
+                <a:solidFill>
+                  <a:srgbClr val="D1D4E0"/>
+                </a:solidFill>
+                <a:effectLst/>
+                <a:highlight>
+                  <a:srgbClr val="1B1D28"/>
+                </a:highlight>
+                <a:latin typeface="Consolas" panose="020B0609020204030204" pitchFamily="49" charset="0"/>
+              </a:rPr>
+              <a:t> </a:t>
+            </a:r>
+            <a:r>
+              <a:rPr lang="pt-BR" b="0" dirty="0">
+                <a:solidFill>
+                  <a:srgbClr val="AF86EB"/>
+                </a:solidFill>
+                <a:effectLst/>
+                <a:highlight>
+                  <a:srgbClr val="1B1D28"/>
+                </a:highlight>
+                <a:latin typeface="Consolas" panose="020B0609020204030204" pitchFamily="49" charset="0"/>
+              </a:rPr>
+              <a:t>0.0</a:t>
+            </a:r>
+            <a:endParaRPr lang="pt-BR" b="0" dirty="0">
+              <a:solidFill>
+                <a:srgbClr val="D1D4E0"/>
+              </a:solidFill>
+              <a:effectLst/>
+              <a:highlight>
+                <a:srgbClr val="1B1D28"/>
+              </a:highlight>
+              <a:latin typeface="Consolas" panose="020B0609020204030204" pitchFamily="49" charset="0"/>
+            </a:endParaRPr>
+          </a:p>
+          <a:p>
+            <a:r>
+              <a:rPr lang="pt-BR" b="0" dirty="0">
+                <a:solidFill>
+                  <a:srgbClr val="D1D4E0"/>
+                </a:solidFill>
+                <a:effectLst/>
+                <a:highlight>
+                  <a:srgbClr val="1B1D28"/>
+                </a:highlight>
+                <a:latin typeface="Consolas" panose="020B0609020204030204" pitchFamily="49" charset="0"/>
+              </a:rPr>
+              <a:t>nada </a:t>
+            </a:r>
+            <a:r>
+              <a:rPr lang="pt-BR" b="0" dirty="0">
+                <a:solidFill>
+                  <a:srgbClr val="F269B9"/>
+                </a:solidFill>
+                <a:effectLst/>
+                <a:highlight>
+                  <a:srgbClr val="1B1D28"/>
+                </a:highlight>
+                <a:latin typeface="Consolas" panose="020B0609020204030204" pitchFamily="49" charset="0"/>
+              </a:rPr>
+              <a:t>=</a:t>
+            </a:r>
+            <a:r>
+              <a:rPr lang="pt-BR" b="0" dirty="0">
+                <a:solidFill>
+                  <a:srgbClr val="D1D4E0"/>
+                </a:solidFill>
+                <a:effectLst/>
+                <a:highlight>
+                  <a:srgbClr val="1B1D28"/>
+                </a:highlight>
+                <a:latin typeface="Consolas" panose="020B0609020204030204" pitchFamily="49" charset="0"/>
+              </a:rPr>
+              <a:t> </a:t>
+            </a:r>
+            <a:r>
+              <a:rPr lang="pt-BR" b="0" dirty="0" err="1">
+                <a:solidFill>
+                  <a:srgbClr val="AF86EB"/>
+                </a:solidFill>
+                <a:effectLst/>
+                <a:highlight>
+                  <a:srgbClr val="1B1D28"/>
+                </a:highlight>
+                <a:latin typeface="Consolas" panose="020B0609020204030204" pitchFamily="49" charset="0"/>
+              </a:rPr>
+              <a:t>None</a:t>
+            </a:r>
+            <a:endParaRPr lang="pt-BR" b="0" dirty="0">
+              <a:solidFill>
+                <a:srgbClr val="D1D4E0"/>
+              </a:solidFill>
+              <a:effectLst/>
+              <a:highlight>
+                <a:srgbClr val="1B1D28"/>
+              </a:highlight>
+              <a:latin typeface="Consolas" panose="020B0609020204030204" pitchFamily="49" charset="0"/>
+            </a:endParaRPr>
+          </a:p>
+          <a:p>
+            <a:r>
+              <a:rPr lang="pt-BR" b="0" dirty="0">
+                <a:solidFill>
+                  <a:srgbClr val="D1D4E0"/>
+                </a:solidFill>
+                <a:effectLst/>
+                <a:highlight>
+                  <a:srgbClr val="1B1D28"/>
+                </a:highlight>
+                <a:latin typeface="Consolas" panose="020B0609020204030204" pitchFamily="49" charset="0"/>
+              </a:rPr>
+              <a:t>falso </a:t>
+            </a:r>
+            <a:r>
+              <a:rPr lang="pt-BR" b="0" dirty="0">
+                <a:solidFill>
+                  <a:srgbClr val="F269B9"/>
+                </a:solidFill>
+                <a:effectLst/>
+                <a:highlight>
+                  <a:srgbClr val="1B1D28"/>
+                </a:highlight>
+                <a:latin typeface="Consolas" panose="020B0609020204030204" pitchFamily="49" charset="0"/>
+              </a:rPr>
+              <a:t>=</a:t>
+            </a:r>
+            <a:r>
+              <a:rPr lang="pt-BR" b="0" dirty="0">
+                <a:solidFill>
+                  <a:srgbClr val="D1D4E0"/>
+                </a:solidFill>
+                <a:effectLst/>
+                <a:highlight>
+                  <a:srgbClr val="1B1D28"/>
+                </a:highlight>
+                <a:latin typeface="Consolas" panose="020B0609020204030204" pitchFamily="49" charset="0"/>
+              </a:rPr>
+              <a:t> </a:t>
+            </a:r>
+            <a:r>
+              <a:rPr lang="pt-BR" b="0" dirty="0">
+                <a:solidFill>
+                  <a:srgbClr val="AF86EB"/>
+                </a:solidFill>
+                <a:effectLst/>
+                <a:highlight>
+                  <a:srgbClr val="1B1D28"/>
+                </a:highlight>
+                <a:latin typeface="Consolas" panose="020B0609020204030204" pitchFamily="49" charset="0"/>
+              </a:rPr>
+              <a:t>False</a:t>
+            </a:r>
+            <a:endParaRPr lang="pt-BR" b="0" dirty="0">
+              <a:solidFill>
+                <a:srgbClr val="D1D4E0"/>
+              </a:solidFill>
+              <a:effectLst/>
+              <a:highlight>
+                <a:srgbClr val="1B1D28"/>
+              </a:highlight>
+              <a:latin typeface="Consolas" panose="020B0609020204030204" pitchFamily="49" charset="0"/>
+            </a:endParaRPr>
+          </a:p>
+          <a:p>
+            <a:r>
+              <a:rPr lang="pt-BR" b="0" dirty="0">
+                <a:solidFill>
+                  <a:srgbClr val="D1D4E0"/>
+                </a:solidFill>
+                <a:effectLst/>
+                <a:highlight>
+                  <a:srgbClr val="1B1D28"/>
+                </a:highlight>
+                <a:latin typeface="Consolas" panose="020B0609020204030204" pitchFamily="49" charset="0"/>
+              </a:rPr>
+              <a:t>intervalo </a:t>
+            </a:r>
+            <a:r>
+              <a:rPr lang="pt-BR" b="0" dirty="0">
+                <a:solidFill>
+                  <a:srgbClr val="F269B9"/>
+                </a:solidFill>
+                <a:effectLst/>
+                <a:highlight>
+                  <a:srgbClr val="1B1D28"/>
+                </a:highlight>
+                <a:latin typeface="Consolas" panose="020B0609020204030204" pitchFamily="49" charset="0"/>
+              </a:rPr>
+              <a:t>=</a:t>
+            </a:r>
+            <a:r>
+              <a:rPr lang="pt-BR" b="0" dirty="0">
+                <a:solidFill>
+                  <a:srgbClr val="D1D4E0"/>
+                </a:solidFill>
+                <a:effectLst/>
+                <a:highlight>
+                  <a:srgbClr val="1B1D28"/>
+                </a:highlight>
+                <a:latin typeface="Consolas" panose="020B0609020204030204" pitchFamily="49" charset="0"/>
+              </a:rPr>
+              <a:t> </a:t>
+            </a:r>
+            <a:r>
+              <a:rPr lang="pt-BR" b="0" dirty="0">
+                <a:solidFill>
+                  <a:srgbClr val="7AD8EC"/>
+                </a:solidFill>
+                <a:effectLst/>
+                <a:highlight>
+                  <a:srgbClr val="1B1D28"/>
+                </a:highlight>
+                <a:latin typeface="Consolas" panose="020B0609020204030204" pitchFamily="49" charset="0"/>
+              </a:rPr>
+              <a:t>range</a:t>
+            </a:r>
+            <a:r>
+              <a:rPr lang="pt-BR" b="0" dirty="0">
+                <a:solidFill>
+                  <a:srgbClr val="D1D4E0"/>
+                </a:solidFill>
+                <a:effectLst/>
+                <a:highlight>
+                  <a:srgbClr val="1B1D28"/>
+                </a:highlight>
+                <a:latin typeface="Consolas" panose="020B0609020204030204" pitchFamily="49" charset="0"/>
+              </a:rPr>
+              <a:t>(</a:t>
+            </a:r>
+            <a:r>
+              <a:rPr lang="pt-BR" b="0" dirty="0">
+                <a:solidFill>
+                  <a:srgbClr val="AF86EB"/>
+                </a:solidFill>
+                <a:effectLst/>
+                <a:highlight>
+                  <a:srgbClr val="1B1D28"/>
+                </a:highlight>
+                <a:latin typeface="Consolas" panose="020B0609020204030204" pitchFamily="49" charset="0"/>
+              </a:rPr>
+              <a:t>0</a:t>
+            </a:r>
+            <a:r>
+              <a:rPr lang="pt-BR" b="0" dirty="0">
+                <a:solidFill>
+                  <a:srgbClr val="D1D4E0"/>
+                </a:solidFill>
+                <a:effectLst/>
+                <a:highlight>
+                  <a:srgbClr val="1B1D28"/>
+                </a:highlight>
+                <a:latin typeface="Consolas" panose="020B0609020204030204" pitchFamily="49" charset="0"/>
+              </a:rPr>
+              <a:t>)</a:t>
+            </a:r>
+          </a:p>
+        </p:txBody>
+      </p:sp>
+    </p:spTree>
+    <p:extLst>
+      <p:ext uri="{BB962C8B-B14F-4D97-AF65-F5344CB8AC3E}">
+        <p14:creationId xmlns:p14="http://schemas.microsoft.com/office/powerpoint/2010/main" val="2209604838"/>
+      </p:ext>
+    </p:extLst>
+  </p:cSld>
+  <p:clrMapOvr>
+    <a:masterClrMapping/>
+  </p:clrMapOvr>
+</p:sld>
+</file>
+
 <file path=ppt/slides/slide2.xml><?xml version="1.0" encoding="utf-8"?>
 <p:sld xmlns:a="http://schemas.openxmlformats.org/drawingml/2006/main" xmlns:r="http://schemas.openxmlformats.org/officeDocument/2006/relationships" xmlns:p="http://schemas.openxmlformats.org/presentationml/2006/main">
   <p:cSld>
@@ -11297,6 +17194,827 @@
     <p:extLst>
       <p:ext uri="{BB962C8B-B14F-4D97-AF65-F5344CB8AC3E}">
         <p14:creationId xmlns:p14="http://schemas.microsoft.com/office/powerpoint/2010/main" val="2095177267"/>
+      </p:ext>
+    </p:extLst>
+  </p:cSld>
+  <p:clrMapOvr>
+    <a:masterClrMapping/>
+  </p:clrMapOvr>
+</p:sld>
+</file>
+
+<file path=ppt/slides/slide9.xml><?xml version="1.0" encoding="utf-8"?>
+<p:sld xmlns:a="http://schemas.openxmlformats.org/drawingml/2006/main" xmlns:r="http://schemas.openxmlformats.org/officeDocument/2006/relationships" xmlns:p="http://schemas.openxmlformats.org/presentationml/2006/main">
+  <p:cSld>
+    <p:bg>
+      <p:bgPr>
+        <a:solidFill>
+          <a:schemeClr val="bg1"/>
+        </a:solidFill>
+        <a:effectLst/>
+      </p:bgPr>
+    </p:bg>
+    <p:spTree>
+      <p:nvGrpSpPr>
+        <p:cNvPr id="1" name=""/>
+        <p:cNvGrpSpPr/>
+        <p:nvPr/>
+      </p:nvGrpSpPr>
+      <p:grpSpPr>
+        <a:xfrm>
+          <a:off x="0" y="0"/>
+          <a:ext cx="0" cy="0"/>
+          <a:chOff x="0" y="0"/>
+          <a:chExt cx="0" cy="0"/>
+        </a:xfrm>
+      </p:grpSpPr>
+      <p:sp useBgFill="1">
+        <p:nvSpPr>
+          <p:cNvPr id="40" name="Rectangle 39">
+            <a:extLst>
+              <a:ext uri="{FF2B5EF4-FFF2-40B4-BE49-F238E27FC236}">
+                <a16:creationId xmlns:a16="http://schemas.microsoft.com/office/drawing/2014/main" id="{B89090F2-B101-458B-9AFF-27327443BB09}"/>
+              </a:ext>
+              <a:ext uri="{C183D7F6-B498-43B3-948B-1728B52AA6E4}">
+                <adec:decorative xmlns:adec="http://schemas.microsoft.com/office/drawing/2017/decorative" val="1"/>
+              </a:ext>
+            </a:extLst>
+          </p:cNvPr>
+          <p:cNvSpPr>
+            <a:spLocks noGrp="1" noRot="1" noChangeAspect="1" noMove="1" noResize="1" noEditPoints="1" noAdjustHandles="1" noChangeArrowheads="1" noChangeShapeType="1" noTextEdit="1"/>
+          </p:cNvSpPr>
+          <p:nvPr>
+            <p:extLst>
+              <p:ext uri="{386F3935-93C4-4BCD-93E2-E3B085C9AB24}">
+                <p16:designElem xmlns:p16="http://schemas.microsoft.com/office/powerpoint/2015/main" val="1"/>
+              </p:ext>
+            </p:extLst>
+          </p:nvPr>
+        </p:nvSpPr>
+        <p:spPr bwMode="white">
+          <a:xfrm>
+            <a:off x="0" y="0"/>
+            <a:ext cx="12192000" cy="6858000"/>
+          </a:xfrm>
+          <a:prstGeom prst="rect">
+            <a:avLst/>
+          </a:prstGeom>
+          <a:ln>
+            <a:noFill/>
+          </a:ln>
+        </p:spPr>
+        <p:style>
+          <a:lnRef idx="2">
+            <a:schemeClr val="accent1">
+              <a:shade val="50000"/>
+            </a:schemeClr>
+          </a:lnRef>
+          <a:fillRef idx="1">
+            <a:schemeClr val="accent1"/>
+          </a:fillRef>
+          <a:effectRef idx="0">
+            <a:schemeClr val="accent1"/>
+          </a:effectRef>
+          <a:fontRef idx="minor">
+            <a:schemeClr val="lt1"/>
+          </a:fontRef>
+        </p:style>
+        <p:txBody>
+          <a:bodyPr rot="0" spcFirstLastPara="0" vert="horz" wrap="square" lIns="91440" tIns="45720" rIns="91440" bIns="45720" numCol="1" spcCol="0" rtlCol="0" fromWordArt="0" anchor="ctr" anchorCtr="0" forceAA="0" compatLnSpc="1">
+            <a:prstTxWarp prst="textNoShape">
+              <a:avLst/>
+            </a:prstTxWarp>
+            <a:noAutofit/>
+          </a:bodyPr>
+          <a:lstStyle>
+            <a:defPPr>
+              <a:defRPr lang="en-US"/>
+            </a:defPPr>
+            <a:lvl1pPr marL="0" algn="l" defTabSz="914400" rtl="0" eaLnBrk="1" latinLnBrk="0" hangingPunct="1">
+              <a:defRPr sz="1800" kern="1200">
+                <a:solidFill>
+                  <a:schemeClr val="lt1"/>
+                </a:solidFill>
+                <a:latin typeface="+mn-lt"/>
+                <a:ea typeface="+mn-ea"/>
+                <a:cs typeface="+mn-cs"/>
+              </a:defRPr>
+            </a:lvl1pPr>
+            <a:lvl2pPr marL="457200" algn="l" defTabSz="914400" rtl="0" eaLnBrk="1" latinLnBrk="0" hangingPunct="1">
+              <a:defRPr sz="1800" kern="1200">
+                <a:solidFill>
+                  <a:schemeClr val="lt1"/>
+                </a:solidFill>
+                <a:latin typeface="+mn-lt"/>
+                <a:ea typeface="+mn-ea"/>
+                <a:cs typeface="+mn-cs"/>
+              </a:defRPr>
+            </a:lvl2pPr>
+            <a:lvl3pPr marL="914400" algn="l" defTabSz="914400" rtl="0" eaLnBrk="1" latinLnBrk="0" hangingPunct="1">
+              <a:defRPr sz="1800" kern="1200">
+                <a:solidFill>
+                  <a:schemeClr val="lt1"/>
+                </a:solidFill>
+                <a:latin typeface="+mn-lt"/>
+                <a:ea typeface="+mn-ea"/>
+                <a:cs typeface="+mn-cs"/>
+              </a:defRPr>
+            </a:lvl3pPr>
+            <a:lvl4pPr marL="1371600" algn="l" defTabSz="914400" rtl="0" eaLnBrk="1" latinLnBrk="0" hangingPunct="1">
+              <a:defRPr sz="1800" kern="1200">
+                <a:solidFill>
+                  <a:schemeClr val="lt1"/>
+                </a:solidFill>
+                <a:latin typeface="+mn-lt"/>
+                <a:ea typeface="+mn-ea"/>
+                <a:cs typeface="+mn-cs"/>
+              </a:defRPr>
+            </a:lvl4pPr>
+            <a:lvl5pPr marL="1828800" algn="l" defTabSz="914400" rtl="0" eaLnBrk="1" latinLnBrk="0" hangingPunct="1">
+              <a:defRPr sz="1800" kern="1200">
+                <a:solidFill>
+                  <a:schemeClr val="lt1"/>
+                </a:solidFill>
+                <a:latin typeface="+mn-lt"/>
+                <a:ea typeface="+mn-ea"/>
+                <a:cs typeface="+mn-cs"/>
+              </a:defRPr>
+            </a:lvl5pPr>
+            <a:lvl6pPr marL="2286000" algn="l" defTabSz="914400" rtl="0" eaLnBrk="1" latinLnBrk="0" hangingPunct="1">
+              <a:defRPr sz="1800" kern="1200">
+                <a:solidFill>
+                  <a:schemeClr val="lt1"/>
+                </a:solidFill>
+                <a:latin typeface="+mn-lt"/>
+                <a:ea typeface="+mn-ea"/>
+                <a:cs typeface="+mn-cs"/>
+              </a:defRPr>
+            </a:lvl6pPr>
+            <a:lvl7pPr marL="2743200" algn="l" defTabSz="914400" rtl="0" eaLnBrk="1" latinLnBrk="0" hangingPunct="1">
+              <a:defRPr sz="1800" kern="1200">
+                <a:solidFill>
+                  <a:schemeClr val="lt1"/>
+                </a:solidFill>
+                <a:latin typeface="+mn-lt"/>
+                <a:ea typeface="+mn-ea"/>
+                <a:cs typeface="+mn-cs"/>
+              </a:defRPr>
+            </a:lvl7pPr>
+            <a:lvl8pPr marL="3200400" algn="l" defTabSz="914400" rtl="0" eaLnBrk="1" latinLnBrk="0" hangingPunct="1">
+              <a:defRPr sz="1800" kern="1200">
+                <a:solidFill>
+                  <a:schemeClr val="lt1"/>
+                </a:solidFill>
+                <a:latin typeface="+mn-lt"/>
+                <a:ea typeface="+mn-ea"/>
+                <a:cs typeface="+mn-cs"/>
+              </a:defRPr>
+            </a:lvl8pPr>
+            <a:lvl9pPr marL="3657600" algn="l" defTabSz="914400" rtl="0" eaLnBrk="1" latinLnBrk="0" hangingPunct="1">
+              <a:defRPr sz="1800" kern="1200">
+                <a:solidFill>
+                  <a:schemeClr val="lt1"/>
+                </a:solidFill>
+                <a:latin typeface="+mn-lt"/>
+                <a:ea typeface="+mn-ea"/>
+                <a:cs typeface="+mn-cs"/>
+              </a:defRPr>
+            </a:lvl9pPr>
+          </a:lstStyle>
+          <a:p>
+            <a:pPr algn="ctr"/>
+            <a:endParaRPr lang="en-US"/>
+          </a:p>
+        </p:txBody>
+      </p:sp>
+      <p:sp>
+        <p:nvSpPr>
+          <p:cNvPr id="2" name="Título 1">
+            <a:extLst>
+              <a:ext uri="{FF2B5EF4-FFF2-40B4-BE49-F238E27FC236}">
+                <a16:creationId xmlns:a16="http://schemas.microsoft.com/office/drawing/2014/main" id="{9D4DFD27-ACA4-1794-D857-3BC7340744BA}"/>
+              </a:ext>
+            </a:extLst>
+          </p:cNvPr>
+          <p:cNvSpPr>
+            <a:spLocks noGrp="1"/>
+          </p:cNvSpPr>
+          <p:nvPr>
+            <p:ph type="ctrTitle"/>
+          </p:nvPr>
+        </p:nvSpPr>
+        <p:spPr>
+          <a:xfrm>
+            <a:off x="4639056" y="1235847"/>
+            <a:ext cx="6784847" cy="3325266"/>
+          </a:xfrm>
+        </p:spPr>
+        <p:txBody>
+          <a:bodyPr>
+            <a:normAutofit/>
+          </a:bodyPr>
+          <a:lstStyle/>
+          <a:p>
+            <a:r>
+              <a:rPr lang="pt-BR" sz="7200" dirty="0"/>
+              <a:t>Filtro</a:t>
+            </a:r>
+          </a:p>
+        </p:txBody>
+      </p:sp>
+      <p:sp>
+        <p:nvSpPr>
+          <p:cNvPr id="42" name="Freeform 6">
+            <a:extLst>
+              <a:ext uri="{FF2B5EF4-FFF2-40B4-BE49-F238E27FC236}">
+                <a16:creationId xmlns:a16="http://schemas.microsoft.com/office/drawing/2014/main" id="{526C103B-17BD-4B48-AB6F-0D9EF826AAC4}"/>
+              </a:ext>
+              <a:ext uri="{C183D7F6-B498-43B3-948B-1728B52AA6E4}">
+                <adec:decorative xmlns:adec="http://schemas.microsoft.com/office/drawing/2017/decorative" val="1"/>
+              </a:ext>
+            </a:extLst>
+          </p:cNvPr>
+          <p:cNvSpPr>
+            <a:spLocks noGrp="1" noRot="1" noChangeAspect="1" noMove="1" noResize="1" noEditPoints="1" noAdjustHandles="1" noChangeArrowheads="1" noChangeShapeType="1" noTextEdit="1"/>
+          </p:cNvSpPr>
+          <p:nvPr>
+            <p:extLst>
+              <p:ext uri="{386F3935-93C4-4BCD-93E2-E3B085C9AB24}">
+                <p16:designElem xmlns:p16="http://schemas.microsoft.com/office/powerpoint/2015/main" val="1"/>
+              </p:ext>
+            </p:extLst>
+          </p:nvPr>
+        </p:nvSpPr>
+        <p:spPr bwMode="auto">
+          <a:xfrm>
+            <a:off x="0" y="0"/>
+            <a:ext cx="885825" cy="6858000"/>
+          </a:xfrm>
+          <a:custGeom>
+            <a:avLst/>
+            <a:gdLst/>
+            <a:ahLst/>
+            <a:cxnLst/>
+            <a:rect l="0" t="0" r="r" b="b"/>
+            <a:pathLst>
+              <a:path w="558" h="4320">
+                <a:moveTo>
+                  <a:pt x="0" y="0"/>
+                </a:moveTo>
+                <a:lnTo>
+                  <a:pt x="447" y="0"/>
+                </a:lnTo>
+                <a:lnTo>
+                  <a:pt x="448" y="43"/>
+                </a:lnTo>
+                <a:lnTo>
+                  <a:pt x="453" y="81"/>
+                </a:lnTo>
+                <a:lnTo>
+                  <a:pt x="460" y="114"/>
+                </a:lnTo>
+                <a:lnTo>
+                  <a:pt x="469" y="143"/>
+                </a:lnTo>
+                <a:lnTo>
+                  <a:pt x="479" y="169"/>
+                </a:lnTo>
+                <a:lnTo>
+                  <a:pt x="491" y="192"/>
+                </a:lnTo>
+                <a:lnTo>
+                  <a:pt x="503" y="216"/>
+                </a:lnTo>
+                <a:lnTo>
+                  <a:pt x="515" y="240"/>
+                </a:lnTo>
+                <a:lnTo>
+                  <a:pt x="525" y="263"/>
+                </a:lnTo>
+                <a:lnTo>
+                  <a:pt x="535" y="289"/>
+                </a:lnTo>
+                <a:lnTo>
+                  <a:pt x="545" y="318"/>
+                </a:lnTo>
+                <a:lnTo>
+                  <a:pt x="552" y="351"/>
+                </a:lnTo>
+                <a:lnTo>
+                  <a:pt x="556" y="389"/>
+                </a:lnTo>
+                <a:lnTo>
+                  <a:pt x="558" y="432"/>
+                </a:lnTo>
+                <a:lnTo>
+                  <a:pt x="556" y="475"/>
+                </a:lnTo>
+                <a:lnTo>
+                  <a:pt x="552" y="513"/>
+                </a:lnTo>
+                <a:lnTo>
+                  <a:pt x="545" y="546"/>
+                </a:lnTo>
+                <a:lnTo>
+                  <a:pt x="535" y="575"/>
+                </a:lnTo>
+                <a:lnTo>
+                  <a:pt x="525" y="601"/>
+                </a:lnTo>
+                <a:lnTo>
+                  <a:pt x="515" y="624"/>
+                </a:lnTo>
+                <a:lnTo>
+                  <a:pt x="503" y="648"/>
+                </a:lnTo>
+                <a:lnTo>
+                  <a:pt x="491" y="672"/>
+                </a:lnTo>
+                <a:lnTo>
+                  <a:pt x="479" y="695"/>
+                </a:lnTo>
+                <a:lnTo>
+                  <a:pt x="469" y="721"/>
+                </a:lnTo>
+                <a:lnTo>
+                  <a:pt x="460" y="750"/>
+                </a:lnTo>
+                <a:lnTo>
+                  <a:pt x="453" y="783"/>
+                </a:lnTo>
+                <a:lnTo>
+                  <a:pt x="448" y="821"/>
+                </a:lnTo>
+                <a:lnTo>
+                  <a:pt x="447" y="864"/>
+                </a:lnTo>
+                <a:lnTo>
+                  <a:pt x="448" y="907"/>
+                </a:lnTo>
+                <a:lnTo>
+                  <a:pt x="453" y="945"/>
+                </a:lnTo>
+                <a:lnTo>
+                  <a:pt x="460" y="978"/>
+                </a:lnTo>
+                <a:lnTo>
+                  <a:pt x="469" y="1007"/>
+                </a:lnTo>
+                <a:lnTo>
+                  <a:pt x="479" y="1033"/>
+                </a:lnTo>
+                <a:lnTo>
+                  <a:pt x="491" y="1056"/>
+                </a:lnTo>
+                <a:lnTo>
+                  <a:pt x="503" y="1080"/>
+                </a:lnTo>
+                <a:lnTo>
+                  <a:pt x="515" y="1104"/>
+                </a:lnTo>
+                <a:lnTo>
+                  <a:pt x="525" y="1127"/>
+                </a:lnTo>
+                <a:lnTo>
+                  <a:pt x="535" y="1153"/>
+                </a:lnTo>
+                <a:lnTo>
+                  <a:pt x="545" y="1182"/>
+                </a:lnTo>
+                <a:lnTo>
+                  <a:pt x="552" y="1215"/>
+                </a:lnTo>
+                <a:lnTo>
+                  <a:pt x="556" y="1253"/>
+                </a:lnTo>
+                <a:lnTo>
+                  <a:pt x="558" y="1296"/>
+                </a:lnTo>
+                <a:lnTo>
+                  <a:pt x="556" y="1339"/>
+                </a:lnTo>
+                <a:lnTo>
+                  <a:pt x="552" y="1377"/>
+                </a:lnTo>
+                <a:lnTo>
+                  <a:pt x="545" y="1410"/>
+                </a:lnTo>
+                <a:lnTo>
+                  <a:pt x="535" y="1439"/>
+                </a:lnTo>
+                <a:lnTo>
+                  <a:pt x="525" y="1465"/>
+                </a:lnTo>
+                <a:lnTo>
+                  <a:pt x="515" y="1488"/>
+                </a:lnTo>
+                <a:lnTo>
+                  <a:pt x="503" y="1512"/>
+                </a:lnTo>
+                <a:lnTo>
+                  <a:pt x="491" y="1536"/>
+                </a:lnTo>
+                <a:lnTo>
+                  <a:pt x="479" y="1559"/>
+                </a:lnTo>
+                <a:lnTo>
+                  <a:pt x="469" y="1585"/>
+                </a:lnTo>
+                <a:lnTo>
+                  <a:pt x="460" y="1614"/>
+                </a:lnTo>
+                <a:lnTo>
+                  <a:pt x="453" y="1647"/>
+                </a:lnTo>
+                <a:lnTo>
+                  <a:pt x="448" y="1685"/>
+                </a:lnTo>
+                <a:lnTo>
+                  <a:pt x="447" y="1728"/>
+                </a:lnTo>
+                <a:lnTo>
+                  <a:pt x="448" y="1771"/>
+                </a:lnTo>
+                <a:lnTo>
+                  <a:pt x="453" y="1809"/>
+                </a:lnTo>
+                <a:lnTo>
+                  <a:pt x="460" y="1842"/>
+                </a:lnTo>
+                <a:lnTo>
+                  <a:pt x="469" y="1871"/>
+                </a:lnTo>
+                <a:lnTo>
+                  <a:pt x="479" y="1897"/>
+                </a:lnTo>
+                <a:lnTo>
+                  <a:pt x="491" y="1920"/>
+                </a:lnTo>
+                <a:lnTo>
+                  <a:pt x="503" y="1944"/>
+                </a:lnTo>
+                <a:lnTo>
+                  <a:pt x="515" y="1968"/>
+                </a:lnTo>
+                <a:lnTo>
+                  <a:pt x="525" y="1991"/>
+                </a:lnTo>
+                <a:lnTo>
+                  <a:pt x="535" y="2017"/>
+                </a:lnTo>
+                <a:lnTo>
+                  <a:pt x="545" y="2046"/>
+                </a:lnTo>
+                <a:lnTo>
+                  <a:pt x="552" y="2079"/>
+                </a:lnTo>
+                <a:lnTo>
+                  <a:pt x="556" y="2117"/>
+                </a:lnTo>
+                <a:lnTo>
+                  <a:pt x="558" y="2159"/>
+                </a:lnTo>
+                <a:lnTo>
+                  <a:pt x="556" y="2203"/>
+                </a:lnTo>
+                <a:lnTo>
+                  <a:pt x="552" y="2241"/>
+                </a:lnTo>
+                <a:lnTo>
+                  <a:pt x="545" y="2274"/>
+                </a:lnTo>
+                <a:lnTo>
+                  <a:pt x="535" y="2303"/>
+                </a:lnTo>
+                <a:lnTo>
+                  <a:pt x="525" y="2329"/>
+                </a:lnTo>
+                <a:lnTo>
+                  <a:pt x="515" y="2352"/>
+                </a:lnTo>
+                <a:lnTo>
+                  <a:pt x="503" y="2376"/>
+                </a:lnTo>
+                <a:lnTo>
+                  <a:pt x="491" y="2400"/>
+                </a:lnTo>
+                <a:lnTo>
+                  <a:pt x="479" y="2423"/>
+                </a:lnTo>
+                <a:lnTo>
+                  <a:pt x="469" y="2449"/>
+                </a:lnTo>
+                <a:lnTo>
+                  <a:pt x="460" y="2478"/>
+                </a:lnTo>
+                <a:lnTo>
+                  <a:pt x="453" y="2511"/>
+                </a:lnTo>
+                <a:lnTo>
+                  <a:pt x="448" y="2549"/>
+                </a:lnTo>
+                <a:lnTo>
+                  <a:pt x="447" y="2592"/>
+                </a:lnTo>
+                <a:lnTo>
+                  <a:pt x="448" y="2635"/>
+                </a:lnTo>
+                <a:lnTo>
+                  <a:pt x="453" y="2673"/>
+                </a:lnTo>
+                <a:lnTo>
+                  <a:pt x="460" y="2706"/>
+                </a:lnTo>
+                <a:lnTo>
+                  <a:pt x="469" y="2735"/>
+                </a:lnTo>
+                <a:lnTo>
+                  <a:pt x="479" y="2761"/>
+                </a:lnTo>
+                <a:lnTo>
+                  <a:pt x="491" y="2784"/>
+                </a:lnTo>
+                <a:lnTo>
+                  <a:pt x="515" y="2832"/>
+                </a:lnTo>
+                <a:lnTo>
+                  <a:pt x="525" y="2855"/>
+                </a:lnTo>
+                <a:lnTo>
+                  <a:pt x="535" y="2881"/>
+                </a:lnTo>
+                <a:lnTo>
+                  <a:pt x="545" y="2910"/>
+                </a:lnTo>
+                <a:lnTo>
+                  <a:pt x="552" y="2943"/>
+                </a:lnTo>
+                <a:lnTo>
+                  <a:pt x="556" y="2981"/>
+                </a:lnTo>
+                <a:lnTo>
+                  <a:pt x="558" y="3024"/>
+                </a:lnTo>
+                <a:lnTo>
+                  <a:pt x="556" y="3067"/>
+                </a:lnTo>
+                <a:lnTo>
+                  <a:pt x="552" y="3105"/>
+                </a:lnTo>
+                <a:lnTo>
+                  <a:pt x="545" y="3138"/>
+                </a:lnTo>
+                <a:lnTo>
+                  <a:pt x="535" y="3167"/>
+                </a:lnTo>
+                <a:lnTo>
+                  <a:pt x="525" y="3193"/>
+                </a:lnTo>
+                <a:lnTo>
+                  <a:pt x="515" y="3216"/>
+                </a:lnTo>
+                <a:lnTo>
+                  <a:pt x="503" y="3240"/>
+                </a:lnTo>
+                <a:lnTo>
+                  <a:pt x="491" y="3264"/>
+                </a:lnTo>
+                <a:lnTo>
+                  <a:pt x="479" y="3287"/>
+                </a:lnTo>
+                <a:lnTo>
+                  <a:pt x="469" y="3313"/>
+                </a:lnTo>
+                <a:lnTo>
+                  <a:pt x="460" y="3342"/>
+                </a:lnTo>
+                <a:lnTo>
+                  <a:pt x="453" y="3375"/>
+                </a:lnTo>
+                <a:lnTo>
+                  <a:pt x="448" y="3413"/>
+                </a:lnTo>
+                <a:lnTo>
+                  <a:pt x="447" y="3456"/>
+                </a:lnTo>
+                <a:lnTo>
+                  <a:pt x="448" y="3499"/>
+                </a:lnTo>
+                <a:lnTo>
+                  <a:pt x="453" y="3537"/>
+                </a:lnTo>
+                <a:lnTo>
+                  <a:pt x="460" y="3570"/>
+                </a:lnTo>
+                <a:lnTo>
+                  <a:pt x="469" y="3599"/>
+                </a:lnTo>
+                <a:lnTo>
+                  <a:pt x="479" y="3625"/>
+                </a:lnTo>
+                <a:lnTo>
+                  <a:pt x="491" y="3648"/>
+                </a:lnTo>
+                <a:lnTo>
+                  <a:pt x="503" y="3672"/>
+                </a:lnTo>
+                <a:lnTo>
+                  <a:pt x="515" y="3696"/>
+                </a:lnTo>
+                <a:lnTo>
+                  <a:pt x="525" y="3719"/>
+                </a:lnTo>
+                <a:lnTo>
+                  <a:pt x="535" y="3745"/>
+                </a:lnTo>
+                <a:lnTo>
+                  <a:pt x="545" y="3774"/>
+                </a:lnTo>
+                <a:lnTo>
+                  <a:pt x="552" y="3807"/>
+                </a:lnTo>
+                <a:lnTo>
+                  <a:pt x="556" y="3845"/>
+                </a:lnTo>
+                <a:lnTo>
+                  <a:pt x="558" y="3888"/>
+                </a:lnTo>
+                <a:lnTo>
+                  <a:pt x="556" y="3931"/>
+                </a:lnTo>
+                <a:lnTo>
+                  <a:pt x="552" y="3969"/>
+                </a:lnTo>
+                <a:lnTo>
+                  <a:pt x="545" y="4002"/>
+                </a:lnTo>
+                <a:lnTo>
+                  <a:pt x="535" y="4031"/>
+                </a:lnTo>
+                <a:lnTo>
+                  <a:pt x="525" y="4057"/>
+                </a:lnTo>
+                <a:lnTo>
+                  <a:pt x="515" y="4080"/>
+                </a:lnTo>
+                <a:lnTo>
+                  <a:pt x="503" y="4104"/>
+                </a:lnTo>
+                <a:lnTo>
+                  <a:pt x="491" y="4128"/>
+                </a:lnTo>
+                <a:lnTo>
+                  <a:pt x="479" y="4151"/>
+                </a:lnTo>
+                <a:lnTo>
+                  <a:pt x="469" y="4177"/>
+                </a:lnTo>
+                <a:lnTo>
+                  <a:pt x="460" y="4206"/>
+                </a:lnTo>
+                <a:lnTo>
+                  <a:pt x="453" y="4239"/>
+                </a:lnTo>
+                <a:lnTo>
+                  <a:pt x="448" y="4277"/>
+                </a:lnTo>
+                <a:lnTo>
+                  <a:pt x="447" y="4320"/>
+                </a:lnTo>
+                <a:lnTo>
+                  <a:pt x="0" y="4320"/>
+                </a:lnTo>
+                <a:lnTo>
+                  <a:pt x="0" y="0"/>
+                </a:lnTo>
+                <a:close/>
+              </a:path>
+            </a:pathLst>
+          </a:custGeom>
+          <a:solidFill>
+            <a:schemeClr val="tx2"/>
+          </a:solidFill>
+          <a:ln w="0">
+            <a:noFill/>
+            <a:prstDash val="solid"/>
+            <a:round/>
+            <a:headEnd/>
+            <a:tailEnd/>
+          </a:ln>
+        </p:spPr>
+        <p:txBody>
+          <a:bodyPr/>
+          <a:lstStyle/>
+          <a:p>
+            <a:endParaRPr lang="pt-BR"/>
+          </a:p>
+        </p:txBody>
+      </p:sp>
+      <p:pic>
+        <p:nvPicPr>
+          <p:cNvPr id="27" name="Graphic 26" descr="Programador">
+            <a:extLst>
+              <a:ext uri="{FF2B5EF4-FFF2-40B4-BE49-F238E27FC236}">
+                <a16:creationId xmlns:a16="http://schemas.microsoft.com/office/drawing/2014/main" id="{84ADACB3-6759-6202-E5E9-D8673D71ACD3}"/>
+              </a:ext>
+            </a:extLst>
+          </p:cNvPr>
+          <p:cNvPicPr>
+            <a:picLocks noChangeAspect="1"/>
+          </p:cNvPicPr>
+          <p:nvPr/>
+        </p:nvPicPr>
+        <p:blipFill>
+          <a:blip r:embed="rId2">
+            <a:extLst>
+              <a:ext uri="{28A0092B-C50C-407E-A947-70E740481C1C}">
+                <a14:useLocalDpi xmlns:a14="http://schemas.microsoft.com/office/drawing/2010/main" val="0"/>
+              </a:ext>
+              <a:ext uri="{96DAC541-7B7A-43D3-8B79-37D633B846F1}">
+                <asvg:svgBlip xmlns:asvg="http://schemas.microsoft.com/office/drawing/2016/SVG/main" r:embed="rId3"/>
+              </a:ext>
+            </a:extLst>
+          </a:blip>
+          <a:stretch>
+            <a:fillRect/>
+          </a:stretch>
+        </p:blipFill>
+        <p:spPr>
+          <a:xfrm>
+            <a:off x="1240971" y="1709603"/>
+            <a:ext cx="3398085" cy="3398085"/>
+          </a:xfrm>
+          <a:prstGeom prst="rect">
+            <a:avLst/>
+          </a:prstGeom>
+        </p:spPr>
+      </p:pic>
+      <p:sp>
+        <p:nvSpPr>
+          <p:cNvPr id="44" name="Rectangle 43">
+            <a:extLst>
+              <a:ext uri="{FF2B5EF4-FFF2-40B4-BE49-F238E27FC236}">
+                <a16:creationId xmlns:a16="http://schemas.microsoft.com/office/drawing/2014/main" id="{E9EC3243-CA25-4485-A7FE-8B0141923844}"/>
+              </a:ext>
+              <a:ext uri="{C183D7F6-B498-43B3-948B-1728B52AA6E4}">
+                <adec:decorative xmlns:adec="http://schemas.microsoft.com/office/drawing/2017/decorative" val="1"/>
+              </a:ext>
+            </a:extLst>
+          </p:cNvPr>
+          <p:cNvSpPr>
+            <a:spLocks noGrp="1" noRot="1" noChangeAspect="1" noMove="1" noResize="1" noEditPoints="1" noAdjustHandles="1" noChangeArrowheads="1" noChangeShapeType="1" noTextEdit="1"/>
+          </p:cNvSpPr>
+          <p:nvPr>
+            <p:extLst>
+              <p:ext uri="{386F3935-93C4-4BCD-93E2-E3B085C9AB24}">
+                <p16:designElem xmlns:p16="http://schemas.microsoft.com/office/powerpoint/2015/main" val="1"/>
+              </p:ext>
+            </p:extLst>
+          </p:nvPr>
+        </p:nvSpPr>
+        <p:spPr>
+          <a:xfrm>
+            <a:off x="11908536" y="0"/>
+            <a:ext cx="283464" cy="6858000"/>
+          </a:xfrm>
+          <a:prstGeom prst="rect">
+            <a:avLst/>
+          </a:prstGeom>
+          <a:solidFill>
+            <a:schemeClr val="accent1"/>
+          </a:solidFill>
+          <a:ln>
+            <a:noFill/>
+          </a:ln>
+        </p:spPr>
+        <p:style>
+          <a:lnRef idx="2">
+            <a:schemeClr val="accent1">
+              <a:shade val="50000"/>
+            </a:schemeClr>
+          </a:lnRef>
+          <a:fillRef idx="1">
+            <a:schemeClr val="accent1"/>
+          </a:fillRef>
+          <a:effectRef idx="0">
+            <a:schemeClr val="accent1"/>
+          </a:effectRef>
+          <a:fontRef idx="minor">
+            <a:schemeClr val="lt1"/>
+          </a:fontRef>
+        </p:style>
+        <p:txBody>
+          <a:bodyPr/>
+          <a:lstStyle/>
+          <a:p>
+            <a:endParaRPr lang="pt-BR"/>
+          </a:p>
+        </p:txBody>
+      </p:sp>
+    </p:spTree>
+    <p:extLst>
+      <p:ext uri="{BB962C8B-B14F-4D97-AF65-F5344CB8AC3E}">
+        <p14:creationId xmlns:p14="http://schemas.microsoft.com/office/powerpoint/2010/main" val="3870347742"/>
       </p:ext>
     </p:extLst>
   </p:cSld>

--- a/Python_Dev/Python Intermediário/Material Python/5 Lista/5- Lista.pptx
+++ b/Python_Dev/Python Intermediário/Material Python/5 Lista/5- Lista.pptx
@@ -20,6 +20,10 @@
     <p:sldId id="301" r:id="rId14"/>
     <p:sldId id="304" r:id="rId15"/>
     <p:sldId id="305" r:id="rId16"/>
+    <p:sldId id="306" r:id="rId17"/>
+    <p:sldId id="307" r:id="rId18"/>
+    <p:sldId id="308" r:id="rId19"/>
+    <p:sldId id="309" r:id="rId20"/>
   </p:sldIdLst>
   <p:sldSz cx="12192000" cy="6858000"/>
   <p:notesSz cx="6858000" cy="9144000"/>
@@ -1338,7 +1342,7 @@
             <a:fld id="{9334D819-9F07-4261-B09B-9E467E5D9002}" type="datetimeFigureOut">
               <a:rPr lang="en-US" dirty="0"/>
               <a:pPr/>
-              <a:t>6/8/2024</a:t>
+              <a:t>6/13/2024</a:t>
             </a:fld>
             <a:endParaRPr lang="en-US" dirty="0"/>
           </a:p>
@@ -1572,7 +1576,7 @@
           <a:p>
             <a:fld id="{9334D819-9F07-4261-B09B-9E467E5D9002}" type="datetimeFigureOut">
               <a:rPr lang="en-US" dirty="0"/>
-              <a:t>6/8/2024</a:t>
+              <a:t>6/13/2024</a:t>
             </a:fld>
             <a:endParaRPr lang="en-US" dirty="0"/>
           </a:p>
@@ -1747,7 +1751,7 @@
           <a:p>
             <a:fld id="{9334D819-9F07-4261-B09B-9E467E5D9002}" type="datetimeFigureOut">
               <a:rPr lang="en-US" dirty="0"/>
-              <a:t>6/8/2024</a:t>
+              <a:t>6/13/2024</a:t>
             </a:fld>
             <a:endParaRPr lang="en-US" dirty="0"/>
           </a:p>
@@ -1912,7 +1916,7 @@
           <a:p>
             <a:fld id="{9334D819-9F07-4261-B09B-9E467E5D9002}" type="datetimeFigureOut">
               <a:rPr lang="en-US" dirty="0"/>
-              <a:t>6/8/2024</a:t>
+              <a:t>6/13/2024</a:t>
             </a:fld>
             <a:endParaRPr lang="en-US" dirty="0"/>
           </a:p>
@@ -2184,7 +2188,7 @@
             <a:fld id="{9334D819-9F07-4261-B09B-9E467E5D9002}" type="datetimeFigureOut">
               <a:rPr lang="en-US" dirty="0"/>
               <a:pPr/>
-              <a:t>6/8/2024</a:t>
+              <a:t>6/13/2024</a:t>
             </a:fld>
             <a:endParaRPr lang="en-US" dirty="0"/>
           </a:p>
@@ -3381,7 +3385,7 @@
           <a:p>
             <a:fld id="{9334D819-9F07-4261-B09B-9E467E5D9002}" type="datetimeFigureOut">
               <a:rPr lang="en-US" dirty="0"/>
-              <a:t>6/8/2024</a:t>
+              <a:t>6/13/2024</a:t>
             </a:fld>
             <a:endParaRPr lang="en-US" dirty="0"/>
           </a:p>
@@ -3766,7 +3770,7 @@
           <a:p>
             <a:fld id="{9334D819-9F07-4261-B09B-9E467E5D9002}" type="datetimeFigureOut">
               <a:rPr lang="en-US" dirty="0"/>
-              <a:t>6/8/2024</a:t>
+              <a:t>6/13/2024</a:t>
             </a:fld>
             <a:endParaRPr lang="en-US" dirty="0"/>
           </a:p>
@@ -3884,7 +3888,7 @@
           <a:p>
             <a:fld id="{9334D819-9F07-4261-B09B-9E467E5D9002}" type="datetimeFigureOut">
               <a:rPr lang="en-US" dirty="0"/>
-              <a:t>6/8/2024</a:t>
+              <a:t>6/13/2024</a:t>
             </a:fld>
             <a:endParaRPr lang="en-US" dirty="0"/>
           </a:p>
@@ -3974,7 +3978,7 @@
           <a:p>
             <a:fld id="{9334D819-9F07-4261-B09B-9E467E5D9002}" type="datetimeFigureOut">
               <a:rPr lang="en-US" dirty="0"/>
-              <a:t>6/8/2024</a:t>
+              <a:t>6/13/2024</a:t>
             </a:fld>
             <a:endParaRPr lang="en-US" dirty="0"/>
           </a:p>
@@ -4732,7 +4736,7 @@
           <a:p>
             <a:fld id="{9334D819-9F07-4261-B09B-9E467E5D9002}" type="datetimeFigureOut">
               <a:rPr lang="en-US" dirty="0"/>
-              <a:t>6/8/2024</a:t>
+              <a:t>6/13/2024</a:t>
             </a:fld>
             <a:endParaRPr lang="en-US" dirty="0"/>
           </a:p>
@@ -5567,7 +5571,7 @@
           <a:p>
             <a:fld id="{9334D819-9F07-4261-B09B-9E467E5D9002}" type="datetimeFigureOut">
               <a:rPr lang="en-US" dirty="0"/>
-              <a:t>6/8/2024</a:t>
+              <a:t>6/13/2024</a:t>
             </a:fld>
             <a:endParaRPr lang="en-US" dirty="0"/>
           </a:p>
@@ -5790,7 +5794,7 @@
             <a:fld id="{9334D819-9F07-4261-B09B-9E467E5D9002}" type="datetimeFigureOut">
               <a:rPr lang="en-US" dirty="0"/>
               <a:pPr/>
-              <a:t>6/8/2024</a:t>
+              <a:t>6/13/2024</a:t>
             </a:fld>
             <a:endParaRPr lang="en-US" dirty="0"/>
           </a:p>
@@ -12789,6 +12793,2588 @@
 </p:sld>
 </file>
 
+<file path=ppt/slides/slide16.xml><?xml version="1.0" encoding="utf-8"?>
+<p:sld xmlns:a="http://schemas.openxmlformats.org/drawingml/2006/main" xmlns:r="http://schemas.openxmlformats.org/officeDocument/2006/relationships" xmlns:p="http://schemas.openxmlformats.org/presentationml/2006/main">
+  <p:cSld>
+    <p:bg>
+      <p:bgPr>
+        <a:solidFill>
+          <a:schemeClr val="bg1"/>
+        </a:solidFill>
+        <a:effectLst/>
+      </p:bgPr>
+    </p:bg>
+    <p:spTree>
+      <p:nvGrpSpPr>
+        <p:cNvPr id="1" name=""/>
+        <p:cNvGrpSpPr/>
+        <p:nvPr/>
+      </p:nvGrpSpPr>
+      <p:grpSpPr>
+        <a:xfrm>
+          <a:off x="0" y="0"/>
+          <a:ext cx="0" cy="0"/>
+          <a:chOff x="0" y="0"/>
+          <a:chExt cx="0" cy="0"/>
+        </a:xfrm>
+      </p:grpSpPr>
+      <p:sp useBgFill="1">
+        <p:nvSpPr>
+          <p:cNvPr id="40" name="Rectangle 39">
+            <a:extLst>
+              <a:ext uri="{FF2B5EF4-FFF2-40B4-BE49-F238E27FC236}">
+                <a16:creationId xmlns:a16="http://schemas.microsoft.com/office/drawing/2014/main" id="{B89090F2-B101-458B-9AFF-27327443BB09}"/>
+              </a:ext>
+              <a:ext uri="{C183D7F6-B498-43B3-948B-1728B52AA6E4}">
+                <adec:decorative xmlns:adec="http://schemas.microsoft.com/office/drawing/2017/decorative" val="1"/>
+              </a:ext>
+            </a:extLst>
+          </p:cNvPr>
+          <p:cNvSpPr>
+            <a:spLocks noGrp="1" noRot="1" noChangeAspect="1" noMove="1" noResize="1" noEditPoints="1" noAdjustHandles="1" noChangeArrowheads="1" noChangeShapeType="1" noTextEdit="1"/>
+          </p:cNvSpPr>
+          <p:nvPr>
+            <p:extLst>
+              <p:ext uri="{386F3935-93C4-4BCD-93E2-E3B085C9AB24}">
+                <p16:designElem xmlns:p16="http://schemas.microsoft.com/office/powerpoint/2015/main" val="1"/>
+              </p:ext>
+            </p:extLst>
+          </p:nvPr>
+        </p:nvSpPr>
+        <p:spPr bwMode="white">
+          <a:xfrm>
+            <a:off x="0" y="0"/>
+            <a:ext cx="12192000" cy="6858000"/>
+          </a:xfrm>
+          <a:prstGeom prst="rect">
+            <a:avLst/>
+          </a:prstGeom>
+          <a:ln>
+            <a:noFill/>
+          </a:ln>
+        </p:spPr>
+        <p:style>
+          <a:lnRef idx="2">
+            <a:schemeClr val="accent1">
+              <a:shade val="50000"/>
+            </a:schemeClr>
+          </a:lnRef>
+          <a:fillRef idx="1">
+            <a:schemeClr val="accent1"/>
+          </a:fillRef>
+          <a:effectRef idx="0">
+            <a:schemeClr val="accent1"/>
+          </a:effectRef>
+          <a:fontRef idx="minor">
+            <a:schemeClr val="lt1"/>
+          </a:fontRef>
+        </p:style>
+        <p:txBody>
+          <a:bodyPr rot="0" spcFirstLastPara="0" vert="horz" wrap="square" lIns="91440" tIns="45720" rIns="91440" bIns="45720" numCol="1" spcCol="0" rtlCol="0" fromWordArt="0" anchor="ctr" anchorCtr="0" forceAA="0" compatLnSpc="1">
+            <a:prstTxWarp prst="textNoShape">
+              <a:avLst/>
+            </a:prstTxWarp>
+            <a:noAutofit/>
+          </a:bodyPr>
+          <a:lstStyle>
+            <a:defPPr>
+              <a:defRPr lang="en-US"/>
+            </a:defPPr>
+            <a:lvl1pPr marL="0" algn="l" defTabSz="914400" rtl="0" eaLnBrk="1" latinLnBrk="0" hangingPunct="1">
+              <a:defRPr sz="1800" kern="1200">
+                <a:solidFill>
+                  <a:schemeClr val="lt1"/>
+                </a:solidFill>
+                <a:latin typeface="+mn-lt"/>
+                <a:ea typeface="+mn-ea"/>
+                <a:cs typeface="+mn-cs"/>
+              </a:defRPr>
+            </a:lvl1pPr>
+            <a:lvl2pPr marL="457200" algn="l" defTabSz="914400" rtl="0" eaLnBrk="1" latinLnBrk="0" hangingPunct="1">
+              <a:defRPr sz="1800" kern="1200">
+                <a:solidFill>
+                  <a:schemeClr val="lt1"/>
+                </a:solidFill>
+                <a:latin typeface="+mn-lt"/>
+                <a:ea typeface="+mn-ea"/>
+                <a:cs typeface="+mn-cs"/>
+              </a:defRPr>
+            </a:lvl2pPr>
+            <a:lvl3pPr marL="914400" algn="l" defTabSz="914400" rtl="0" eaLnBrk="1" latinLnBrk="0" hangingPunct="1">
+              <a:defRPr sz="1800" kern="1200">
+                <a:solidFill>
+                  <a:schemeClr val="lt1"/>
+                </a:solidFill>
+                <a:latin typeface="+mn-lt"/>
+                <a:ea typeface="+mn-ea"/>
+                <a:cs typeface="+mn-cs"/>
+              </a:defRPr>
+            </a:lvl3pPr>
+            <a:lvl4pPr marL="1371600" algn="l" defTabSz="914400" rtl="0" eaLnBrk="1" latinLnBrk="0" hangingPunct="1">
+              <a:defRPr sz="1800" kern="1200">
+                <a:solidFill>
+                  <a:schemeClr val="lt1"/>
+                </a:solidFill>
+                <a:latin typeface="+mn-lt"/>
+                <a:ea typeface="+mn-ea"/>
+                <a:cs typeface="+mn-cs"/>
+              </a:defRPr>
+            </a:lvl4pPr>
+            <a:lvl5pPr marL="1828800" algn="l" defTabSz="914400" rtl="0" eaLnBrk="1" latinLnBrk="0" hangingPunct="1">
+              <a:defRPr sz="1800" kern="1200">
+                <a:solidFill>
+                  <a:schemeClr val="lt1"/>
+                </a:solidFill>
+                <a:latin typeface="+mn-lt"/>
+                <a:ea typeface="+mn-ea"/>
+                <a:cs typeface="+mn-cs"/>
+              </a:defRPr>
+            </a:lvl5pPr>
+            <a:lvl6pPr marL="2286000" algn="l" defTabSz="914400" rtl="0" eaLnBrk="1" latinLnBrk="0" hangingPunct="1">
+              <a:defRPr sz="1800" kern="1200">
+                <a:solidFill>
+                  <a:schemeClr val="lt1"/>
+                </a:solidFill>
+                <a:latin typeface="+mn-lt"/>
+                <a:ea typeface="+mn-ea"/>
+                <a:cs typeface="+mn-cs"/>
+              </a:defRPr>
+            </a:lvl6pPr>
+            <a:lvl7pPr marL="2743200" algn="l" defTabSz="914400" rtl="0" eaLnBrk="1" latinLnBrk="0" hangingPunct="1">
+              <a:defRPr sz="1800" kern="1200">
+                <a:solidFill>
+                  <a:schemeClr val="lt1"/>
+                </a:solidFill>
+                <a:latin typeface="+mn-lt"/>
+                <a:ea typeface="+mn-ea"/>
+                <a:cs typeface="+mn-cs"/>
+              </a:defRPr>
+            </a:lvl7pPr>
+            <a:lvl8pPr marL="3200400" algn="l" defTabSz="914400" rtl="0" eaLnBrk="1" latinLnBrk="0" hangingPunct="1">
+              <a:defRPr sz="1800" kern="1200">
+                <a:solidFill>
+                  <a:schemeClr val="lt1"/>
+                </a:solidFill>
+                <a:latin typeface="+mn-lt"/>
+                <a:ea typeface="+mn-ea"/>
+                <a:cs typeface="+mn-cs"/>
+              </a:defRPr>
+            </a:lvl8pPr>
+            <a:lvl9pPr marL="3657600" algn="l" defTabSz="914400" rtl="0" eaLnBrk="1" latinLnBrk="0" hangingPunct="1">
+              <a:defRPr sz="1800" kern="1200">
+                <a:solidFill>
+                  <a:schemeClr val="lt1"/>
+                </a:solidFill>
+                <a:latin typeface="+mn-lt"/>
+                <a:ea typeface="+mn-ea"/>
+                <a:cs typeface="+mn-cs"/>
+              </a:defRPr>
+            </a:lvl9pPr>
+          </a:lstStyle>
+          <a:p>
+            <a:pPr algn="ctr"/>
+            <a:endParaRPr lang="en-US"/>
+          </a:p>
+        </p:txBody>
+      </p:sp>
+      <p:sp>
+        <p:nvSpPr>
+          <p:cNvPr id="2" name="Título 1">
+            <a:extLst>
+              <a:ext uri="{FF2B5EF4-FFF2-40B4-BE49-F238E27FC236}">
+                <a16:creationId xmlns:a16="http://schemas.microsoft.com/office/drawing/2014/main" id="{9D4DFD27-ACA4-1794-D857-3BC7340744BA}"/>
+              </a:ext>
+            </a:extLst>
+          </p:cNvPr>
+          <p:cNvSpPr>
+            <a:spLocks noGrp="1"/>
+          </p:cNvSpPr>
+          <p:nvPr>
+            <p:ph type="ctrTitle"/>
+          </p:nvPr>
+        </p:nvSpPr>
+        <p:spPr>
+          <a:xfrm>
+            <a:off x="4639056" y="1235847"/>
+            <a:ext cx="6784847" cy="3325266"/>
+          </a:xfrm>
+        </p:spPr>
+        <p:txBody>
+          <a:bodyPr>
+            <a:normAutofit/>
+          </a:bodyPr>
+          <a:lstStyle/>
+          <a:p>
+            <a:r>
+              <a:rPr lang="pt-BR" sz="7200" dirty="0"/>
+              <a:t>DIR, </a:t>
+            </a:r>
+            <a:r>
+              <a:rPr lang="pt-BR" sz="7200" dirty="0" err="1"/>
+              <a:t>Hasattr</a:t>
+            </a:r>
+            <a:r>
+              <a:rPr lang="pt-BR" sz="7200" dirty="0"/>
+              <a:t> E GETATTR</a:t>
+            </a:r>
+          </a:p>
+        </p:txBody>
+      </p:sp>
+      <p:sp>
+        <p:nvSpPr>
+          <p:cNvPr id="42" name="Freeform 6">
+            <a:extLst>
+              <a:ext uri="{FF2B5EF4-FFF2-40B4-BE49-F238E27FC236}">
+                <a16:creationId xmlns:a16="http://schemas.microsoft.com/office/drawing/2014/main" id="{526C103B-17BD-4B48-AB6F-0D9EF826AAC4}"/>
+              </a:ext>
+              <a:ext uri="{C183D7F6-B498-43B3-948B-1728B52AA6E4}">
+                <adec:decorative xmlns:adec="http://schemas.microsoft.com/office/drawing/2017/decorative" val="1"/>
+              </a:ext>
+            </a:extLst>
+          </p:cNvPr>
+          <p:cNvSpPr>
+            <a:spLocks noGrp="1" noRot="1" noChangeAspect="1" noMove="1" noResize="1" noEditPoints="1" noAdjustHandles="1" noChangeArrowheads="1" noChangeShapeType="1" noTextEdit="1"/>
+          </p:cNvSpPr>
+          <p:nvPr>
+            <p:extLst>
+              <p:ext uri="{386F3935-93C4-4BCD-93E2-E3B085C9AB24}">
+                <p16:designElem xmlns:p16="http://schemas.microsoft.com/office/powerpoint/2015/main" val="1"/>
+              </p:ext>
+            </p:extLst>
+          </p:nvPr>
+        </p:nvSpPr>
+        <p:spPr bwMode="auto">
+          <a:xfrm>
+            <a:off x="0" y="0"/>
+            <a:ext cx="885825" cy="6858000"/>
+          </a:xfrm>
+          <a:custGeom>
+            <a:avLst/>
+            <a:gdLst/>
+            <a:ahLst/>
+            <a:cxnLst/>
+            <a:rect l="0" t="0" r="r" b="b"/>
+            <a:pathLst>
+              <a:path w="558" h="4320">
+                <a:moveTo>
+                  <a:pt x="0" y="0"/>
+                </a:moveTo>
+                <a:lnTo>
+                  <a:pt x="447" y="0"/>
+                </a:lnTo>
+                <a:lnTo>
+                  <a:pt x="448" y="43"/>
+                </a:lnTo>
+                <a:lnTo>
+                  <a:pt x="453" y="81"/>
+                </a:lnTo>
+                <a:lnTo>
+                  <a:pt x="460" y="114"/>
+                </a:lnTo>
+                <a:lnTo>
+                  <a:pt x="469" y="143"/>
+                </a:lnTo>
+                <a:lnTo>
+                  <a:pt x="479" y="169"/>
+                </a:lnTo>
+                <a:lnTo>
+                  <a:pt x="491" y="192"/>
+                </a:lnTo>
+                <a:lnTo>
+                  <a:pt x="503" y="216"/>
+                </a:lnTo>
+                <a:lnTo>
+                  <a:pt x="515" y="240"/>
+                </a:lnTo>
+                <a:lnTo>
+                  <a:pt x="525" y="263"/>
+                </a:lnTo>
+                <a:lnTo>
+                  <a:pt x="535" y="289"/>
+                </a:lnTo>
+                <a:lnTo>
+                  <a:pt x="545" y="318"/>
+                </a:lnTo>
+                <a:lnTo>
+                  <a:pt x="552" y="351"/>
+                </a:lnTo>
+                <a:lnTo>
+                  <a:pt x="556" y="389"/>
+                </a:lnTo>
+                <a:lnTo>
+                  <a:pt x="558" y="432"/>
+                </a:lnTo>
+                <a:lnTo>
+                  <a:pt x="556" y="475"/>
+                </a:lnTo>
+                <a:lnTo>
+                  <a:pt x="552" y="513"/>
+                </a:lnTo>
+                <a:lnTo>
+                  <a:pt x="545" y="546"/>
+                </a:lnTo>
+                <a:lnTo>
+                  <a:pt x="535" y="575"/>
+                </a:lnTo>
+                <a:lnTo>
+                  <a:pt x="525" y="601"/>
+                </a:lnTo>
+                <a:lnTo>
+                  <a:pt x="515" y="624"/>
+                </a:lnTo>
+                <a:lnTo>
+                  <a:pt x="503" y="648"/>
+                </a:lnTo>
+                <a:lnTo>
+                  <a:pt x="491" y="672"/>
+                </a:lnTo>
+                <a:lnTo>
+                  <a:pt x="479" y="695"/>
+                </a:lnTo>
+                <a:lnTo>
+                  <a:pt x="469" y="721"/>
+                </a:lnTo>
+                <a:lnTo>
+                  <a:pt x="460" y="750"/>
+                </a:lnTo>
+                <a:lnTo>
+                  <a:pt x="453" y="783"/>
+                </a:lnTo>
+                <a:lnTo>
+                  <a:pt x="448" y="821"/>
+                </a:lnTo>
+                <a:lnTo>
+                  <a:pt x="447" y="864"/>
+                </a:lnTo>
+                <a:lnTo>
+                  <a:pt x="448" y="907"/>
+                </a:lnTo>
+                <a:lnTo>
+                  <a:pt x="453" y="945"/>
+                </a:lnTo>
+                <a:lnTo>
+                  <a:pt x="460" y="978"/>
+                </a:lnTo>
+                <a:lnTo>
+                  <a:pt x="469" y="1007"/>
+                </a:lnTo>
+                <a:lnTo>
+                  <a:pt x="479" y="1033"/>
+                </a:lnTo>
+                <a:lnTo>
+                  <a:pt x="491" y="1056"/>
+                </a:lnTo>
+                <a:lnTo>
+                  <a:pt x="503" y="1080"/>
+                </a:lnTo>
+                <a:lnTo>
+                  <a:pt x="515" y="1104"/>
+                </a:lnTo>
+                <a:lnTo>
+                  <a:pt x="525" y="1127"/>
+                </a:lnTo>
+                <a:lnTo>
+                  <a:pt x="535" y="1153"/>
+                </a:lnTo>
+                <a:lnTo>
+                  <a:pt x="545" y="1182"/>
+                </a:lnTo>
+                <a:lnTo>
+                  <a:pt x="552" y="1215"/>
+                </a:lnTo>
+                <a:lnTo>
+                  <a:pt x="556" y="1253"/>
+                </a:lnTo>
+                <a:lnTo>
+                  <a:pt x="558" y="1296"/>
+                </a:lnTo>
+                <a:lnTo>
+                  <a:pt x="556" y="1339"/>
+                </a:lnTo>
+                <a:lnTo>
+                  <a:pt x="552" y="1377"/>
+                </a:lnTo>
+                <a:lnTo>
+                  <a:pt x="545" y="1410"/>
+                </a:lnTo>
+                <a:lnTo>
+                  <a:pt x="535" y="1439"/>
+                </a:lnTo>
+                <a:lnTo>
+                  <a:pt x="525" y="1465"/>
+                </a:lnTo>
+                <a:lnTo>
+                  <a:pt x="515" y="1488"/>
+                </a:lnTo>
+                <a:lnTo>
+                  <a:pt x="503" y="1512"/>
+                </a:lnTo>
+                <a:lnTo>
+                  <a:pt x="491" y="1536"/>
+                </a:lnTo>
+                <a:lnTo>
+                  <a:pt x="479" y="1559"/>
+                </a:lnTo>
+                <a:lnTo>
+                  <a:pt x="469" y="1585"/>
+                </a:lnTo>
+                <a:lnTo>
+                  <a:pt x="460" y="1614"/>
+                </a:lnTo>
+                <a:lnTo>
+                  <a:pt x="453" y="1647"/>
+                </a:lnTo>
+                <a:lnTo>
+                  <a:pt x="448" y="1685"/>
+                </a:lnTo>
+                <a:lnTo>
+                  <a:pt x="447" y="1728"/>
+                </a:lnTo>
+                <a:lnTo>
+                  <a:pt x="448" y="1771"/>
+                </a:lnTo>
+                <a:lnTo>
+                  <a:pt x="453" y="1809"/>
+                </a:lnTo>
+                <a:lnTo>
+                  <a:pt x="460" y="1842"/>
+                </a:lnTo>
+                <a:lnTo>
+                  <a:pt x="469" y="1871"/>
+                </a:lnTo>
+                <a:lnTo>
+                  <a:pt x="479" y="1897"/>
+                </a:lnTo>
+                <a:lnTo>
+                  <a:pt x="491" y="1920"/>
+                </a:lnTo>
+                <a:lnTo>
+                  <a:pt x="503" y="1944"/>
+                </a:lnTo>
+                <a:lnTo>
+                  <a:pt x="515" y="1968"/>
+                </a:lnTo>
+                <a:lnTo>
+                  <a:pt x="525" y="1991"/>
+                </a:lnTo>
+                <a:lnTo>
+                  <a:pt x="535" y="2017"/>
+                </a:lnTo>
+                <a:lnTo>
+                  <a:pt x="545" y="2046"/>
+                </a:lnTo>
+                <a:lnTo>
+                  <a:pt x="552" y="2079"/>
+                </a:lnTo>
+                <a:lnTo>
+                  <a:pt x="556" y="2117"/>
+                </a:lnTo>
+                <a:lnTo>
+                  <a:pt x="558" y="2159"/>
+                </a:lnTo>
+                <a:lnTo>
+                  <a:pt x="556" y="2203"/>
+                </a:lnTo>
+                <a:lnTo>
+                  <a:pt x="552" y="2241"/>
+                </a:lnTo>
+                <a:lnTo>
+                  <a:pt x="545" y="2274"/>
+                </a:lnTo>
+                <a:lnTo>
+                  <a:pt x="535" y="2303"/>
+                </a:lnTo>
+                <a:lnTo>
+                  <a:pt x="525" y="2329"/>
+                </a:lnTo>
+                <a:lnTo>
+                  <a:pt x="515" y="2352"/>
+                </a:lnTo>
+                <a:lnTo>
+                  <a:pt x="503" y="2376"/>
+                </a:lnTo>
+                <a:lnTo>
+                  <a:pt x="491" y="2400"/>
+                </a:lnTo>
+                <a:lnTo>
+                  <a:pt x="479" y="2423"/>
+                </a:lnTo>
+                <a:lnTo>
+                  <a:pt x="469" y="2449"/>
+                </a:lnTo>
+                <a:lnTo>
+                  <a:pt x="460" y="2478"/>
+                </a:lnTo>
+                <a:lnTo>
+                  <a:pt x="453" y="2511"/>
+                </a:lnTo>
+                <a:lnTo>
+                  <a:pt x="448" y="2549"/>
+                </a:lnTo>
+                <a:lnTo>
+                  <a:pt x="447" y="2592"/>
+                </a:lnTo>
+                <a:lnTo>
+                  <a:pt x="448" y="2635"/>
+                </a:lnTo>
+                <a:lnTo>
+                  <a:pt x="453" y="2673"/>
+                </a:lnTo>
+                <a:lnTo>
+                  <a:pt x="460" y="2706"/>
+                </a:lnTo>
+                <a:lnTo>
+                  <a:pt x="469" y="2735"/>
+                </a:lnTo>
+                <a:lnTo>
+                  <a:pt x="479" y="2761"/>
+                </a:lnTo>
+                <a:lnTo>
+                  <a:pt x="491" y="2784"/>
+                </a:lnTo>
+                <a:lnTo>
+                  <a:pt x="515" y="2832"/>
+                </a:lnTo>
+                <a:lnTo>
+                  <a:pt x="525" y="2855"/>
+                </a:lnTo>
+                <a:lnTo>
+                  <a:pt x="535" y="2881"/>
+                </a:lnTo>
+                <a:lnTo>
+                  <a:pt x="545" y="2910"/>
+                </a:lnTo>
+                <a:lnTo>
+                  <a:pt x="552" y="2943"/>
+                </a:lnTo>
+                <a:lnTo>
+                  <a:pt x="556" y="2981"/>
+                </a:lnTo>
+                <a:lnTo>
+                  <a:pt x="558" y="3024"/>
+                </a:lnTo>
+                <a:lnTo>
+                  <a:pt x="556" y="3067"/>
+                </a:lnTo>
+                <a:lnTo>
+                  <a:pt x="552" y="3105"/>
+                </a:lnTo>
+                <a:lnTo>
+                  <a:pt x="545" y="3138"/>
+                </a:lnTo>
+                <a:lnTo>
+                  <a:pt x="535" y="3167"/>
+                </a:lnTo>
+                <a:lnTo>
+                  <a:pt x="525" y="3193"/>
+                </a:lnTo>
+                <a:lnTo>
+                  <a:pt x="515" y="3216"/>
+                </a:lnTo>
+                <a:lnTo>
+                  <a:pt x="503" y="3240"/>
+                </a:lnTo>
+                <a:lnTo>
+                  <a:pt x="491" y="3264"/>
+                </a:lnTo>
+                <a:lnTo>
+                  <a:pt x="479" y="3287"/>
+                </a:lnTo>
+                <a:lnTo>
+                  <a:pt x="469" y="3313"/>
+                </a:lnTo>
+                <a:lnTo>
+                  <a:pt x="460" y="3342"/>
+                </a:lnTo>
+                <a:lnTo>
+                  <a:pt x="453" y="3375"/>
+                </a:lnTo>
+                <a:lnTo>
+                  <a:pt x="448" y="3413"/>
+                </a:lnTo>
+                <a:lnTo>
+                  <a:pt x="447" y="3456"/>
+                </a:lnTo>
+                <a:lnTo>
+                  <a:pt x="448" y="3499"/>
+                </a:lnTo>
+                <a:lnTo>
+                  <a:pt x="453" y="3537"/>
+                </a:lnTo>
+                <a:lnTo>
+                  <a:pt x="460" y="3570"/>
+                </a:lnTo>
+                <a:lnTo>
+                  <a:pt x="469" y="3599"/>
+                </a:lnTo>
+                <a:lnTo>
+                  <a:pt x="479" y="3625"/>
+                </a:lnTo>
+                <a:lnTo>
+                  <a:pt x="491" y="3648"/>
+                </a:lnTo>
+                <a:lnTo>
+                  <a:pt x="503" y="3672"/>
+                </a:lnTo>
+                <a:lnTo>
+                  <a:pt x="515" y="3696"/>
+                </a:lnTo>
+                <a:lnTo>
+                  <a:pt x="525" y="3719"/>
+                </a:lnTo>
+                <a:lnTo>
+                  <a:pt x="535" y="3745"/>
+                </a:lnTo>
+                <a:lnTo>
+                  <a:pt x="545" y="3774"/>
+                </a:lnTo>
+                <a:lnTo>
+                  <a:pt x="552" y="3807"/>
+                </a:lnTo>
+                <a:lnTo>
+                  <a:pt x="556" y="3845"/>
+                </a:lnTo>
+                <a:lnTo>
+                  <a:pt x="558" y="3888"/>
+                </a:lnTo>
+                <a:lnTo>
+                  <a:pt x="556" y="3931"/>
+                </a:lnTo>
+                <a:lnTo>
+                  <a:pt x="552" y="3969"/>
+                </a:lnTo>
+                <a:lnTo>
+                  <a:pt x="545" y="4002"/>
+                </a:lnTo>
+                <a:lnTo>
+                  <a:pt x="535" y="4031"/>
+                </a:lnTo>
+                <a:lnTo>
+                  <a:pt x="525" y="4057"/>
+                </a:lnTo>
+                <a:lnTo>
+                  <a:pt x="515" y="4080"/>
+                </a:lnTo>
+                <a:lnTo>
+                  <a:pt x="503" y="4104"/>
+                </a:lnTo>
+                <a:lnTo>
+                  <a:pt x="491" y="4128"/>
+                </a:lnTo>
+                <a:lnTo>
+                  <a:pt x="479" y="4151"/>
+                </a:lnTo>
+                <a:lnTo>
+                  <a:pt x="469" y="4177"/>
+                </a:lnTo>
+                <a:lnTo>
+                  <a:pt x="460" y="4206"/>
+                </a:lnTo>
+                <a:lnTo>
+                  <a:pt x="453" y="4239"/>
+                </a:lnTo>
+                <a:lnTo>
+                  <a:pt x="448" y="4277"/>
+                </a:lnTo>
+                <a:lnTo>
+                  <a:pt x="447" y="4320"/>
+                </a:lnTo>
+                <a:lnTo>
+                  <a:pt x="0" y="4320"/>
+                </a:lnTo>
+                <a:lnTo>
+                  <a:pt x="0" y="0"/>
+                </a:lnTo>
+                <a:close/>
+              </a:path>
+            </a:pathLst>
+          </a:custGeom>
+          <a:solidFill>
+            <a:schemeClr val="tx2"/>
+          </a:solidFill>
+          <a:ln w="0">
+            <a:noFill/>
+            <a:prstDash val="solid"/>
+            <a:round/>
+            <a:headEnd/>
+            <a:tailEnd/>
+          </a:ln>
+        </p:spPr>
+        <p:txBody>
+          <a:bodyPr/>
+          <a:lstStyle/>
+          <a:p>
+            <a:endParaRPr lang="pt-BR"/>
+          </a:p>
+        </p:txBody>
+      </p:sp>
+      <p:pic>
+        <p:nvPicPr>
+          <p:cNvPr id="27" name="Graphic 26" descr="Programador">
+            <a:extLst>
+              <a:ext uri="{FF2B5EF4-FFF2-40B4-BE49-F238E27FC236}">
+                <a16:creationId xmlns:a16="http://schemas.microsoft.com/office/drawing/2014/main" id="{84ADACB3-6759-6202-E5E9-D8673D71ACD3}"/>
+              </a:ext>
+            </a:extLst>
+          </p:cNvPr>
+          <p:cNvPicPr>
+            <a:picLocks noChangeAspect="1"/>
+          </p:cNvPicPr>
+          <p:nvPr/>
+        </p:nvPicPr>
+        <p:blipFill>
+          <a:blip r:embed="rId2">
+            <a:extLst>
+              <a:ext uri="{28A0092B-C50C-407E-A947-70E740481C1C}">
+                <a14:useLocalDpi xmlns:a14="http://schemas.microsoft.com/office/drawing/2010/main" val="0"/>
+              </a:ext>
+              <a:ext uri="{96DAC541-7B7A-43D3-8B79-37D633B846F1}">
+                <asvg:svgBlip xmlns:asvg="http://schemas.microsoft.com/office/drawing/2016/SVG/main" r:embed="rId3"/>
+              </a:ext>
+            </a:extLst>
+          </a:blip>
+          <a:stretch>
+            <a:fillRect/>
+          </a:stretch>
+        </p:blipFill>
+        <p:spPr>
+          <a:xfrm>
+            <a:off x="1240971" y="1709603"/>
+            <a:ext cx="3398085" cy="3398085"/>
+          </a:xfrm>
+          <a:prstGeom prst="rect">
+            <a:avLst/>
+          </a:prstGeom>
+        </p:spPr>
+      </p:pic>
+      <p:sp>
+        <p:nvSpPr>
+          <p:cNvPr id="44" name="Rectangle 43">
+            <a:extLst>
+              <a:ext uri="{FF2B5EF4-FFF2-40B4-BE49-F238E27FC236}">
+                <a16:creationId xmlns:a16="http://schemas.microsoft.com/office/drawing/2014/main" id="{E9EC3243-CA25-4485-A7FE-8B0141923844}"/>
+              </a:ext>
+              <a:ext uri="{C183D7F6-B498-43B3-948B-1728B52AA6E4}">
+                <adec:decorative xmlns:adec="http://schemas.microsoft.com/office/drawing/2017/decorative" val="1"/>
+              </a:ext>
+            </a:extLst>
+          </p:cNvPr>
+          <p:cNvSpPr>
+            <a:spLocks noGrp="1" noRot="1" noChangeAspect="1" noMove="1" noResize="1" noEditPoints="1" noAdjustHandles="1" noChangeArrowheads="1" noChangeShapeType="1" noTextEdit="1"/>
+          </p:cNvSpPr>
+          <p:nvPr>
+            <p:extLst>
+              <p:ext uri="{386F3935-93C4-4BCD-93E2-E3B085C9AB24}">
+                <p16:designElem xmlns:p16="http://schemas.microsoft.com/office/powerpoint/2015/main" val="1"/>
+              </p:ext>
+            </p:extLst>
+          </p:nvPr>
+        </p:nvSpPr>
+        <p:spPr>
+          <a:xfrm>
+            <a:off x="11908536" y="0"/>
+            <a:ext cx="283464" cy="6858000"/>
+          </a:xfrm>
+          <a:prstGeom prst="rect">
+            <a:avLst/>
+          </a:prstGeom>
+          <a:solidFill>
+            <a:schemeClr val="accent1"/>
+          </a:solidFill>
+          <a:ln>
+            <a:noFill/>
+          </a:ln>
+        </p:spPr>
+        <p:style>
+          <a:lnRef idx="2">
+            <a:schemeClr val="accent1">
+              <a:shade val="50000"/>
+            </a:schemeClr>
+          </a:lnRef>
+          <a:fillRef idx="1">
+            <a:schemeClr val="accent1"/>
+          </a:fillRef>
+          <a:effectRef idx="0">
+            <a:schemeClr val="accent1"/>
+          </a:effectRef>
+          <a:fontRef idx="minor">
+            <a:schemeClr val="lt1"/>
+          </a:fontRef>
+        </p:style>
+        <p:txBody>
+          <a:bodyPr/>
+          <a:lstStyle/>
+          <a:p>
+            <a:endParaRPr lang="pt-BR"/>
+          </a:p>
+        </p:txBody>
+      </p:sp>
+      <p:sp>
+        <p:nvSpPr>
+          <p:cNvPr id="4" name="CaixaDeTexto 3">
+            <a:extLst>
+              <a:ext uri="{FF2B5EF4-FFF2-40B4-BE49-F238E27FC236}">
+                <a16:creationId xmlns:a16="http://schemas.microsoft.com/office/drawing/2014/main" id="{8041174B-C52B-4EFC-C271-BA673EC8D761}"/>
+              </a:ext>
+            </a:extLst>
+          </p:cNvPr>
+          <p:cNvSpPr txBox="1"/>
+          <p:nvPr/>
+        </p:nvSpPr>
+        <p:spPr>
+          <a:xfrm>
+            <a:off x="4982702" y="5405052"/>
+            <a:ext cx="6097554" cy="923330"/>
+          </a:xfrm>
+          <a:prstGeom prst="rect">
+            <a:avLst/>
+          </a:prstGeom>
+          <a:noFill/>
+        </p:spPr>
+        <p:txBody>
+          <a:bodyPr wrap="square">
+            <a:spAutoFit/>
+          </a:bodyPr>
+          <a:lstStyle/>
+          <a:p>
+            <a:pPr algn="ctr"/>
+            <a:r>
+              <a:rPr lang="pt-BR" b="1" dirty="0">
+                <a:solidFill>
+                  <a:schemeClr val="tx2"/>
+                </a:solidFill>
+              </a:rPr>
+              <a:t>São particularmente útil quando você não tem certeza sobre a estrutura dos objetos em tempo de escrita do código.</a:t>
+            </a:r>
+          </a:p>
+        </p:txBody>
+      </p:sp>
+    </p:spTree>
+    <p:extLst>
+      <p:ext uri="{BB962C8B-B14F-4D97-AF65-F5344CB8AC3E}">
+        <p14:creationId xmlns:p14="http://schemas.microsoft.com/office/powerpoint/2010/main" val="2695659481"/>
+      </p:ext>
+    </p:extLst>
+  </p:cSld>
+  <p:clrMapOvr>
+    <a:masterClrMapping/>
+  </p:clrMapOvr>
+</p:sld>
+</file>
+
+<file path=ppt/slides/slide17.xml><?xml version="1.0" encoding="utf-8"?>
+<p:sld xmlns:a="http://schemas.openxmlformats.org/drawingml/2006/main" xmlns:r="http://schemas.openxmlformats.org/officeDocument/2006/relationships" xmlns:p="http://schemas.openxmlformats.org/presentationml/2006/main">
+  <p:cSld>
+    <p:bg>
+      <p:bgPr>
+        <a:solidFill>
+          <a:schemeClr val="bg1">
+            <a:tint val="95000"/>
+            <a:satMod val="170000"/>
+          </a:schemeClr>
+        </a:solidFill>
+        <a:effectLst/>
+      </p:bgPr>
+    </p:bg>
+    <p:spTree>
+      <p:nvGrpSpPr>
+        <p:cNvPr id="1" name=""/>
+        <p:cNvGrpSpPr/>
+        <p:nvPr/>
+      </p:nvGrpSpPr>
+      <p:grpSpPr>
+        <a:xfrm>
+          <a:off x="0" y="0"/>
+          <a:ext cx="0" cy="0"/>
+          <a:chOff x="0" y="0"/>
+          <a:chExt cx="0" cy="0"/>
+        </a:xfrm>
+      </p:grpSpPr>
+      <p:sp useBgFill="1">
+        <p:nvSpPr>
+          <p:cNvPr id="8" name="Rectangle 7">
+            <a:extLst>
+              <a:ext uri="{FF2B5EF4-FFF2-40B4-BE49-F238E27FC236}">
+                <a16:creationId xmlns:a16="http://schemas.microsoft.com/office/drawing/2014/main" id="{CFC012A5-170D-4B0F-A916-A8EE2C6CE94A}"/>
+              </a:ext>
+              <a:ext uri="{C183D7F6-B498-43B3-948B-1728B52AA6E4}">
+                <adec:decorative xmlns:adec="http://schemas.microsoft.com/office/drawing/2017/decorative" val="1"/>
+              </a:ext>
+            </a:extLst>
+          </p:cNvPr>
+          <p:cNvSpPr>
+            <a:spLocks noGrp="1" noRot="1" noChangeAspect="1" noMove="1" noResize="1" noEditPoints="1" noAdjustHandles="1" noChangeArrowheads="1" noChangeShapeType="1" noTextEdit="1"/>
+          </p:cNvSpPr>
+          <p:nvPr>
+            <p:extLst>
+              <p:ext uri="{386F3935-93C4-4BCD-93E2-E3B085C9AB24}">
+                <p16:designElem xmlns:p16="http://schemas.microsoft.com/office/powerpoint/2015/main" val="1"/>
+              </p:ext>
+            </p:extLst>
+          </p:nvPr>
+        </p:nvSpPr>
+        <p:spPr>
+          <a:xfrm>
+            <a:off x="0" y="0"/>
+            <a:ext cx="12192000" cy="6858000"/>
+          </a:xfrm>
+          <a:prstGeom prst="rect">
+            <a:avLst/>
+          </a:prstGeom>
+          <a:ln>
+            <a:noFill/>
+          </a:ln>
+        </p:spPr>
+        <p:style>
+          <a:lnRef idx="2">
+            <a:schemeClr val="accent1">
+              <a:shade val="50000"/>
+            </a:schemeClr>
+          </a:lnRef>
+          <a:fillRef idx="1">
+            <a:schemeClr val="accent1"/>
+          </a:fillRef>
+          <a:effectRef idx="0">
+            <a:schemeClr val="accent1"/>
+          </a:effectRef>
+          <a:fontRef idx="minor">
+            <a:schemeClr val="lt1"/>
+          </a:fontRef>
+        </p:style>
+        <p:txBody>
+          <a:bodyPr rtlCol="0" anchor="ctr"/>
+          <a:lstStyle/>
+          <a:p>
+            <a:pPr algn="ctr"/>
+            <a:endParaRPr lang="en-US"/>
+          </a:p>
+        </p:txBody>
+      </p:sp>
+      <p:sp>
+        <p:nvSpPr>
+          <p:cNvPr id="10" name="Rectangle 9">
+            <a:extLst>
+              <a:ext uri="{FF2B5EF4-FFF2-40B4-BE49-F238E27FC236}">
+                <a16:creationId xmlns:a16="http://schemas.microsoft.com/office/drawing/2014/main" id="{37F40654-5E8C-468A-9596-50927AF198AB}"/>
+              </a:ext>
+              <a:ext uri="{C183D7F6-B498-43B3-948B-1728B52AA6E4}">
+                <adec:decorative xmlns:adec="http://schemas.microsoft.com/office/drawing/2017/decorative" val="1"/>
+              </a:ext>
+            </a:extLst>
+          </p:cNvPr>
+          <p:cNvSpPr>
+            <a:spLocks noGrp="1" noRot="1" noChangeAspect="1" noMove="1" noResize="1" noEditPoints="1" noAdjustHandles="1" noChangeArrowheads="1" noChangeShapeType="1" noTextEdit="1"/>
+          </p:cNvSpPr>
+          <p:nvPr>
+            <p:extLst>
+              <p:ext uri="{386F3935-93C4-4BCD-93E2-E3B085C9AB24}">
+                <p16:designElem xmlns:p16="http://schemas.microsoft.com/office/powerpoint/2015/main" val="1"/>
+              </p:ext>
+            </p:extLst>
+          </p:nvPr>
+        </p:nvSpPr>
+        <p:spPr>
+          <a:xfrm>
+            <a:off x="0" y="0"/>
+            <a:ext cx="3345981" cy="6858000"/>
+          </a:xfrm>
+          <a:prstGeom prst="rect">
+            <a:avLst/>
+          </a:prstGeom>
+          <a:solidFill>
+            <a:schemeClr val="accent1"/>
+          </a:solidFill>
+          <a:ln>
+            <a:noFill/>
+          </a:ln>
+        </p:spPr>
+        <p:style>
+          <a:lnRef idx="2">
+            <a:schemeClr val="accent1">
+              <a:shade val="50000"/>
+            </a:schemeClr>
+          </a:lnRef>
+          <a:fillRef idx="1">
+            <a:schemeClr val="accent1"/>
+          </a:fillRef>
+          <a:effectRef idx="0">
+            <a:schemeClr val="accent1"/>
+          </a:effectRef>
+          <a:fontRef idx="minor">
+            <a:schemeClr val="lt1"/>
+          </a:fontRef>
+        </p:style>
+        <p:txBody>
+          <a:bodyPr rtlCol="0" anchor="ctr"/>
+          <a:lstStyle/>
+          <a:p>
+            <a:pPr algn="ctr"/>
+            <a:endParaRPr lang="en-US"/>
+          </a:p>
+        </p:txBody>
+      </p:sp>
+      <p:sp>
+        <p:nvSpPr>
+          <p:cNvPr id="2" name="Título 1">
+            <a:extLst>
+              <a:ext uri="{FF2B5EF4-FFF2-40B4-BE49-F238E27FC236}">
+                <a16:creationId xmlns:a16="http://schemas.microsoft.com/office/drawing/2014/main" id="{D21C56AC-69C0-9250-ABFF-EEDEB609601F}"/>
+              </a:ext>
+            </a:extLst>
+          </p:cNvPr>
+          <p:cNvSpPr>
+            <a:spLocks noGrp="1"/>
+          </p:cNvSpPr>
+          <p:nvPr>
+            <p:ph type="title"/>
+          </p:nvPr>
+        </p:nvSpPr>
+        <p:spPr>
+          <a:xfrm>
+            <a:off x="762001" y="1354945"/>
+            <a:ext cx="2304578" cy="4148110"/>
+          </a:xfrm>
+        </p:spPr>
+        <p:txBody>
+          <a:bodyPr anchor="ctr">
+            <a:normAutofit/>
+          </a:bodyPr>
+          <a:lstStyle/>
+          <a:p>
+            <a:r>
+              <a:rPr lang="pt-BR" sz="2800" dirty="0" err="1">
+                <a:solidFill>
+                  <a:srgbClr val="2A1A00"/>
+                </a:solidFill>
+              </a:rPr>
+              <a:t>dir</a:t>
+            </a:r>
+            <a:endParaRPr lang="pt-BR" sz="2800" dirty="0">
+              <a:solidFill>
+                <a:srgbClr val="2A1A00"/>
+              </a:solidFill>
+            </a:endParaRPr>
+          </a:p>
+        </p:txBody>
+      </p:sp>
+      <p:sp>
+        <p:nvSpPr>
+          <p:cNvPr id="12" name="Rectangle 11">
+            <a:extLst>
+              <a:ext uri="{FF2B5EF4-FFF2-40B4-BE49-F238E27FC236}">
+                <a16:creationId xmlns:a16="http://schemas.microsoft.com/office/drawing/2014/main" id="{50B1BD4A-8DE6-4266-9C27-59260F938ED8}"/>
+              </a:ext>
+              <a:ext uri="{C183D7F6-B498-43B3-948B-1728B52AA6E4}">
+                <adec:decorative xmlns:adec="http://schemas.microsoft.com/office/drawing/2017/decorative" val="1"/>
+              </a:ext>
+            </a:extLst>
+          </p:cNvPr>
+          <p:cNvSpPr>
+            <a:spLocks noGrp="1" noRot="1" noChangeAspect="1" noMove="1" noResize="1" noEditPoints="1" noAdjustHandles="1" noChangeArrowheads="1" noChangeShapeType="1" noTextEdit="1"/>
+          </p:cNvSpPr>
+          <p:nvPr>
+            <p:extLst>
+              <p:ext uri="{386F3935-93C4-4BCD-93E2-E3B085C9AB24}">
+                <p16:designElem xmlns:p16="http://schemas.microsoft.com/office/powerpoint/2015/main" val="1"/>
+              </p:ext>
+            </p:extLst>
+          </p:nvPr>
+        </p:nvSpPr>
+        <p:spPr>
+          <a:xfrm>
+            <a:off x="0" y="0"/>
+            <a:ext cx="643467" cy="6858000"/>
+          </a:xfrm>
+          <a:prstGeom prst="rect">
+            <a:avLst/>
+          </a:prstGeom>
+          <a:solidFill>
+            <a:schemeClr val="accent1">
+              <a:lumMod val="75000"/>
+            </a:schemeClr>
+          </a:solidFill>
+          <a:ln>
+            <a:noFill/>
+          </a:ln>
+        </p:spPr>
+        <p:style>
+          <a:lnRef idx="2">
+            <a:schemeClr val="accent1">
+              <a:shade val="50000"/>
+            </a:schemeClr>
+          </a:lnRef>
+          <a:fillRef idx="1003">
+            <a:schemeClr val="lt1"/>
+          </a:fillRef>
+          <a:effectRef idx="0">
+            <a:schemeClr val="accent1"/>
+          </a:effectRef>
+          <a:fontRef idx="minor">
+            <a:schemeClr val="lt1"/>
+          </a:fontRef>
+        </p:style>
+        <p:txBody>
+          <a:bodyPr rtlCol="0" anchor="ctr"/>
+          <a:lstStyle/>
+          <a:p>
+            <a:pPr algn="ctr"/>
+            <a:endParaRPr lang="en-US">
+              <a:solidFill>
+                <a:schemeClr val="accent2"/>
+              </a:solidFill>
+            </a:endParaRPr>
+          </a:p>
+        </p:txBody>
+      </p:sp>
+      <p:sp>
+        <p:nvSpPr>
+          <p:cNvPr id="3" name="Espaço Reservado para Conteúdo 2">
+            <a:extLst>
+              <a:ext uri="{FF2B5EF4-FFF2-40B4-BE49-F238E27FC236}">
+                <a16:creationId xmlns:a16="http://schemas.microsoft.com/office/drawing/2014/main" id="{ADC7C2F9-6024-503C-CFEE-48C4893DD35F}"/>
+              </a:ext>
+            </a:extLst>
+          </p:cNvPr>
+          <p:cNvSpPr>
+            <a:spLocks noGrp="1"/>
+          </p:cNvSpPr>
+          <p:nvPr>
+            <p:ph idx="1"/>
+          </p:nvPr>
+        </p:nvSpPr>
+        <p:spPr>
+          <a:xfrm>
+            <a:off x="3828580" y="1354945"/>
+            <a:ext cx="7601419" cy="3468982"/>
+          </a:xfrm>
+        </p:spPr>
+        <p:txBody>
+          <a:bodyPr anchor="ctr">
+            <a:normAutofit/>
+          </a:bodyPr>
+          <a:lstStyle/>
+          <a:p>
+            <a:r>
+              <a:rPr lang="pt-BR" sz="2400" dirty="0" err="1">
+                <a:solidFill>
+                  <a:schemeClr val="tx2"/>
+                </a:solidFill>
+              </a:rPr>
+              <a:t>dir</a:t>
+            </a:r>
+            <a:r>
+              <a:rPr lang="pt-BR" sz="2400" dirty="0">
+                <a:solidFill>
+                  <a:schemeClr val="tx2"/>
+                </a:solidFill>
+              </a:rPr>
+              <a:t>(objeto):</a:t>
+            </a:r>
+          </a:p>
+          <a:p>
+            <a:r>
+              <a:rPr lang="pt-BR" sz="2400" dirty="0">
+                <a:solidFill>
+                  <a:schemeClr val="tx2"/>
+                </a:solidFill>
+              </a:rPr>
+              <a:t>Retorna uma lista de </a:t>
+            </a:r>
+            <a:r>
+              <a:rPr lang="pt-BR" sz="2400" dirty="0" err="1">
+                <a:solidFill>
+                  <a:schemeClr val="tx2"/>
+                </a:solidFill>
+              </a:rPr>
+              <a:t>strings</a:t>
+            </a:r>
+            <a:r>
+              <a:rPr lang="pt-BR" sz="2400" dirty="0">
+                <a:solidFill>
+                  <a:schemeClr val="tx2"/>
+                </a:solidFill>
+              </a:rPr>
+              <a:t> que representam os nomes de todos os atributos (métodos, variáveis de instância etc.) do objeto passado como argumento. Se nenhum objeto for passado, </a:t>
+            </a:r>
+            <a:r>
+              <a:rPr lang="pt-BR" sz="2400" dirty="0" err="1">
+                <a:solidFill>
+                  <a:schemeClr val="tx2"/>
+                </a:solidFill>
+              </a:rPr>
+              <a:t>dir</a:t>
+            </a:r>
+            <a:r>
+              <a:rPr lang="pt-BR" sz="2400" dirty="0">
+                <a:solidFill>
+                  <a:schemeClr val="tx2"/>
+                </a:solidFill>
+              </a:rPr>
+              <a:t>() retorna os nomes dos atributos no escopo atual.</a:t>
+            </a:r>
+          </a:p>
+        </p:txBody>
+      </p:sp>
+      <p:sp>
+        <p:nvSpPr>
+          <p:cNvPr id="9" name="CaixaDeTexto 8">
+            <a:extLst>
+              <a:ext uri="{FF2B5EF4-FFF2-40B4-BE49-F238E27FC236}">
+                <a16:creationId xmlns:a16="http://schemas.microsoft.com/office/drawing/2014/main" id="{686DCA6A-2D0C-FB64-FE7F-D89A6349D1C2}"/>
+              </a:ext>
+            </a:extLst>
+          </p:cNvPr>
+          <p:cNvSpPr txBox="1"/>
+          <p:nvPr/>
+        </p:nvSpPr>
+        <p:spPr>
+          <a:xfrm>
+            <a:off x="4239032" y="5298529"/>
+            <a:ext cx="6097554" cy="707886"/>
+          </a:xfrm>
+          <a:prstGeom prst="rect">
+            <a:avLst/>
+          </a:prstGeom>
+          <a:noFill/>
+        </p:spPr>
+        <p:txBody>
+          <a:bodyPr wrap="square">
+            <a:spAutoFit/>
+          </a:bodyPr>
+          <a:lstStyle/>
+          <a:p>
+            <a:r>
+              <a:rPr lang="pt-BR" sz="2000" b="0" dirty="0">
+                <a:solidFill>
+                  <a:srgbClr val="D1D4E0"/>
+                </a:solidFill>
+                <a:effectLst/>
+                <a:latin typeface="Consolas" panose="020B0609020204030204" pitchFamily="49" charset="0"/>
+              </a:rPr>
+              <a:t>lista </a:t>
+            </a:r>
+            <a:r>
+              <a:rPr lang="pt-BR" sz="2000" b="0" dirty="0">
+                <a:solidFill>
+                  <a:srgbClr val="F269B9"/>
+                </a:solidFill>
+                <a:effectLst/>
+                <a:latin typeface="Consolas" panose="020B0609020204030204" pitchFamily="49" charset="0"/>
+              </a:rPr>
+              <a:t>=</a:t>
+            </a:r>
+            <a:r>
+              <a:rPr lang="pt-BR" sz="2000" b="0" dirty="0">
+                <a:solidFill>
+                  <a:srgbClr val="D1D4E0"/>
+                </a:solidFill>
+                <a:effectLst/>
+                <a:latin typeface="Consolas" panose="020B0609020204030204" pitchFamily="49" charset="0"/>
+              </a:rPr>
+              <a:t> [</a:t>
+            </a:r>
+            <a:r>
+              <a:rPr lang="pt-BR" sz="2000" b="0" dirty="0">
+                <a:solidFill>
+                  <a:srgbClr val="AF86EB"/>
+                </a:solidFill>
+                <a:effectLst/>
+                <a:latin typeface="Consolas" panose="020B0609020204030204" pitchFamily="49" charset="0"/>
+              </a:rPr>
+              <a:t>1</a:t>
+            </a:r>
+            <a:r>
+              <a:rPr lang="pt-BR" sz="2000" b="0" dirty="0">
+                <a:solidFill>
+                  <a:srgbClr val="D1D4E0"/>
+                </a:solidFill>
+                <a:effectLst/>
+                <a:latin typeface="Consolas" panose="020B0609020204030204" pitchFamily="49" charset="0"/>
+              </a:rPr>
+              <a:t>, </a:t>
+            </a:r>
+            <a:r>
+              <a:rPr lang="pt-BR" sz="2000" b="0" dirty="0">
+                <a:solidFill>
+                  <a:srgbClr val="AF86EB"/>
+                </a:solidFill>
+                <a:effectLst/>
+                <a:latin typeface="Consolas" panose="020B0609020204030204" pitchFamily="49" charset="0"/>
+              </a:rPr>
+              <a:t>2</a:t>
+            </a:r>
+            <a:r>
+              <a:rPr lang="pt-BR" sz="2000" b="0" dirty="0">
+                <a:solidFill>
+                  <a:srgbClr val="D1D4E0"/>
+                </a:solidFill>
+                <a:effectLst/>
+                <a:latin typeface="Consolas" panose="020B0609020204030204" pitchFamily="49" charset="0"/>
+              </a:rPr>
+              <a:t>, </a:t>
+            </a:r>
+            <a:r>
+              <a:rPr lang="pt-BR" sz="2000" b="0" dirty="0">
+                <a:solidFill>
+                  <a:srgbClr val="AF86EB"/>
+                </a:solidFill>
+                <a:effectLst/>
+                <a:latin typeface="Consolas" panose="020B0609020204030204" pitchFamily="49" charset="0"/>
+              </a:rPr>
+              <a:t>3</a:t>
+            </a:r>
+            <a:r>
+              <a:rPr lang="pt-BR" sz="2000" b="0" dirty="0">
+                <a:solidFill>
+                  <a:srgbClr val="D1D4E0"/>
+                </a:solidFill>
+                <a:effectLst/>
+                <a:latin typeface="Consolas" panose="020B0609020204030204" pitchFamily="49" charset="0"/>
+              </a:rPr>
+              <a:t>]</a:t>
+            </a:r>
+          </a:p>
+          <a:p>
+            <a:r>
+              <a:rPr lang="pt-BR" sz="2000" b="0" dirty="0">
+                <a:solidFill>
+                  <a:srgbClr val="2DE266"/>
+                </a:solidFill>
+                <a:effectLst/>
+                <a:latin typeface="Consolas" panose="020B0609020204030204" pitchFamily="49" charset="0"/>
+              </a:rPr>
+              <a:t>print</a:t>
+            </a:r>
+            <a:r>
+              <a:rPr lang="pt-BR" sz="2000" b="0" dirty="0">
+                <a:solidFill>
+                  <a:srgbClr val="D1D4E0"/>
+                </a:solidFill>
+                <a:effectLst/>
+                <a:latin typeface="Consolas" panose="020B0609020204030204" pitchFamily="49" charset="0"/>
+              </a:rPr>
+              <a:t>(</a:t>
+            </a:r>
+            <a:r>
+              <a:rPr lang="pt-BR" sz="2000" b="0" dirty="0" err="1">
+                <a:solidFill>
+                  <a:srgbClr val="2DE266"/>
+                </a:solidFill>
+                <a:effectLst/>
+                <a:latin typeface="Consolas" panose="020B0609020204030204" pitchFamily="49" charset="0"/>
+              </a:rPr>
+              <a:t>dir</a:t>
+            </a:r>
+            <a:r>
+              <a:rPr lang="pt-BR" sz="2000" b="0" dirty="0">
+                <a:solidFill>
+                  <a:srgbClr val="D1D4E0"/>
+                </a:solidFill>
+                <a:effectLst/>
+                <a:latin typeface="Consolas" panose="020B0609020204030204" pitchFamily="49" charset="0"/>
+              </a:rPr>
+              <a:t>(lista))</a:t>
+            </a:r>
+          </a:p>
+        </p:txBody>
+      </p:sp>
+    </p:spTree>
+    <p:extLst>
+      <p:ext uri="{BB962C8B-B14F-4D97-AF65-F5344CB8AC3E}">
+        <p14:creationId xmlns:p14="http://schemas.microsoft.com/office/powerpoint/2010/main" val="1483535139"/>
+      </p:ext>
+    </p:extLst>
+  </p:cSld>
+  <p:clrMapOvr>
+    <a:overrideClrMapping bg1="dk1" tx1="lt1" bg2="dk2" tx2="lt2" accent1="accent1" accent2="accent2" accent3="accent3" accent4="accent4" accent5="accent5" accent6="accent6" hlink="hlink" folHlink="folHlink"/>
+  </p:clrMapOvr>
+</p:sld>
+</file>
+
+<file path=ppt/slides/slide18.xml><?xml version="1.0" encoding="utf-8"?>
+<p:sld xmlns:a="http://schemas.openxmlformats.org/drawingml/2006/main" xmlns:r="http://schemas.openxmlformats.org/officeDocument/2006/relationships" xmlns:p="http://schemas.openxmlformats.org/presentationml/2006/main">
+  <p:cSld>
+    <p:bg>
+      <p:bgPr>
+        <a:solidFill>
+          <a:schemeClr val="bg1">
+            <a:tint val="95000"/>
+            <a:satMod val="170000"/>
+          </a:schemeClr>
+        </a:solidFill>
+        <a:effectLst/>
+      </p:bgPr>
+    </p:bg>
+    <p:spTree>
+      <p:nvGrpSpPr>
+        <p:cNvPr id="1" name=""/>
+        <p:cNvGrpSpPr/>
+        <p:nvPr/>
+      </p:nvGrpSpPr>
+      <p:grpSpPr>
+        <a:xfrm>
+          <a:off x="0" y="0"/>
+          <a:ext cx="0" cy="0"/>
+          <a:chOff x="0" y="0"/>
+          <a:chExt cx="0" cy="0"/>
+        </a:xfrm>
+      </p:grpSpPr>
+      <p:sp useBgFill="1">
+        <p:nvSpPr>
+          <p:cNvPr id="8" name="Rectangle 7">
+            <a:extLst>
+              <a:ext uri="{FF2B5EF4-FFF2-40B4-BE49-F238E27FC236}">
+                <a16:creationId xmlns:a16="http://schemas.microsoft.com/office/drawing/2014/main" id="{CFC012A5-170D-4B0F-A916-A8EE2C6CE94A}"/>
+              </a:ext>
+              <a:ext uri="{C183D7F6-B498-43B3-948B-1728B52AA6E4}">
+                <adec:decorative xmlns:adec="http://schemas.microsoft.com/office/drawing/2017/decorative" val="1"/>
+              </a:ext>
+            </a:extLst>
+          </p:cNvPr>
+          <p:cNvSpPr>
+            <a:spLocks noGrp="1" noRot="1" noChangeAspect="1" noMove="1" noResize="1" noEditPoints="1" noAdjustHandles="1" noChangeArrowheads="1" noChangeShapeType="1" noTextEdit="1"/>
+          </p:cNvSpPr>
+          <p:nvPr>
+            <p:extLst>
+              <p:ext uri="{386F3935-93C4-4BCD-93E2-E3B085C9AB24}">
+                <p16:designElem xmlns:p16="http://schemas.microsoft.com/office/powerpoint/2015/main" val="1"/>
+              </p:ext>
+            </p:extLst>
+          </p:nvPr>
+        </p:nvSpPr>
+        <p:spPr>
+          <a:xfrm>
+            <a:off x="0" y="0"/>
+            <a:ext cx="12192000" cy="6858000"/>
+          </a:xfrm>
+          <a:prstGeom prst="rect">
+            <a:avLst/>
+          </a:prstGeom>
+          <a:ln>
+            <a:noFill/>
+          </a:ln>
+        </p:spPr>
+        <p:style>
+          <a:lnRef idx="2">
+            <a:schemeClr val="accent1">
+              <a:shade val="50000"/>
+            </a:schemeClr>
+          </a:lnRef>
+          <a:fillRef idx="1">
+            <a:schemeClr val="accent1"/>
+          </a:fillRef>
+          <a:effectRef idx="0">
+            <a:schemeClr val="accent1"/>
+          </a:effectRef>
+          <a:fontRef idx="minor">
+            <a:schemeClr val="lt1"/>
+          </a:fontRef>
+        </p:style>
+        <p:txBody>
+          <a:bodyPr rtlCol="0" anchor="ctr"/>
+          <a:lstStyle/>
+          <a:p>
+            <a:pPr algn="ctr"/>
+            <a:endParaRPr lang="en-US"/>
+          </a:p>
+        </p:txBody>
+      </p:sp>
+      <p:sp>
+        <p:nvSpPr>
+          <p:cNvPr id="10" name="Rectangle 9">
+            <a:extLst>
+              <a:ext uri="{FF2B5EF4-FFF2-40B4-BE49-F238E27FC236}">
+                <a16:creationId xmlns:a16="http://schemas.microsoft.com/office/drawing/2014/main" id="{37F40654-5E8C-468A-9596-50927AF198AB}"/>
+              </a:ext>
+              <a:ext uri="{C183D7F6-B498-43B3-948B-1728B52AA6E4}">
+                <adec:decorative xmlns:adec="http://schemas.microsoft.com/office/drawing/2017/decorative" val="1"/>
+              </a:ext>
+            </a:extLst>
+          </p:cNvPr>
+          <p:cNvSpPr>
+            <a:spLocks noGrp="1" noRot="1" noChangeAspect="1" noMove="1" noResize="1" noEditPoints="1" noAdjustHandles="1" noChangeArrowheads="1" noChangeShapeType="1" noTextEdit="1"/>
+          </p:cNvSpPr>
+          <p:nvPr>
+            <p:extLst>
+              <p:ext uri="{386F3935-93C4-4BCD-93E2-E3B085C9AB24}">
+                <p16:designElem xmlns:p16="http://schemas.microsoft.com/office/powerpoint/2015/main" val="1"/>
+              </p:ext>
+            </p:extLst>
+          </p:nvPr>
+        </p:nvSpPr>
+        <p:spPr>
+          <a:xfrm>
+            <a:off x="0" y="0"/>
+            <a:ext cx="3345981" cy="6858000"/>
+          </a:xfrm>
+          <a:prstGeom prst="rect">
+            <a:avLst/>
+          </a:prstGeom>
+          <a:solidFill>
+            <a:schemeClr val="accent1"/>
+          </a:solidFill>
+          <a:ln>
+            <a:noFill/>
+          </a:ln>
+        </p:spPr>
+        <p:style>
+          <a:lnRef idx="2">
+            <a:schemeClr val="accent1">
+              <a:shade val="50000"/>
+            </a:schemeClr>
+          </a:lnRef>
+          <a:fillRef idx="1">
+            <a:schemeClr val="accent1"/>
+          </a:fillRef>
+          <a:effectRef idx="0">
+            <a:schemeClr val="accent1"/>
+          </a:effectRef>
+          <a:fontRef idx="minor">
+            <a:schemeClr val="lt1"/>
+          </a:fontRef>
+        </p:style>
+        <p:txBody>
+          <a:bodyPr rtlCol="0" anchor="ctr"/>
+          <a:lstStyle/>
+          <a:p>
+            <a:pPr algn="ctr"/>
+            <a:endParaRPr lang="en-US"/>
+          </a:p>
+        </p:txBody>
+      </p:sp>
+      <p:sp>
+        <p:nvSpPr>
+          <p:cNvPr id="2" name="Título 1">
+            <a:extLst>
+              <a:ext uri="{FF2B5EF4-FFF2-40B4-BE49-F238E27FC236}">
+                <a16:creationId xmlns:a16="http://schemas.microsoft.com/office/drawing/2014/main" id="{D21C56AC-69C0-9250-ABFF-EEDEB609601F}"/>
+              </a:ext>
+            </a:extLst>
+          </p:cNvPr>
+          <p:cNvSpPr>
+            <a:spLocks noGrp="1"/>
+          </p:cNvSpPr>
+          <p:nvPr>
+            <p:ph type="title"/>
+          </p:nvPr>
+        </p:nvSpPr>
+        <p:spPr>
+          <a:xfrm>
+            <a:off x="762001" y="1354945"/>
+            <a:ext cx="2304578" cy="4148110"/>
+          </a:xfrm>
+        </p:spPr>
+        <p:txBody>
+          <a:bodyPr anchor="ctr">
+            <a:normAutofit/>
+          </a:bodyPr>
+          <a:lstStyle/>
+          <a:p>
+            <a:r>
+              <a:rPr lang="pt-BR" sz="2800" dirty="0" err="1">
+                <a:solidFill>
+                  <a:srgbClr val="2A1A00"/>
+                </a:solidFill>
+              </a:rPr>
+              <a:t>hasattr</a:t>
+            </a:r>
+            <a:endParaRPr lang="pt-BR" sz="2800" dirty="0">
+              <a:solidFill>
+                <a:srgbClr val="2A1A00"/>
+              </a:solidFill>
+            </a:endParaRPr>
+          </a:p>
+        </p:txBody>
+      </p:sp>
+      <p:sp>
+        <p:nvSpPr>
+          <p:cNvPr id="12" name="Rectangle 11">
+            <a:extLst>
+              <a:ext uri="{FF2B5EF4-FFF2-40B4-BE49-F238E27FC236}">
+                <a16:creationId xmlns:a16="http://schemas.microsoft.com/office/drawing/2014/main" id="{50B1BD4A-8DE6-4266-9C27-59260F938ED8}"/>
+              </a:ext>
+              <a:ext uri="{C183D7F6-B498-43B3-948B-1728B52AA6E4}">
+                <adec:decorative xmlns:adec="http://schemas.microsoft.com/office/drawing/2017/decorative" val="1"/>
+              </a:ext>
+            </a:extLst>
+          </p:cNvPr>
+          <p:cNvSpPr>
+            <a:spLocks noGrp="1" noRot="1" noChangeAspect="1" noMove="1" noResize="1" noEditPoints="1" noAdjustHandles="1" noChangeArrowheads="1" noChangeShapeType="1" noTextEdit="1"/>
+          </p:cNvSpPr>
+          <p:nvPr>
+            <p:extLst>
+              <p:ext uri="{386F3935-93C4-4BCD-93E2-E3B085C9AB24}">
+                <p16:designElem xmlns:p16="http://schemas.microsoft.com/office/powerpoint/2015/main" val="1"/>
+              </p:ext>
+            </p:extLst>
+          </p:nvPr>
+        </p:nvSpPr>
+        <p:spPr>
+          <a:xfrm>
+            <a:off x="0" y="0"/>
+            <a:ext cx="643467" cy="6858000"/>
+          </a:xfrm>
+          <a:prstGeom prst="rect">
+            <a:avLst/>
+          </a:prstGeom>
+          <a:solidFill>
+            <a:schemeClr val="accent1">
+              <a:lumMod val="75000"/>
+            </a:schemeClr>
+          </a:solidFill>
+          <a:ln>
+            <a:noFill/>
+          </a:ln>
+        </p:spPr>
+        <p:style>
+          <a:lnRef idx="2">
+            <a:schemeClr val="accent1">
+              <a:shade val="50000"/>
+            </a:schemeClr>
+          </a:lnRef>
+          <a:fillRef idx="1003">
+            <a:schemeClr val="lt1"/>
+          </a:fillRef>
+          <a:effectRef idx="0">
+            <a:schemeClr val="accent1"/>
+          </a:effectRef>
+          <a:fontRef idx="minor">
+            <a:schemeClr val="lt1"/>
+          </a:fontRef>
+        </p:style>
+        <p:txBody>
+          <a:bodyPr rtlCol="0" anchor="ctr"/>
+          <a:lstStyle/>
+          <a:p>
+            <a:pPr algn="ctr"/>
+            <a:endParaRPr lang="en-US">
+              <a:solidFill>
+                <a:schemeClr val="accent2"/>
+              </a:solidFill>
+            </a:endParaRPr>
+          </a:p>
+        </p:txBody>
+      </p:sp>
+      <p:sp>
+        <p:nvSpPr>
+          <p:cNvPr id="3" name="Espaço Reservado para Conteúdo 2">
+            <a:extLst>
+              <a:ext uri="{FF2B5EF4-FFF2-40B4-BE49-F238E27FC236}">
+                <a16:creationId xmlns:a16="http://schemas.microsoft.com/office/drawing/2014/main" id="{ADC7C2F9-6024-503C-CFEE-48C4893DD35F}"/>
+              </a:ext>
+            </a:extLst>
+          </p:cNvPr>
+          <p:cNvSpPr>
+            <a:spLocks noGrp="1"/>
+          </p:cNvSpPr>
+          <p:nvPr>
+            <p:ph idx="1"/>
+          </p:nvPr>
+        </p:nvSpPr>
+        <p:spPr>
+          <a:xfrm>
+            <a:off x="3828580" y="1354945"/>
+            <a:ext cx="7601419" cy="4148110"/>
+          </a:xfrm>
+        </p:spPr>
+        <p:txBody>
+          <a:bodyPr anchor="ctr">
+            <a:normAutofit/>
+          </a:bodyPr>
+          <a:lstStyle/>
+          <a:p>
+            <a:r>
+              <a:rPr lang="pt-BR" sz="2400" dirty="0" err="1">
+                <a:solidFill>
+                  <a:schemeClr val="tx2"/>
+                </a:solidFill>
+              </a:rPr>
+              <a:t>hasattr</a:t>
+            </a:r>
+            <a:r>
+              <a:rPr lang="pt-BR" sz="2400" dirty="0">
+                <a:solidFill>
+                  <a:schemeClr val="tx2"/>
+                </a:solidFill>
+              </a:rPr>
+              <a:t>(objeto, atributo):</a:t>
+            </a:r>
+          </a:p>
+          <a:p>
+            <a:r>
+              <a:rPr lang="pt-BR" sz="2400" dirty="0">
+                <a:solidFill>
+                  <a:schemeClr val="tx2"/>
+                </a:solidFill>
+              </a:rPr>
+              <a:t>Retorna </a:t>
+            </a:r>
+            <a:r>
+              <a:rPr lang="pt-BR" sz="2400" dirty="0" err="1">
+                <a:solidFill>
+                  <a:schemeClr val="tx2"/>
+                </a:solidFill>
+              </a:rPr>
+              <a:t>True</a:t>
+            </a:r>
+            <a:r>
+              <a:rPr lang="pt-BR" sz="2400" dirty="0">
+                <a:solidFill>
+                  <a:schemeClr val="tx2"/>
+                </a:solidFill>
+              </a:rPr>
+              <a:t> se o objeto especificado tiver o atributo especificado, e False caso contrário.</a:t>
+            </a:r>
+          </a:p>
+        </p:txBody>
+      </p:sp>
+      <p:sp>
+        <p:nvSpPr>
+          <p:cNvPr id="6" name="CaixaDeTexto 5">
+            <a:extLst>
+              <a:ext uri="{FF2B5EF4-FFF2-40B4-BE49-F238E27FC236}">
+                <a16:creationId xmlns:a16="http://schemas.microsoft.com/office/drawing/2014/main" id="{B8FC27BE-2CCC-AA4B-BEA5-B938867AFECE}"/>
+              </a:ext>
+            </a:extLst>
+          </p:cNvPr>
+          <p:cNvSpPr txBox="1"/>
+          <p:nvPr/>
+        </p:nvSpPr>
+        <p:spPr>
+          <a:xfrm>
+            <a:off x="4720213" y="4917633"/>
+            <a:ext cx="6097554" cy="1015663"/>
+          </a:xfrm>
+          <a:prstGeom prst="rect">
+            <a:avLst/>
+          </a:prstGeom>
+          <a:noFill/>
+        </p:spPr>
+        <p:txBody>
+          <a:bodyPr wrap="square">
+            <a:spAutoFit/>
+          </a:bodyPr>
+          <a:lstStyle/>
+          <a:p>
+            <a:r>
+              <a:rPr lang="pt-BR" sz="2000" b="0" dirty="0" err="1">
+                <a:solidFill>
+                  <a:srgbClr val="D1D4E0"/>
+                </a:solidFill>
+                <a:effectLst/>
+                <a:latin typeface="Consolas" panose="020B0609020204030204" pitchFamily="49" charset="0"/>
+              </a:rPr>
+              <a:t>string</a:t>
+            </a:r>
+            <a:r>
+              <a:rPr lang="pt-BR" sz="2000" b="0" dirty="0">
+                <a:solidFill>
+                  <a:srgbClr val="D1D4E0"/>
+                </a:solidFill>
+                <a:effectLst/>
+                <a:latin typeface="Consolas" panose="020B0609020204030204" pitchFamily="49" charset="0"/>
+              </a:rPr>
+              <a:t> </a:t>
+            </a:r>
+            <a:r>
+              <a:rPr lang="pt-BR" sz="2000" b="0" dirty="0">
+                <a:solidFill>
+                  <a:srgbClr val="F269B9"/>
+                </a:solidFill>
+                <a:effectLst/>
+                <a:latin typeface="Consolas" panose="020B0609020204030204" pitchFamily="49" charset="0"/>
+              </a:rPr>
+              <a:t>=</a:t>
+            </a:r>
+            <a:r>
+              <a:rPr lang="pt-BR" sz="2000" b="0" dirty="0">
+                <a:solidFill>
+                  <a:srgbClr val="D1D4E0"/>
+                </a:solidFill>
+                <a:effectLst/>
+                <a:latin typeface="Consolas" panose="020B0609020204030204" pitchFamily="49" charset="0"/>
+              </a:rPr>
+              <a:t> </a:t>
+            </a:r>
+            <a:r>
+              <a:rPr lang="pt-BR" sz="2000" b="0" dirty="0">
+                <a:solidFill>
+                  <a:srgbClr val="E0E97C"/>
+                </a:solidFill>
+                <a:effectLst/>
+                <a:latin typeface="Consolas" panose="020B0609020204030204" pitchFamily="49" charset="0"/>
+              </a:rPr>
+              <a:t>'Luiz'</a:t>
+            </a:r>
+            <a:endParaRPr lang="pt-BR" sz="2000" b="0" dirty="0">
+              <a:solidFill>
+                <a:srgbClr val="D1D4E0"/>
+              </a:solidFill>
+              <a:effectLst/>
+              <a:latin typeface="Consolas" panose="020B0609020204030204" pitchFamily="49" charset="0"/>
+            </a:endParaRPr>
+          </a:p>
+          <a:p>
+            <a:r>
+              <a:rPr lang="pt-BR" sz="2000" b="0" dirty="0" err="1">
+                <a:solidFill>
+                  <a:srgbClr val="F269B9"/>
+                </a:solidFill>
+                <a:effectLst/>
+                <a:latin typeface="Consolas" panose="020B0609020204030204" pitchFamily="49" charset="0"/>
+              </a:rPr>
+              <a:t>if</a:t>
+            </a:r>
+            <a:r>
+              <a:rPr lang="pt-BR" sz="2000" b="0" dirty="0">
+                <a:solidFill>
+                  <a:srgbClr val="D1D4E0"/>
+                </a:solidFill>
+                <a:effectLst/>
+                <a:latin typeface="Consolas" panose="020B0609020204030204" pitchFamily="49" charset="0"/>
+              </a:rPr>
+              <a:t> </a:t>
+            </a:r>
+            <a:r>
+              <a:rPr lang="pt-BR" sz="2000" b="0" dirty="0" err="1">
+                <a:solidFill>
+                  <a:srgbClr val="2DE266"/>
+                </a:solidFill>
+                <a:effectLst/>
+                <a:latin typeface="Consolas" panose="020B0609020204030204" pitchFamily="49" charset="0"/>
+              </a:rPr>
+              <a:t>hasattr</a:t>
+            </a:r>
+            <a:r>
+              <a:rPr lang="pt-BR" sz="2000" b="0" dirty="0">
+                <a:solidFill>
+                  <a:srgbClr val="D1D4E0"/>
+                </a:solidFill>
+                <a:effectLst/>
+                <a:latin typeface="Consolas" panose="020B0609020204030204" pitchFamily="49" charset="0"/>
+              </a:rPr>
+              <a:t>(</a:t>
+            </a:r>
+            <a:r>
+              <a:rPr lang="pt-BR" sz="2000" b="0" dirty="0" err="1">
+                <a:solidFill>
+                  <a:srgbClr val="D1D4E0"/>
+                </a:solidFill>
+                <a:effectLst/>
+                <a:latin typeface="Consolas" panose="020B0609020204030204" pitchFamily="49" charset="0"/>
+              </a:rPr>
+              <a:t>string</a:t>
+            </a:r>
+            <a:r>
+              <a:rPr lang="pt-BR" sz="2000" b="0" dirty="0">
+                <a:solidFill>
+                  <a:srgbClr val="D1D4E0"/>
+                </a:solidFill>
+                <a:effectLst/>
+                <a:latin typeface="Consolas" panose="020B0609020204030204" pitchFamily="49" charset="0"/>
+              </a:rPr>
+              <a:t>, </a:t>
+            </a:r>
+            <a:r>
+              <a:rPr lang="pt-BR" sz="2000" b="0" dirty="0">
+                <a:solidFill>
+                  <a:srgbClr val="E0E97C"/>
+                </a:solidFill>
+                <a:effectLst/>
+                <a:latin typeface="Consolas" panose="020B0609020204030204" pitchFamily="49" charset="0"/>
+              </a:rPr>
+              <a:t>'strip'</a:t>
+            </a:r>
+            <a:r>
+              <a:rPr lang="pt-BR" sz="2000" b="0" dirty="0">
+                <a:solidFill>
+                  <a:srgbClr val="D1D4E0"/>
+                </a:solidFill>
+                <a:effectLst/>
+                <a:latin typeface="Consolas" panose="020B0609020204030204" pitchFamily="49" charset="0"/>
+              </a:rPr>
+              <a:t>):</a:t>
+            </a:r>
+          </a:p>
+          <a:p>
+            <a:r>
+              <a:rPr lang="pt-BR" sz="2000" b="0" dirty="0">
+                <a:solidFill>
+                  <a:srgbClr val="D1D4E0"/>
+                </a:solidFill>
+                <a:effectLst/>
+                <a:latin typeface="Consolas" panose="020B0609020204030204" pitchFamily="49" charset="0"/>
+              </a:rPr>
+              <a:t>    </a:t>
+            </a:r>
+            <a:r>
+              <a:rPr lang="pt-BR" sz="2000" b="0" dirty="0">
+                <a:solidFill>
+                  <a:srgbClr val="2DE266"/>
+                </a:solidFill>
+                <a:effectLst/>
+                <a:latin typeface="Consolas" panose="020B0609020204030204" pitchFamily="49" charset="0"/>
+              </a:rPr>
+              <a:t>print</a:t>
+            </a:r>
+            <a:r>
+              <a:rPr lang="pt-BR" sz="2000" b="0" dirty="0">
+                <a:solidFill>
+                  <a:srgbClr val="D1D4E0"/>
+                </a:solidFill>
+                <a:effectLst/>
+                <a:latin typeface="Consolas" panose="020B0609020204030204" pitchFamily="49" charset="0"/>
+              </a:rPr>
+              <a:t>(</a:t>
+            </a:r>
+            <a:r>
+              <a:rPr lang="pt-BR" sz="2000" b="0" dirty="0">
+                <a:solidFill>
+                  <a:srgbClr val="E0E97C"/>
+                </a:solidFill>
+                <a:effectLst/>
+                <a:latin typeface="Consolas" panose="020B0609020204030204" pitchFamily="49" charset="0"/>
+              </a:rPr>
+              <a:t>'A </a:t>
+            </a:r>
+            <a:r>
+              <a:rPr lang="pt-BR" sz="2000" b="0" dirty="0" err="1">
+                <a:solidFill>
+                  <a:srgbClr val="E0E97C"/>
+                </a:solidFill>
+                <a:effectLst/>
+                <a:latin typeface="Consolas" panose="020B0609020204030204" pitchFamily="49" charset="0"/>
+              </a:rPr>
+              <a:t>string</a:t>
+            </a:r>
+            <a:r>
+              <a:rPr lang="pt-BR" sz="2000" b="0" dirty="0">
+                <a:solidFill>
+                  <a:srgbClr val="E0E97C"/>
+                </a:solidFill>
+                <a:effectLst/>
+                <a:latin typeface="Consolas" panose="020B0609020204030204" pitchFamily="49" charset="0"/>
+              </a:rPr>
+              <a:t> tem o método strip'</a:t>
+            </a:r>
+            <a:r>
+              <a:rPr lang="pt-BR" sz="2000" b="0" dirty="0">
+                <a:solidFill>
+                  <a:srgbClr val="D1D4E0"/>
+                </a:solidFill>
+                <a:effectLst/>
+                <a:latin typeface="Consolas" panose="020B0609020204030204" pitchFamily="49" charset="0"/>
+              </a:rPr>
+              <a:t>)</a:t>
+            </a:r>
+          </a:p>
+        </p:txBody>
+      </p:sp>
+    </p:spTree>
+    <p:extLst>
+      <p:ext uri="{BB962C8B-B14F-4D97-AF65-F5344CB8AC3E}">
+        <p14:creationId xmlns:p14="http://schemas.microsoft.com/office/powerpoint/2010/main" val="3706519507"/>
+      </p:ext>
+    </p:extLst>
+  </p:cSld>
+  <p:clrMapOvr>
+    <a:overrideClrMapping bg1="dk1" tx1="lt1" bg2="dk2" tx2="lt2" accent1="accent1" accent2="accent2" accent3="accent3" accent4="accent4" accent5="accent5" accent6="accent6" hlink="hlink" folHlink="folHlink"/>
+  </p:clrMapOvr>
+</p:sld>
+</file>
+
+<file path=ppt/slides/slide19.xml><?xml version="1.0" encoding="utf-8"?>
+<p:sld xmlns:a="http://schemas.openxmlformats.org/drawingml/2006/main" xmlns:r="http://schemas.openxmlformats.org/officeDocument/2006/relationships" xmlns:p="http://schemas.openxmlformats.org/presentationml/2006/main">
+  <p:cSld>
+    <p:bg>
+      <p:bgPr>
+        <a:solidFill>
+          <a:schemeClr val="bg1">
+            <a:tint val="95000"/>
+            <a:satMod val="170000"/>
+          </a:schemeClr>
+        </a:solidFill>
+        <a:effectLst/>
+      </p:bgPr>
+    </p:bg>
+    <p:spTree>
+      <p:nvGrpSpPr>
+        <p:cNvPr id="1" name=""/>
+        <p:cNvGrpSpPr/>
+        <p:nvPr/>
+      </p:nvGrpSpPr>
+      <p:grpSpPr>
+        <a:xfrm>
+          <a:off x="0" y="0"/>
+          <a:ext cx="0" cy="0"/>
+          <a:chOff x="0" y="0"/>
+          <a:chExt cx="0" cy="0"/>
+        </a:xfrm>
+      </p:grpSpPr>
+      <p:sp useBgFill="1">
+        <p:nvSpPr>
+          <p:cNvPr id="8" name="Rectangle 7">
+            <a:extLst>
+              <a:ext uri="{FF2B5EF4-FFF2-40B4-BE49-F238E27FC236}">
+                <a16:creationId xmlns:a16="http://schemas.microsoft.com/office/drawing/2014/main" id="{CFC012A5-170D-4B0F-A916-A8EE2C6CE94A}"/>
+              </a:ext>
+              <a:ext uri="{C183D7F6-B498-43B3-948B-1728B52AA6E4}">
+                <adec:decorative xmlns:adec="http://schemas.microsoft.com/office/drawing/2017/decorative" val="1"/>
+              </a:ext>
+            </a:extLst>
+          </p:cNvPr>
+          <p:cNvSpPr>
+            <a:spLocks noGrp="1" noRot="1" noChangeAspect="1" noMove="1" noResize="1" noEditPoints="1" noAdjustHandles="1" noChangeArrowheads="1" noChangeShapeType="1" noTextEdit="1"/>
+          </p:cNvSpPr>
+          <p:nvPr>
+            <p:extLst>
+              <p:ext uri="{386F3935-93C4-4BCD-93E2-E3B085C9AB24}">
+                <p16:designElem xmlns:p16="http://schemas.microsoft.com/office/powerpoint/2015/main" val="1"/>
+              </p:ext>
+            </p:extLst>
+          </p:nvPr>
+        </p:nvSpPr>
+        <p:spPr>
+          <a:xfrm>
+            <a:off x="0" y="0"/>
+            <a:ext cx="12192000" cy="6858000"/>
+          </a:xfrm>
+          <a:prstGeom prst="rect">
+            <a:avLst/>
+          </a:prstGeom>
+          <a:ln>
+            <a:noFill/>
+          </a:ln>
+        </p:spPr>
+        <p:style>
+          <a:lnRef idx="2">
+            <a:schemeClr val="accent1">
+              <a:shade val="50000"/>
+            </a:schemeClr>
+          </a:lnRef>
+          <a:fillRef idx="1">
+            <a:schemeClr val="accent1"/>
+          </a:fillRef>
+          <a:effectRef idx="0">
+            <a:schemeClr val="accent1"/>
+          </a:effectRef>
+          <a:fontRef idx="minor">
+            <a:schemeClr val="lt1"/>
+          </a:fontRef>
+        </p:style>
+        <p:txBody>
+          <a:bodyPr rtlCol="0" anchor="ctr"/>
+          <a:lstStyle/>
+          <a:p>
+            <a:pPr algn="ctr"/>
+            <a:endParaRPr lang="en-US"/>
+          </a:p>
+        </p:txBody>
+      </p:sp>
+      <p:sp>
+        <p:nvSpPr>
+          <p:cNvPr id="10" name="Rectangle 9">
+            <a:extLst>
+              <a:ext uri="{FF2B5EF4-FFF2-40B4-BE49-F238E27FC236}">
+                <a16:creationId xmlns:a16="http://schemas.microsoft.com/office/drawing/2014/main" id="{37F40654-5E8C-468A-9596-50927AF198AB}"/>
+              </a:ext>
+              <a:ext uri="{C183D7F6-B498-43B3-948B-1728B52AA6E4}">
+                <adec:decorative xmlns:adec="http://schemas.microsoft.com/office/drawing/2017/decorative" val="1"/>
+              </a:ext>
+            </a:extLst>
+          </p:cNvPr>
+          <p:cNvSpPr>
+            <a:spLocks noGrp="1" noRot="1" noChangeAspect="1" noMove="1" noResize="1" noEditPoints="1" noAdjustHandles="1" noChangeArrowheads="1" noChangeShapeType="1" noTextEdit="1"/>
+          </p:cNvSpPr>
+          <p:nvPr>
+            <p:extLst>
+              <p:ext uri="{386F3935-93C4-4BCD-93E2-E3B085C9AB24}">
+                <p16:designElem xmlns:p16="http://schemas.microsoft.com/office/powerpoint/2015/main" val="1"/>
+              </p:ext>
+            </p:extLst>
+          </p:nvPr>
+        </p:nvSpPr>
+        <p:spPr>
+          <a:xfrm>
+            <a:off x="0" y="0"/>
+            <a:ext cx="3345981" cy="6858000"/>
+          </a:xfrm>
+          <a:prstGeom prst="rect">
+            <a:avLst/>
+          </a:prstGeom>
+          <a:solidFill>
+            <a:schemeClr val="accent1"/>
+          </a:solidFill>
+          <a:ln>
+            <a:noFill/>
+          </a:ln>
+        </p:spPr>
+        <p:style>
+          <a:lnRef idx="2">
+            <a:schemeClr val="accent1">
+              <a:shade val="50000"/>
+            </a:schemeClr>
+          </a:lnRef>
+          <a:fillRef idx="1">
+            <a:schemeClr val="accent1"/>
+          </a:fillRef>
+          <a:effectRef idx="0">
+            <a:schemeClr val="accent1"/>
+          </a:effectRef>
+          <a:fontRef idx="minor">
+            <a:schemeClr val="lt1"/>
+          </a:fontRef>
+        </p:style>
+        <p:txBody>
+          <a:bodyPr rtlCol="0" anchor="ctr"/>
+          <a:lstStyle/>
+          <a:p>
+            <a:pPr algn="ctr"/>
+            <a:endParaRPr lang="en-US"/>
+          </a:p>
+        </p:txBody>
+      </p:sp>
+      <p:sp>
+        <p:nvSpPr>
+          <p:cNvPr id="2" name="Título 1">
+            <a:extLst>
+              <a:ext uri="{FF2B5EF4-FFF2-40B4-BE49-F238E27FC236}">
+                <a16:creationId xmlns:a16="http://schemas.microsoft.com/office/drawing/2014/main" id="{D21C56AC-69C0-9250-ABFF-EEDEB609601F}"/>
+              </a:ext>
+            </a:extLst>
+          </p:cNvPr>
+          <p:cNvSpPr>
+            <a:spLocks noGrp="1"/>
+          </p:cNvSpPr>
+          <p:nvPr>
+            <p:ph type="title"/>
+          </p:nvPr>
+        </p:nvSpPr>
+        <p:spPr>
+          <a:xfrm>
+            <a:off x="762001" y="1354945"/>
+            <a:ext cx="2304578" cy="4148110"/>
+          </a:xfrm>
+        </p:spPr>
+        <p:txBody>
+          <a:bodyPr anchor="ctr">
+            <a:normAutofit/>
+          </a:bodyPr>
+          <a:lstStyle/>
+          <a:p>
+            <a:r>
+              <a:rPr lang="pt-BR" sz="2800" dirty="0" err="1">
+                <a:solidFill>
+                  <a:srgbClr val="2A1A00"/>
+                </a:solidFill>
+              </a:rPr>
+              <a:t>getattr</a:t>
+            </a:r>
+            <a:endParaRPr lang="pt-BR" sz="2800" dirty="0">
+              <a:solidFill>
+                <a:srgbClr val="2A1A00"/>
+              </a:solidFill>
+            </a:endParaRPr>
+          </a:p>
+        </p:txBody>
+      </p:sp>
+      <p:sp>
+        <p:nvSpPr>
+          <p:cNvPr id="12" name="Rectangle 11">
+            <a:extLst>
+              <a:ext uri="{FF2B5EF4-FFF2-40B4-BE49-F238E27FC236}">
+                <a16:creationId xmlns:a16="http://schemas.microsoft.com/office/drawing/2014/main" id="{50B1BD4A-8DE6-4266-9C27-59260F938ED8}"/>
+              </a:ext>
+              <a:ext uri="{C183D7F6-B498-43B3-948B-1728B52AA6E4}">
+                <adec:decorative xmlns:adec="http://schemas.microsoft.com/office/drawing/2017/decorative" val="1"/>
+              </a:ext>
+            </a:extLst>
+          </p:cNvPr>
+          <p:cNvSpPr>
+            <a:spLocks noGrp="1" noRot="1" noChangeAspect="1" noMove="1" noResize="1" noEditPoints="1" noAdjustHandles="1" noChangeArrowheads="1" noChangeShapeType="1" noTextEdit="1"/>
+          </p:cNvSpPr>
+          <p:nvPr>
+            <p:extLst>
+              <p:ext uri="{386F3935-93C4-4BCD-93E2-E3B085C9AB24}">
+                <p16:designElem xmlns:p16="http://schemas.microsoft.com/office/powerpoint/2015/main" val="1"/>
+              </p:ext>
+            </p:extLst>
+          </p:nvPr>
+        </p:nvSpPr>
+        <p:spPr>
+          <a:xfrm>
+            <a:off x="0" y="0"/>
+            <a:ext cx="643467" cy="6858000"/>
+          </a:xfrm>
+          <a:prstGeom prst="rect">
+            <a:avLst/>
+          </a:prstGeom>
+          <a:solidFill>
+            <a:schemeClr val="accent1">
+              <a:lumMod val="75000"/>
+            </a:schemeClr>
+          </a:solidFill>
+          <a:ln>
+            <a:noFill/>
+          </a:ln>
+        </p:spPr>
+        <p:style>
+          <a:lnRef idx="2">
+            <a:schemeClr val="accent1">
+              <a:shade val="50000"/>
+            </a:schemeClr>
+          </a:lnRef>
+          <a:fillRef idx="1003">
+            <a:schemeClr val="lt1"/>
+          </a:fillRef>
+          <a:effectRef idx="0">
+            <a:schemeClr val="accent1"/>
+          </a:effectRef>
+          <a:fontRef idx="minor">
+            <a:schemeClr val="lt1"/>
+          </a:fontRef>
+        </p:style>
+        <p:txBody>
+          <a:bodyPr rtlCol="0" anchor="ctr"/>
+          <a:lstStyle/>
+          <a:p>
+            <a:pPr algn="ctr"/>
+            <a:endParaRPr lang="en-US">
+              <a:solidFill>
+                <a:schemeClr val="accent2"/>
+              </a:solidFill>
+            </a:endParaRPr>
+          </a:p>
+        </p:txBody>
+      </p:sp>
+      <p:sp>
+        <p:nvSpPr>
+          <p:cNvPr id="3" name="Espaço Reservado para Conteúdo 2">
+            <a:extLst>
+              <a:ext uri="{FF2B5EF4-FFF2-40B4-BE49-F238E27FC236}">
+                <a16:creationId xmlns:a16="http://schemas.microsoft.com/office/drawing/2014/main" id="{ADC7C2F9-6024-503C-CFEE-48C4893DD35F}"/>
+              </a:ext>
+            </a:extLst>
+          </p:cNvPr>
+          <p:cNvSpPr>
+            <a:spLocks noGrp="1"/>
+          </p:cNvSpPr>
+          <p:nvPr>
+            <p:ph idx="1"/>
+          </p:nvPr>
+        </p:nvSpPr>
+        <p:spPr>
+          <a:xfrm>
+            <a:off x="3828580" y="1354945"/>
+            <a:ext cx="7601419" cy="4148110"/>
+          </a:xfrm>
+        </p:spPr>
+        <p:txBody>
+          <a:bodyPr anchor="ctr">
+            <a:normAutofit/>
+          </a:bodyPr>
+          <a:lstStyle/>
+          <a:p>
+            <a:r>
+              <a:rPr lang="pt-BR" sz="2400" dirty="0" err="1">
+                <a:solidFill>
+                  <a:schemeClr val="tx2"/>
+                </a:solidFill>
+              </a:rPr>
+              <a:t>getattr</a:t>
+            </a:r>
+            <a:r>
+              <a:rPr lang="pt-BR" sz="2400" dirty="0">
+                <a:solidFill>
+                  <a:schemeClr val="tx2"/>
+                </a:solidFill>
+              </a:rPr>
+              <a:t>(objeto, atributo[, default]):</a:t>
+            </a:r>
+          </a:p>
+          <a:p>
+            <a:r>
+              <a:rPr lang="pt-BR" sz="2400" dirty="0">
+                <a:solidFill>
+                  <a:schemeClr val="tx2"/>
+                </a:solidFill>
+              </a:rPr>
+              <a:t>Retorna o valor do atributo especificado de um objeto. Se o atributo não existir e um valor padrão (default) não for fornecido, uma exceção </a:t>
+            </a:r>
+            <a:r>
+              <a:rPr lang="pt-BR" sz="2400" dirty="0" err="1">
+                <a:solidFill>
+                  <a:schemeClr val="tx2"/>
+                </a:solidFill>
+              </a:rPr>
+              <a:t>AttributeError</a:t>
+            </a:r>
+            <a:r>
+              <a:rPr lang="pt-BR" sz="2400" dirty="0">
+                <a:solidFill>
+                  <a:schemeClr val="tx2"/>
+                </a:solidFill>
+              </a:rPr>
+              <a:t> será levantada. Se fornecido um valor padrão, ele será retornado em vez de levantar a exceção.</a:t>
+            </a:r>
+          </a:p>
+        </p:txBody>
+      </p:sp>
+      <p:sp>
+        <p:nvSpPr>
+          <p:cNvPr id="6" name="CaixaDeTexto 5">
+            <a:extLst>
+              <a:ext uri="{FF2B5EF4-FFF2-40B4-BE49-F238E27FC236}">
+                <a16:creationId xmlns:a16="http://schemas.microsoft.com/office/drawing/2014/main" id="{B8FC27BE-2CCC-AA4B-BEA5-B938867AFECE}"/>
+              </a:ext>
+            </a:extLst>
+          </p:cNvPr>
+          <p:cNvSpPr txBox="1"/>
+          <p:nvPr/>
+        </p:nvSpPr>
+        <p:spPr>
+          <a:xfrm>
+            <a:off x="4720213" y="4917633"/>
+            <a:ext cx="6097554" cy="1015663"/>
+          </a:xfrm>
+          <a:prstGeom prst="rect">
+            <a:avLst/>
+          </a:prstGeom>
+          <a:noFill/>
+        </p:spPr>
+        <p:txBody>
+          <a:bodyPr wrap="square">
+            <a:spAutoFit/>
+          </a:bodyPr>
+          <a:lstStyle/>
+          <a:p>
+            <a:r>
+              <a:rPr lang="pt-BR" sz="2000" b="0" dirty="0" err="1">
+                <a:solidFill>
+                  <a:srgbClr val="D1D4E0"/>
+                </a:solidFill>
+                <a:effectLst/>
+                <a:latin typeface="Consolas" panose="020B0609020204030204" pitchFamily="49" charset="0"/>
+              </a:rPr>
+              <a:t>string</a:t>
+            </a:r>
+            <a:r>
+              <a:rPr lang="pt-BR" sz="2000" b="0" dirty="0">
+                <a:solidFill>
+                  <a:srgbClr val="D1D4E0"/>
+                </a:solidFill>
+                <a:effectLst/>
+                <a:latin typeface="Consolas" panose="020B0609020204030204" pitchFamily="49" charset="0"/>
+              </a:rPr>
+              <a:t> </a:t>
+            </a:r>
+            <a:r>
+              <a:rPr lang="pt-BR" sz="2000" b="0" dirty="0">
+                <a:solidFill>
+                  <a:srgbClr val="F269B9"/>
+                </a:solidFill>
+                <a:effectLst/>
+                <a:latin typeface="Consolas" panose="020B0609020204030204" pitchFamily="49" charset="0"/>
+              </a:rPr>
+              <a:t>=</a:t>
+            </a:r>
+            <a:r>
+              <a:rPr lang="pt-BR" sz="2000" b="0" dirty="0">
+                <a:solidFill>
+                  <a:srgbClr val="D1D4E0"/>
+                </a:solidFill>
+                <a:effectLst/>
+                <a:latin typeface="Consolas" panose="020B0609020204030204" pitchFamily="49" charset="0"/>
+              </a:rPr>
+              <a:t> </a:t>
+            </a:r>
+            <a:r>
+              <a:rPr lang="pt-BR" sz="2000" b="0" dirty="0">
+                <a:solidFill>
+                  <a:srgbClr val="E0E97C"/>
+                </a:solidFill>
+                <a:effectLst/>
+                <a:latin typeface="Consolas" panose="020B0609020204030204" pitchFamily="49" charset="0"/>
+              </a:rPr>
+              <a:t>'Luiz'</a:t>
+            </a:r>
+            <a:endParaRPr lang="pt-BR" sz="2000" b="0" dirty="0">
+              <a:solidFill>
+                <a:srgbClr val="D1D4E0"/>
+              </a:solidFill>
+              <a:effectLst/>
+              <a:latin typeface="Consolas" panose="020B0609020204030204" pitchFamily="49" charset="0"/>
+            </a:endParaRPr>
+          </a:p>
+          <a:p>
+            <a:r>
+              <a:rPr lang="pt-BR" sz="2000" b="0" dirty="0" err="1">
+                <a:solidFill>
+                  <a:srgbClr val="F269B9"/>
+                </a:solidFill>
+                <a:effectLst/>
+                <a:latin typeface="Consolas" panose="020B0609020204030204" pitchFamily="49" charset="0"/>
+              </a:rPr>
+              <a:t>if</a:t>
+            </a:r>
+            <a:r>
+              <a:rPr lang="pt-BR" sz="2000" b="0" dirty="0">
+                <a:solidFill>
+                  <a:srgbClr val="D1D4E0"/>
+                </a:solidFill>
+                <a:effectLst/>
+                <a:latin typeface="Consolas" panose="020B0609020204030204" pitchFamily="49" charset="0"/>
+              </a:rPr>
+              <a:t> </a:t>
+            </a:r>
+            <a:r>
+              <a:rPr lang="pt-BR" sz="2000" b="0" dirty="0" err="1">
+                <a:solidFill>
+                  <a:srgbClr val="2DE266"/>
+                </a:solidFill>
+                <a:effectLst/>
+                <a:latin typeface="Consolas" panose="020B0609020204030204" pitchFamily="49" charset="0"/>
+              </a:rPr>
+              <a:t>hasattr</a:t>
+            </a:r>
+            <a:r>
+              <a:rPr lang="pt-BR" sz="2000" b="0" dirty="0">
+                <a:solidFill>
+                  <a:srgbClr val="D1D4E0"/>
+                </a:solidFill>
+                <a:effectLst/>
+                <a:latin typeface="Consolas" panose="020B0609020204030204" pitchFamily="49" charset="0"/>
+              </a:rPr>
+              <a:t>(</a:t>
+            </a:r>
+            <a:r>
+              <a:rPr lang="pt-BR" sz="2000" b="0" dirty="0" err="1">
+                <a:solidFill>
+                  <a:srgbClr val="D1D4E0"/>
+                </a:solidFill>
+                <a:effectLst/>
+                <a:latin typeface="Consolas" panose="020B0609020204030204" pitchFamily="49" charset="0"/>
+              </a:rPr>
+              <a:t>string</a:t>
+            </a:r>
+            <a:r>
+              <a:rPr lang="pt-BR" sz="2000" b="0" dirty="0">
+                <a:solidFill>
+                  <a:srgbClr val="D1D4E0"/>
+                </a:solidFill>
+                <a:effectLst/>
+                <a:latin typeface="Consolas" panose="020B0609020204030204" pitchFamily="49" charset="0"/>
+              </a:rPr>
+              <a:t>, </a:t>
+            </a:r>
+            <a:r>
+              <a:rPr lang="pt-BR" sz="2000" b="0" dirty="0">
+                <a:solidFill>
+                  <a:srgbClr val="E0E97C"/>
+                </a:solidFill>
+                <a:effectLst/>
+                <a:latin typeface="Consolas" panose="020B0609020204030204" pitchFamily="49" charset="0"/>
+              </a:rPr>
+              <a:t>'strip'</a:t>
+            </a:r>
+            <a:r>
+              <a:rPr lang="pt-BR" sz="2000" b="0" dirty="0">
+                <a:solidFill>
+                  <a:srgbClr val="D1D4E0"/>
+                </a:solidFill>
+                <a:effectLst/>
+                <a:latin typeface="Consolas" panose="020B0609020204030204" pitchFamily="49" charset="0"/>
+              </a:rPr>
+              <a:t>):</a:t>
+            </a:r>
+          </a:p>
+          <a:p>
+            <a:r>
+              <a:rPr lang="pt-BR" sz="2000" b="0" dirty="0">
+                <a:solidFill>
+                  <a:srgbClr val="D1D4E0"/>
+                </a:solidFill>
+                <a:effectLst/>
+                <a:latin typeface="Consolas" panose="020B0609020204030204" pitchFamily="49" charset="0"/>
+              </a:rPr>
+              <a:t>    </a:t>
+            </a:r>
+            <a:r>
+              <a:rPr lang="pt-BR" sz="2000" b="0" dirty="0">
+                <a:solidFill>
+                  <a:srgbClr val="2DE266"/>
+                </a:solidFill>
+                <a:effectLst/>
+                <a:latin typeface="Consolas" panose="020B0609020204030204" pitchFamily="49" charset="0"/>
+              </a:rPr>
+              <a:t>print</a:t>
+            </a:r>
+            <a:r>
+              <a:rPr lang="pt-BR" sz="2000" b="0" dirty="0">
+                <a:solidFill>
+                  <a:srgbClr val="D1D4E0"/>
+                </a:solidFill>
+                <a:effectLst/>
+                <a:latin typeface="Consolas" panose="020B0609020204030204" pitchFamily="49" charset="0"/>
+              </a:rPr>
+              <a:t>(</a:t>
+            </a:r>
+            <a:r>
+              <a:rPr lang="pt-BR" sz="2000" b="0" dirty="0">
+                <a:solidFill>
+                  <a:srgbClr val="E0E97C"/>
+                </a:solidFill>
+                <a:effectLst/>
+                <a:latin typeface="Consolas" panose="020B0609020204030204" pitchFamily="49" charset="0"/>
+              </a:rPr>
+              <a:t>'A </a:t>
+            </a:r>
+            <a:r>
+              <a:rPr lang="pt-BR" sz="2000" b="0" dirty="0" err="1">
+                <a:solidFill>
+                  <a:srgbClr val="E0E97C"/>
+                </a:solidFill>
+                <a:effectLst/>
+                <a:latin typeface="Consolas" panose="020B0609020204030204" pitchFamily="49" charset="0"/>
+              </a:rPr>
+              <a:t>string</a:t>
+            </a:r>
+            <a:r>
+              <a:rPr lang="pt-BR" sz="2000" b="0" dirty="0">
+                <a:solidFill>
+                  <a:srgbClr val="E0E97C"/>
+                </a:solidFill>
+                <a:effectLst/>
+                <a:latin typeface="Consolas" panose="020B0609020204030204" pitchFamily="49" charset="0"/>
+              </a:rPr>
+              <a:t> tem o método strip'</a:t>
+            </a:r>
+            <a:r>
+              <a:rPr lang="pt-BR" sz="2000" b="0" dirty="0">
+                <a:solidFill>
+                  <a:srgbClr val="D1D4E0"/>
+                </a:solidFill>
+                <a:effectLst/>
+                <a:latin typeface="Consolas" panose="020B0609020204030204" pitchFamily="49" charset="0"/>
+              </a:rPr>
+              <a:t>)</a:t>
+            </a:r>
+          </a:p>
+        </p:txBody>
+      </p:sp>
+    </p:spTree>
+    <p:extLst>
+      <p:ext uri="{BB962C8B-B14F-4D97-AF65-F5344CB8AC3E}">
+        <p14:creationId xmlns:p14="http://schemas.microsoft.com/office/powerpoint/2010/main" val="1256950318"/>
+      </p:ext>
+    </p:extLst>
+  </p:cSld>
+  <p:clrMapOvr>
+    <a:overrideClrMapping bg1="dk1" tx1="lt1" bg2="dk2" tx2="lt2" accent1="accent1" accent2="accent2" accent3="accent3" accent4="accent4" accent5="accent5" accent6="accent6" hlink="hlink" folHlink="folHlink"/>
+  </p:clrMapOvr>
+</p:sld>
+</file>
+
 <file path=ppt/slides/slide2.xml><?xml version="1.0" encoding="utf-8"?>
 <p:sld xmlns:a="http://schemas.openxmlformats.org/drawingml/2006/main" xmlns:r="http://schemas.openxmlformats.org/officeDocument/2006/relationships" xmlns:p="http://schemas.openxmlformats.org/presentationml/2006/main">
   <p:cSld>
